--- a/source/Overview/images_SpringMVCOverview/materialSpringMVCOverview.pptx
+++ b/source/Overview/images_SpringMVCOverview/materialSpringMVCOverview.pptx
@@ -117,6 +117,20 @@
         </p14:section>
       </p14:sectionLst>
     </p:ext>
+    <p:ext uri="{EFAFB233-063F-42B5-8137-9DF3F51BA10A}">
+      <p15:sldGuideLst xmlns:p15="http://schemas.microsoft.com/office/powerpoint/2012/main">
+        <p15:guide id="1" orient="horz" pos="2160">
+          <p15:clr>
+            <a:srgbClr val="A4A3A4"/>
+          </p15:clr>
+        </p15:guide>
+        <p15:guide id="2" pos="2880">
+          <p15:clr>
+            <a:srgbClr val="A4A3A4"/>
+          </p15:clr>
+        </p15:guide>
+      </p15:sldGuideLst>
+    </p:ext>
   </p:extLst>
 </p:presentation>
 </file>
@@ -203,7 +217,7 @@
           <a:p>
             <a:fld id="{3BB47352-BF5A-4CD2-B029-996118CD8E01}" type="datetimeFigureOut">
               <a:rPr kumimoji="1" lang="ja-JP" altLang="en-US" smtClean="0"/>
-              <a:t>2014/10/15</a:t>
+              <a:t>2017/2/15</a:t>
             </a:fld>
             <a:endParaRPr kumimoji="1" lang="ja-JP" altLang="en-US"/>
           </a:p>
@@ -768,7 +782,7 @@
           <a:p>
             <a:fld id="{7B9B12EC-6AA0-374B-A2D3-850081A07A26}" type="datetimeFigureOut">
               <a:rPr kumimoji="1" lang="ja-JP" altLang="en-US" smtClean="0"/>
-              <a:t>2014/10/15</a:t>
+              <a:t>2017/2/15</a:t>
             </a:fld>
             <a:endParaRPr kumimoji="1" lang="ja-JP" altLang="en-US"/>
           </a:p>
@@ -970,7 +984,7 @@
           <a:p>
             <a:fld id="{7B9B12EC-6AA0-374B-A2D3-850081A07A26}" type="datetimeFigureOut">
               <a:rPr kumimoji="1" lang="ja-JP" altLang="en-US" smtClean="0"/>
-              <a:t>2014/10/15</a:t>
+              <a:t>2017/2/15</a:t>
             </a:fld>
             <a:endParaRPr kumimoji="1" lang="ja-JP" altLang="en-US"/>
           </a:p>
@@ -1182,7 +1196,7 @@
           <a:p>
             <a:fld id="{7B9B12EC-6AA0-374B-A2D3-850081A07A26}" type="datetimeFigureOut">
               <a:rPr kumimoji="1" lang="ja-JP" altLang="en-US" smtClean="0"/>
-              <a:t>2014/10/15</a:t>
+              <a:t>2017/2/15</a:t>
             </a:fld>
             <a:endParaRPr kumimoji="1" lang="ja-JP" altLang="en-US"/>
           </a:p>
@@ -1384,7 +1398,7 @@
           <a:p>
             <a:fld id="{7B9B12EC-6AA0-374B-A2D3-850081A07A26}" type="datetimeFigureOut">
               <a:rPr kumimoji="1" lang="ja-JP" altLang="en-US" smtClean="0"/>
-              <a:t>2014/10/15</a:t>
+              <a:t>2017/2/15</a:t>
             </a:fld>
             <a:endParaRPr kumimoji="1" lang="ja-JP" altLang="en-US"/>
           </a:p>
@@ -1630,7 +1644,7 @@
           <a:p>
             <a:fld id="{7B9B12EC-6AA0-374B-A2D3-850081A07A26}" type="datetimeFigureOut">
               <a:rPr kumimoji="1" lang="ja-JP" altLang="en-US" smtClean="0"/>
-              <a:t>2014/10/15</a:t>
+              <a:t>2017/2/15</a:t>
             </a:fld>
             <a:endParaRPr kumimoji="1" lang="ja-JP" altLang="en-US"/>
           </a:p>
@@ -1982,7 +1996,7 @@
           <a:p>
             <a:fld id="{7B9B12EC-6AA0-374B-A2D3-850081A07A26}" type="datetimeFigureOut">
               <a:rPr kumimoji="1" lang="ja-JP" altLang="en-US" smtClean="0"/>
-              <a:t>2014/10/15</a:t>
+              <a:t>2017/2/15</a:t>
             </a:fld>
             <a:endParaRPr kumimoji="1" lang="ja-JP" altLang="en-US"/>
           </a:p>
@@ -2468,7 +2482,7 @@
           <a:p>
             <a:fld id="{7B9B12EC-6AA0-374B-A2D3-850081A07A26}" type="datetimeFigureOut">
               <a:rPr kumimoji="1" lang="ja-JP" altLang="en-US" smtClean="0"/>
-              <a:t>2014/10/15</a:t>
+              <a:t>2017/2/15</a:t>
             </a:fld>
             <a:endParaRPr kumimoji="1" lang="ja-JP" altLang="en-US"/>
           </a:p>
@@ -2586,7 +2600,7 @@
           <a:p>
             <a:fld id="{7B9B12EC-6AA0-374B-A2D3-850081A07A26}" type="datetimeFigureOut">
               <a:rPr kumimoji="1" lang="ja-JP" altLang="en-US" smtClean="0"/>
-              <a:t>2014/10/15</a:t>
+              <a:t>2017/2/15</a:t>
             </a:fld>
             <a:endParaRPr kumimoji="1" lang="ja-JP" altLang="en-US"/>
           </a:p>
@@ -2681,7 +2695,7 @@
           <a:p>
             <a:fld id="{7B9B12EC-6AA0-374B-A2D3-850081A07A26}" type="datetimeFigureOut">
               <a:rPr kumimoji="1" lang="ja-JP" altLang="en-US" smtClean="0"/>
-              <a:t>2014/10/15</a:t>
+              <a:t>2017/2/15</a:t>
             </a:fld>
             <a:endParaRPr kumimoji="1" lang="ja-JP" altLang="en-US"/>
           </a:p>
@@ -2990,7 +3004,7 @@
           <a:p>
             <a:fld id="{7B9B12EC-6AA0-374B-A2D3-850081A07A26}" type="datetimeFigureOut">
               <a:rPr kumimoji="1" lang="ja-JP" altLang="en-US" smtClean="0"/>
-              <a:t>2014/10/15</a:t>
+              <a:t>2017/2/15</a:t>
             </a:fld>
             <a:endParaRPr kumimoji="1" lang="ja-JP" altLang="en-US"/>
           </a:p>
@@ -3243,7 +3257,7 @@
           <a:p>
             <a:fld id="{7B9B12EC-6AA0-374B-A2D3-850081A07A26}" type="datetimeFigureOut">
               <a:rPr kumimoji="1" lang="ja-JP" altLang="en-US" smtClean="0"/>
-              <a:t>2014/10/15</a:t>
+              <a:t>2017/2/15</a:t>
             </a:fld>
             <a:endParaRPr kumimoji="1" lang="ja-JP" altLang="en-US"/>
           </a:p>
@@ -3488,7 +3502,7 @@
           <a:p>
             <a:fld id="{7B9B12EC-6AA0-374B-A2D3-850081A07A26}" type="datetimeFigureOut">
               <a:rPr kumimoji="1" lang="ja-JP" altLang="en-US" smtClean="0"/>
-              <a:t>2014/10/15</a:t>
+              <a:t>2017/2/15</a:t>
             </a:fld>
             <a:endParaRPr kumimoji="1" lang="ja-JP" altLang="en-US"/>
           </a:p>
@@ -5110,7 +5124,11 @@
             </a:r>
             <a:r>
               <a:rPr lang="en-US" altLang="ja-JP" sz="1400" dirty="0"/>
-              <a:t>provided by Spring Source</a:t>
+              <a:t>provided by </a:t>
+            </a:r>
+            <a:r>
+              <a:rPr lang="en-US" altLang="ja-JP" sz="1400" dirty="0" smtClean="0"/>
+              <a:t>Spring</a:t>
             </a:r>
             <a:endParaRPr lang="en-US" altLang="ja-JP" sz="1400" dirty="0" smtClean="0"/>
           </a:p>
@@ -5185,7 +5203,11 @@
           <a:p>
             <a:r>
               <a:rPr lang="en-US" altLang="ja-JP" sz="1400" dirty="0" smtClean="0"/>
-              <a:t>… provided by Spring Source</a:t>
+              <a:t>… provided by </a:t>
+            </a:r>
+            <a:r>
+              <a:rPr lang="en-US" altLang="ja-JP" sz="1400" dirty="0" smtClean="0"/>
+              <a:t>Spring</a:t>
             </a:r>
             <a:endParaRPr kumimoji="1" lang="ja-JP" altLang="en-US" sz="1400" dirty="0"/>
           </a:p>

--- a/source/Overview/images_SpringMVCOverview/materialSpringMVCOverview.pptx
+++ b/source/Overview/images_SpringMVCOverview/materialSpringMVCOverview.pptx
@@ -1,23 +1,20 @@
 
 <file path=ppt/presentation.xml><?xml version="1.0" encoding="utf-8"?>
-<p:presentation xmlns:a="http://schemas.openxmlformats.org/drawingml/2006/main" xmlns:r="http://schemas.openxmlformats.org/officeDocument/2006/relationships" xmlns:p="http://schemas.openxmlformats.org/presentationml/2006/main" saveSubsetFonts="1" autoCompressPictures="0">
+<p:presentation xmlns:a="http://schemas.openxmlformats.org/drawingml/2006/main" xmlns:r="http://schemas.openxmlformats.org/officeDocument/2006/relationships" xmlns:p="http://schemas.openxmlformats.org/presentationml/2006/main" saveSubsetFonts="1">
   <p:sldMasterIdLst>
-    <p:sldMasterId id="2147483648" r:id="rId1"/>
+    <p:sldMasterId id="2147483696" r:id="rId1"/>
   </p:sldMasterIdLst>
-  <p:notesMasterIdLst>
-    <p:notesMasterId r:id="rId3"/>
-  </p:notesMasterIdLst>
   <p:sldIdLst>
-    <p:sldId id="256" r:id="rId2"/>
+    <p:sldId id="258" r:id="rId2"/>
   </p:sldIdLst>
-  <p:sldSz cx="9144000" cy="6858000" type="screen4x3"/>
+  <p:sldSz cx="11520488" cy="7559675"/>
   <p:notesSz cx="6858000" cy="9144000"/>
   <p:defaultTextStyle>
     <a:defPPr>
       <a:defRPr lang="ja-JP"/>
     </a:defPPr>
-    <a:lvl1pPr marL="0" algn="l" defTabSz="457200" rtl="0" eaLnBrk="1" latinLnBrk="0" hangingPunct="1">
-      <a:defRPr kumimoji="1" sz="1800" kern="1200">
+    <a:lvl1pPr marL="0" algn="l" defTabSz="1001341" rtl="0" eaLnBrk="1" latinLnBrk="0" hangingPunct="1">
+      <a:defRPr kumimoji="1" sz="1972" kern="1200">
         <a:solidFill>
           <a:schemeClr val="tx1"/>
         </a:solidFill>
@@ -26,8 +23,8 @@
         <a:cs typeface="+mn-cs"/>
       </a:defRPr>
     </a:lvl1pPr>
-    <a:lvl2pPr marL="457200" algn="l" defTabSz="457200" rtl="0" eaLnBrk="1" latinLnBrk="0" hangingPunct="1">
-      <a:defRPr kumimoji="1" sz="1800" kern="1200">
+    <a:lvl2pPr marL="500670" algn="l" defTabSz="1001341" rtl="0" eaLnBrk="1" latinLnBrk="0" hangingPunct="1">
+      <a:defRPr kumimoji="1" sz="1972" kern="1200">
         <a:solidFill>
           <a:schemeClr val="tx1"/>
         </a:solidFill>
@@ -36,8 +33,8 @@
         <a:cs typeface="+mn-cs"/>
       </a:defRPr>
     </a:lvl2pPr>
-    <a:lvl3pPr marL="914400" algn="l" defTabSz="457200" rtl="0" eaLnBrk="1" latinLnBrk="0" hangingPunct="1">
-      <a:defRPr kumimoji="1" sz="1800" kern="1200">
+    <a:lvl3pPr marL="1001341" algn="l" defTabSz="1001341" rtl="0" eaLnBrk="1" latinLnBrk="0" hangingPunct="1">
+      <a:defRPr kumimoji="1" sz="1972" kern="1200">
         <a:solidFill>
           <a:schemeClr val="tx1"/>
         </a:solidFill>
@@ -46,8 +43,8 @@
         <a:cs typeface="+mn-cs"/>
       </a:defRPr>
     </a:lvl3pPr>
-    <a:lvl4pPr marL="1371600" algn="l" defTabSz="457200" rtl="0" eaLnBrk="1" latinLnBrk="0" hangingPunct="1">
-      <a:defRPr kumimoji="1" sz="1800" kern="1200">
+    <a:lvl4pPr marL="1502012" algn="l" defTabSz="1001341" rtl="0" eaLnBrk="1" latinLnBrk="0" hangingPunct="1">
+      <a:defRPr kumimoji="1" sz="1972" kern="1200">
         <a:solidFill>
           <a:schemeClr val="tx1"/>
         </a:solidFill>
@@ -56,8 +53,8 @@
         <a:cs typeface="+mn-cs"/>
       </a:defRPr>
     </a:lvl4pPr>
-    <a:lvl5pPr marL="1828800" algn="l" defTabSz="457200" rtl="0" eaLnBrk="1" latinLnBrk="0" hangingPunct="1">
-      <a:defRPr kumimoji="1" sz="1800" kern="1200">
+    <a:lvl5pPr marL="2002682" algn="l" defTabSz="1001341" rtl="0" eaLnBrk="1" latinLnBrk="0" hangingPunct="1">
+      <a:defRPr kumimoji="1" sz="1972" kern="1200">
         <a:solidFill>
           <a:schemeClr val="tx1"/>
         </a:solidFill>
@@ -66,8 +63,8 @@
         <a:cs typeface="+mn-cs"/>
       </a:defRPr>
     </a:lvl5pPr>
-    <a:lvl6pPr marL="2286000" algn="l" defTabSz="457200" rtl="0" eaLnBrk="1" latinLnBrk="0" hangingPunct="1">
-      <a:defRPr kumimoji="1" sz="1800" kern="1200">
+    <a:lvl6pPr marL="2503353" algn="l" defTabSz="1001341" rtl="0" eaLnBrk="1" latinLnBrk="0" hangingPunct="1">
+      <a:defRPr kumimoji="1" sz="1972" kern="1200">
         <a:solidFill>
           <a:schemeClr val="tx1"/>
         </a:solidFill>
@@ -76,8 +73,8 @@
         <a:cs typeface="+mn-cs"/>
       </a:defRPr>
     </a:lvl6pPr>
-    <a:lvl7pPr marL="2743200" algn="l" defTabSz="457200" rtl="0" eaLnBrk="1" latinLnBrk="0" hangingPunct="1">
-      <a:defRPr kumimoji="1" sz="1800" kern="1200">
+    <a:lvl7pPr marL="3004023" algn="l" defTabSz="1001341" rtl="0" eaLnBrk="1" latinLnBrk="0" hangingPunct="1">
+      <a:defRPr kumimoji="1" sz="1972" kern="1200">
         <a:solidFill>
           <a:schemeClr val="tx1"/>
         </a:solidFill>
@@ -86,8 +83,8 @@
         <a:cs typeface="+mn-cs"/>
       </a:defRPr>
     </a:lvl7pPr>
-    <a:lvl8pPr marL="3200400" algn="l" defTabSz="457200" rtl="0" eaLnBrk="1" latinLnBrk="0" hangingPunct="1">
-      <a:defRPr kumimoji="1" sz="1800" kern="1200">
+    <a:lvl8pPr marL="3504693" algn="l" defTabSz="1001341" rtl="0" eaLnBrk="1" latinLnBrk="0" hangingPunct="1">
+      <a:defRPr kumimoji="1" sz="1972" kern="1200">
         <a:solidFill>
           <a:schemeClr val="tx1"/>
         </a:solidFill>
@@ -96,8 +93,8 @@
         <a:cs typeface="+mn-cs"/>
       </a:defRPr>
     </a:lvl8pPr>
-    <a:lvl9pPr marL="3657600" algn="l" defTabSz="457200" rtl="0" eaLnBrk="1" latinLnBrk="0" hangingPunct="1">
-      <a:defRPr kumimoji="1" sz="1800" kern="1200">
+    <a:lvl9pPr marL="4005364" algn="l" defTabSz="1001341" rtl="0" eaLnBrk="1" latinLnBrk="0" hangingPunct="1">
+      <a:defRPr kumimoji="1" sz="1972" kern="1200">
         <a:solidFill>
           <a:schemeClr val="tx1"/>
         </a:solidFill>
@@ -107,498 +104,7 @@
       </a:defRPr>
     </a:lvl9pPr>
   </p:defaultTextStyle>
-  <p:extLst>
-    <p:ext uri="{521415D9-36F7-43E2-AB2F-B90AF26B5E84}">
-      <p14:sectionLst xmlns:p14="http://schemas.microsoft.com/office/powerpoint/2010/main">
-        <p14:section name="既定のセクション" id="{59ED460B-0A37-491B-8FAD-B9D4D6D40571}">
-          <p14:sldIdLst>
-            <p14:sldId id="256"/>
-          </p14:sldIdLst>
-        </p14:section>
-      </p14:sectionLst>
-    </p:ext>
-    <p:ext uri="{EFAFB233-063F-42B5-8137-9DF3F51BA10A}">
-      <p15:sldGuideLst xmlns:p15="http://schemas.microsoft.com/office/powerpoint/2012/main">
-        <p15:guide id="1" orient="horz" pos="2160">
-          <p15:clr>
-            <a:srgbClr val="A4A3A4"/>
-          </p15:clr>
-        </p15:guide>
-        <p15:guide id="2" pos="2880">
-          <p15:clr>
-            <a:srgbClr val="A4A3A4"/>
-          </p15:clr>
-        </p15:guide>
-      </p15:sldGuideLst>
-    </p:ext>
-  </p:extLst>
 </p:presentation>
-</file>
-
-<file path=ppt/notesMasters/notesMaster1.xml><?xml version="1.0" encoding="utf-8"?>
-<p:notesMaster xmlns:a="http://schemas.openxmlformats.org/drawingml/2006/main" xmlns:r="http://schemas.openxmlformats.org/officeDocument/2006/relationships" xmlns:p="http://schemas.openxmlformats.org/presentationml/2006/main">
-  <p:cSld>
-    <p:bg>
-      <p:bgRef idx="1001">
-        <a:schemeClr val="bg1"/>
-      </p:bgRef>
-    </p:bg>
-    <p:spTree>
-      <p:nvGrpSpPr>
-        <p:cNvPr id="1" name=""/>
-        <p:cNvGrpSpPr/>
-        <p:nvPr/>
-      </p:nvGrpSpPr>
-      <p:grpSpPr>
-        <a:xfrm>
-          <a:off x="0" y="0"/>
-          <a:ext cx="0" cy="0"/>
-          <a:chOff x="0" y="0"/>
-          <a:chExt cx="0" cy="0"/>
-        </a:xfrm>
-      </p:grpSpPr>
-      <p:sp>
-        <p:nvSpPr>
-          <p:cNvPr id="2" name="ヘッダー プレースホルダー 1"/>
-          <p:cNvSpPr>
-            <a:spLocks noGrp="1"/>
-          </p:cNvSpPr>
-          <p:nvPr>
-            <p:ph type="hdr" sz="quarter"/>
-          </p:nvPr>
-        </p:nvSpPr>
-        <p:spPr>
-          <a:xfrm>
-            <a:off x="0" y="0"/>
-            <a:ext cx="2971800" cy="457200"/>
-          </a:xfrm>
-          <a:prstGeom prst="rect">
-            <a:avLst/>
-          </a:prstGeom>
-        </p:spPr>
-        <p:txBody>
-          <a:bodyPr vert="horz" lIns="91440" tIns="45720" rIns="91440" bIns="45720" rtlCol="0"/>
-          <a:lstStyle>
-            <a:lvl1pPr algn="l">
-              <a:defRPr sz="1200"/>
-            </a:lvl1pPr>
-          </a:lstStyle>
-          <a:p>
-            <a:endParaRPr kumimoji="1" lang="ja-JP" altLang="en-US"/>
-          </a:p>
-        </p:txBody>
-      </p:sp>
-      <p:sp>
-        <p:nvSpPr>
-          <p:cNvPr id="3" name="日付プレースホルダー 2"/>
-          <p:cNvSpPr>
-            <a:spLocks noGrp="1"/>
-          </p:cNvSpPr>
-          <p:nvPr>
-            <p:ph type="dt" idx="1"/>
-          </p:nvPr>
-        </p:nvSpPr>
-        <p:spPr>
-          <a:xfrm>
-            <a:off x="3884613" y="0"/>
-            <a:ext cx="2971800" cy="457200"/>
-          </a:xfrm>
-          <a:prstGeom prst="rect">
-            <a:avLst/>
-          </a:prstGeom>
-        </p:spPr>
-        <p:txBody>
-          <a:bodyPr vert="horz" lIns="91440" tIns="45720" rIns="91440" bIns="45720" rtlCol="0"/>
-          <a:lstStyle>
-            <a:lvl1pPr algn="r">
-              <a:defRPr sz="1200"/>
-            </a:lvl1pPr>
-          </a:lstStyle>
-          <a:p>
-            <a:fld id="{3BB47352-BF5A-4CD2-B029-996118CD8E01}" type="datetimeFigureOut">
-              <a:rPr kumimoji="1" lang="ja-JP" altLang="en-US" smtClean="0"/>
-              <a:t>2017/2/15</a:t>
-            </a:fld>
-            <a:endParaRPr kumimoji="1" lang="ja-JP" altLang="en-US"/>
-          </a:p>
-        </p:txBody>
-      </p:sp>
-      <p:sp>
-        <p:nvSpPr>
-          <p:cNvPr id="4" name="スライド イメージ プレースホルダー 3"/>
-          <p:cNvSpPr>
-            <a:spLocks noGrp="1" noRot="1" noChangeAspect="1"/>
-          </p:cNvSpPr>
-          <p:nvPr>
-            <p:ph type="sldImg" idx="2"/>
-          </p:nvPr>
-        </p:nvSpPr>
-        <p:spPr>
-          <a:xfrm>
-            <a:off x="1143000" y="685800"/>
-            <a:ext cx="4572000" cy="3429000"/>
-          </a:xfrm>
-          <a:prstGeom prst="rect">
-            <a:avLst/>
-          </a:prstGeom>
-          <a:noFill/>
-          <a:ln w="12700">
-            <a:solidFill>
-              <a:prstClr val="black"/>
-            </a:solidFill>
-          </a:ln>
-        </p:spPr>
-        <p:txBody>
-          <a:bodyPr vert="horz" lIns="91440" tIns="45720" rIns="91440" bIns="45720" rtlCol="0" anchor="ctr"/>
-          <a:lstStyle/>
-          <a:p>
-            <a:endParaRPr lang="ja-JP" altLang="en-US"/>
-          </a:p>
-        </p:txBody>
-      </p:sp>
-      <p:sp>
-        <p:nvSpPr>
-          <p:cNvPr id="5" name="ノート プレースホルダー 4"/>
-          <p:cNvSpPr>
-            <a:spLocks noGrp="1"/>
-          </p:cNvSpPr>
-          <p:nvPr>
-            <p:ph type="body" sz="quarter" idx="3"/>
-          </p:nvPr>
-        </p:nvSpPr>
-        <p:spPr>
-          <a:xfrm>
-            <a:off x="685800" y="4343400"/>
-            <a:ext cx="5486400" cy="4114800"/>
-          </a:xfrm>
-          <a:prstGeom prst="rect">
-            <a:avLst/>
-          </a:prstGeom>
-        </p:spPr>
-        <p:txBody>
-          <a:bodyPr vert="horz" lIns="91440" tIns="45720" rIns="91440" bIns="45720" rtlCol="0"/>
-          <a:lstStyle/>
-          <a:p>
-            <a:pPr lvl="0"/>
-            <a:r>
-              <a:rPr kumimoji="1" lang="ja-JP" altLang="en-US" smtClean="0"/>
-              <a:t>マスター テキストの書式設定</a:t>
-            </a:r>
-          </a:p>
-          <a:p>
-            <a:pPr lvl="1"/>
-            <a:r>
-              <a:rPr kumimoji="1" lang="ja-JP" altLang="en-US" smtClean="0"/>
-              <a:t>第 </a:t>
-            </a:r>
-            <a:r>
-              <a:rPr kumimoji="1" lang="en-US" altLang="ja-JP" smtClean="0"/>
-              <a:t>2 </a:t>
-            </a:r>
-            <a:r>
-              <a:rPr kumimoji="1" lang="ja-JP" altLang="en-US" smtClean="0"/>
-              <a:t>レベル</a:t>
-            </a:r>
-          </a:p>
-          <a:p>
-            <a:pPr lvl="2"/>
-            <a:r>
-              <a:rPr kumimoji="1" lang="ja-JP" altLang="en-US" smtClean="0"/>
-              <a:t>第 </a:t>
-            </a:r>
-            <a:r>
-              <a:rPr kumimoji="1" lang="en-US" altLang="ja-JP" smtClean="0"/>
-              <a:t>3 </a:t>
-            </a:r>
-            <a:r>
-              <a:rPr kumimoji="1" lang="ja-JP" altLang="en-US" smtClean="0"/>
-              <a:t>レベル</a:t>
-            </a:r>
-          </a:p>
-          <a:p>
-            <a:pPr lvl="3"/>
-            <a:r>
-              <a:rPr kumimoji="1" lang="ja-JP" altLang="en-US" smtClean="0"/>
-              <a:t>第 </a:t>
-            </a:r>
-            <a:r>
-              <a:rPr kumimoji="1" lang="en-US" altLang="ja-JP" smtClean="0"/>
-              <a:t>4 </a:t>
-            </a:r>
-            <a:r>
-              <a:rPr kumimoji="1" lang="ja-JP" altLang="en-US" smtClean="0"/>
-              <a:t>レベル</a:t>
-            </a:r>
-          </a:p>
-          <a:p>
-            <a:pPr lvl="4"/>
-            <a:r>
-              <a:rPr kumimoji="1" lang="ja-JP" altLang="en-US" smtClean="0"/>
-              <a:t>第 </a:t>
-            </a:r>
-            <a:r>
-              <a:rPr kumimoji="1" lang="en-US" altLang="ja-JP" smtClean="0"/>
-              <a:t>5 </a:t>
-            </a:r>
-            <a:r>
-              <a:rPr kumimoji="1" lang="ja-JP" altLang="en-US" smtClean="0"/>
-              <a:t>レベル</a:t>
-            </a:r>
-            <a:endParaRPr kumimoji="1" lang="ja-JP" altLang="en-US"/>
-          </a:p>
-        </p:txBody>
-      </p:sp>
-      <p:sp>
-        <p:nvSpPr>
-          <p:cNvPr id="6" name="フッター プレースホルダー 5"/>
-          <p:cNvSpPr>
-            <a:spLocks noGrp="1"/>
-          </p:cNvSpPr>
-          <p:nvPr>
-            <p:ph type="ftr" sz="quarter" idx="4"/>
-          </p:nvPr>
-        </p:nvSpPr>
-        <p:spPr>
-          <a:xfrm>
-            <a:off x="0" y="8685213"/>
-            <a:ext cx="2971800" cy="457200"/>
-          </a:xfrm>
-          <a:prstGeom prst="rect">
-            <a:avLst/>
-          </a:prstGeom>
-        </p:spPr>
-        <p:txBody>
-          <a:bodyPr vert="horz" lIns="91440" tIns="45720" rIns="91440" bIns="45720" rtlCol="0" anchor="b"/>
-          <a:lstStyle>
-            <a:lvl1pPr algn="l">
-              <a:defRPr sz="1200"/>
-            </a:lvl1pPr>
-          </a:lstStyle>
-          <a:p>
-            <a:endParaRPr kumimoji="1" lang="ja-JP" altLang="en-US"/>
-          </a:p>
-        </p:txBody>
-      </p:sp>
-      <p:sp>
-        <p:nvSpPr>
-          <p:cNvPr id="7" name="スライド番号プレースホルダー 6"/>
-          <p:cNvSpPr>
-            <a:spLocks noGrp="1"/>
-          </p:cNvSpPr>
-          <p:nvPr>
-            <p:ph type="sldNum" sz="quarter" idx="5"/>
-          </p:nvPr>
-        </p:nvSpPr>
-        <p:spPr>
-          <a:xfrm>
-            <a:off x="3884613" y="8685213"/>
-            <a:ext cx="2971800" cy="457200"/>
-          </a:xfrm>
-          <a:prstGeom prst="rect">
-            <a:avLst/>
-          </a:prstGeom>
-        </p:spPr>
-        <p:txBody>
-          <a:bodyPr vert="horz" lIns="91440" tIns="45720" rIns="91440" bIns="45720" rtlCol="0" anchor="b"/>
-          <a:lstStyle>
-            <a:lvl1pPr algn="r">
-              <a:defRPr sz="1200"/>
-            </a:lvl1pPr>
-          </a:lstStyle>
-          <a:p>
-            <a:fld id="{003CFFA3-9D07-4088-826B-DF328166082C}" type="slidenum">
-              <a:rPr kumimoji="1" lang="ja-JP" altLang="en-US" smtClean="0"/>
-              <a:t>‹#›</a:t>
-            </a:fld>
-            <a:endParaRPr kumimoji="1" lang="ja-JP" altLang="en-US"/>
-          </a:p>
-        </p:txBody>
-      </p:sp>
-    </p:spTree>
-    <p:extLst>
-      <p:ext uri="{BB962C8B-B14F-4D97-AF65-F5344CB8AC3E}">
-        <p14:creationId xmlns:p14="http://schemas.microsoft.com/office/powerpoint/2010/main" val="1563212060"/>
-      </p:ext>
-    </p:extLst>
-  </p:cSld>
-  <p:clrMap bg1="lt1" tx1="dk1" bg2="lt2" tx2="dk2" accent1="accent1" accent2="accent2" accent3="accent3" accent4="accent4" accent5="accent5" accent6="accent6" hlink="hlink" folHlink="folHlink"/>
-  <p:notesStyle>
-    <a:lvl1pPr marL="0" algn="l" defTabSz="914400" rtl="0" eaLnBrk="1" latinLnBrk="0" hangingPunct="1">
-      <a:defRPr kumimoji="1" sz="1200" kern="1200">
-        <a:solidFill>
-          <a:schemeClr val="tx1"/>
-        </a:solidFill>
-        <a:latin typeface="+mn-lt"/>
-        <a:ea typeface="+mn-ea"/>
-        <a:cs typeface="+mn-cs"/>
-      </a:defRPr>
-    </a:lvl1pPr>
-    <a:lvl2pPr marL="457200" algn="l" defTabSz="914400" rtl="0" eaLnBrk="1" latinLnBrk="0" hangingPunct="1">
-      <a:defRPr kumimoji="1" sz="1200" kern="1200">
-        <a:solidFill>
-          <a:schemeClr val="tx1"/>
-        </a:solidFill>
-        <a:latin typeface="+mn-lt"/>
-        <a:ea typeface="+mn-ea"/>
-        <a:cs typeface="+mn-cs"/>
-      </a:defRPr>
-    </a:lvl2pPr>
-    <a:lvl3pPr marL="914400" algn="l" defTabSz="914400" rtl="0" eaLnBrk="1" latinLnBrk="0" hangingPunct="1">
-      <a:defRPr kumimoji="1" sz="1200" kern="1200">
-        <a:solidFill>
-          <a:schemeClr val="tx1"/>
-        </a:solidFill>
-        <a:latin typeface="+mn-lt"/>
-        <a:ea typeface="+mn-ea"/>
-        <a:cs typeface="+mn-cs"/>
-      </a:defRPr>
-    </a:lvl3pPr>
-    <a:lvl4pPr marL="1371600" algn="l" defTabSz="914400" rtl="0" eaLnBrk="1" latinLnBrk="0" hangingPunct="1">
-      <a:defRPr kumimoji="1" sz="1200" kern="1200">
-        <a:solidFill>
-          <a:schemeClr val="tx1"/>
-        </a:solidFill>
-        <a:latin typeface="+mn-lt"/>
-        <a:ea typeface="+mn-ea"/>
-        <a:cs typeface="+mn-cs"/>
-      </a:defRPr>
-    </a:lvl4pPr>
-    <a:lvl5pPr marL="1828800" algn="l" defTabSz="914400" rtl="0" eaLnBrk="1" latinLnBrk="0" hangingPunct="1">
-      <a:defRPr kumimoji="1" sz="1200" kern="1200">
-        <a:solidFill>
-          <a:schemeClr val="tx1"/>
-        </a:solidFill>
-        <a:latin typeface="+mn-lt"/>
-        <a:ea typeface="+mn-ea"/>
-        <a:cs typeface="+mn-cs"/>
-      </a:defRPr>
-    </a:lvl5pPr>
-    <a:lvl6pPr marL="2286000" algn="l" defTabSz="914400" rtl="0" eaLnBrk="1" latinLnBrk="0" hangingPunct="1">
-      <a:defRPr kumimoji="1" sz="1200" kern="1200">
-        <a:solidFill>
-          <a:schemeClr val="tx1"/>
-        </a:solidFill>
-        <a:latin typeface="+mn-lt"/>
-        <a:ea typeface="+mn-ea"/>
-        <a:cs typeface="+mn-cs"/>
-      </a:defRPr>
-    </a:lvl6pPr>
-    <a:lvl7pPr marL="2743200" algn="l" defTabSz="914400" rtl="0" eaLnBrk="1" latinLnBrk="0" hangingPunct="1">
-      <a:defRPr kumimoji="1" sz="1200" kern="1200">
-        <a:solidFill>
-          <a:schemeClr val="tx1"/>
-        </a:solidFill>
-        <a:latin typeface="+mn-lt"/>
-        <a:ea typeface="+mn-ea"/>
-        <a:cs typeface="+mn-cs"/>
-      </a:defRPr>
-    </a:lvl7pPr>
-    <a:lvl8pPr marL="3200400" algn="l" defTabSz="914400" rtl="0" eaLnBrk="1" latinLnBrk="0" hangingPunct="1">
-      <a:defRPr kumimoji="1" sz="1200" kern="1200">
-        <a:solidFill>
-          <a:schemeClr val="tx1"/>
-        </a:solidFill>
-        <a:latin typeface="+mn-lt"/>
-        <a:ea typeface="+mn-ea"/>
-        <a:cs typeface="+mn-cs"/>
-      </a:defRPr>
-    </a:lvl8pPr>
-    <a:lvl9pPr marL="3657600" algn="l" defTabSz="914400" rtl="0" eaLnBrk="1" latinLnBrk="0" hangingPunct="1">
-      <a:defRPr kumimoji="1" sz="1200" kern="1200">
-        <a:solidFill>
-          <a:schemeClr val="tx1"/>
-        </a:solidFill>
-        <a:latin typeface="+mn-lt"/>
-        <a:ea typeface="+mn-ea"/>
-        <a:cs typeface="+mn-cs"/>
-      </a:defRPr>
-    </a:lvl9pPr>
-  </p:notesStyle>
-</p:notesMaster>
-</file>
-
-<file path=ppt/notesSlides/notesSlide1.xml><?xml version="1.0" encoding="utf-8"?>
-<p:notes xmlns:a="http://schemas.openxmlformats.org/drawingml/2006/main" xmlns:r="http://schemas.openxmlformats.org/officeDocument/2006/relationships" xmlns:p="http://schemas.openxmlformats.org/presentationml/2006/main">
-  <p:cSld>
-    <p:spTree>
-      <p:nvGrpSpPr>
-        <p:cNvPr id="1" name=""/>
-        <p:cNvGrpSpPr/>
-        <p:nvPr/>
-      </p:nvGrpSpPr>
-      <p:grpSpPr>
-        <a:xfrm>
-          <a:off x="0" y="0"/>
-          <a:ext cx="0" cy="0"/>
-          <a:chOff x="0" y="0"/>
-          <a:chExt cx="0" cy="0"/>
-        </a:xfrm>
-      </p:grpSpPr>
-      <p:sp>
-        <p:nvSpPr>
-          <p:cNvPr id="2" name="スライド イメージ プレースホルダー 1"/>
-          <p:cNvSpPr>
-            <a:spLocks noGrp="1" noRot="1" noChangeAspect="1"/>
-          </p:cNvSpPr>
-          <p:nvPr>
-            <p:ph type="sldImg"/>
-          </p:nvPr>
-        </p:nvSpPr>
-        <p:spPr/>
-      </p:sp>
-      <p:sp>
-        <p:nvSpPr>
-          <p:cNvPr id="3" name="ノート プレースホルダー 2"/>
-          <p:cNvSpPr>
-            <a:spLocks noGrp="1"/>
-          </p:cNvSpPr>
-          <p:nvPr>
-            <p:ph type="body" idx="1"/>
-          </p:nvPr>
-        </p:nvSpPr>
-        <p:spPr/>
-        <p:txBody>
-          <a:bodyPr/>
-          <a:lstStyle/>
-          <a:p>
-            <a:endParaRPr kumimoji="1" lang="ja-JP" altLang="en-US"/>
-          </a:p>
-        </p:txBody>
-      </p:sp>
-      <p:sp>
-        <p:nvSpPr>
-          <p:cNvPr id="4" name="スライド番号プレースホルダー 3"/>
-          <p:cNvSpPr>
-            <a:spLocks noGrp="1"/>
-          </p:cNvSpPr>
-          <p:nvPr>
-            <p:ph type="sldNum" sz="quarter" idx="10"/>
-          </p:nvPr>
-        </p:nvSpPr>
-        <p:spPr/>
-        <p:txBody>
-          <a:bodyPr/>
-          <a:lstStyle/>
-          <a:p>
-            <a:fld id="{003CFFA3-9D07-4088-826B-DF328166082C}" type="slidenum">
-              <a:rPr kumimoji="1" lang="ja-JP" altLang="en-US" smtClean="0"/>
-              <a:t>1</a:t>
-            </a:fld>
-            <a:endParaRPr kumimoji="1" lang="ja-JP" altLang="en-US"/>
-          </a:p>
-        </p:txBody>
-      </p:sp>
-    </p:spTree>
-    <p:extLst>
-      <p:ext uri="{BB962C8B-B14F-4D97-AF65-F5344CB8AC3E}">
-        <p14:creationId xmlns:p14="http://schemas.microsoft.com/office/powerpoint/2010/main" val="1465353011"/>
-      </p:ext>
-    </p:extLst>
-  </p:cSld>
-  <p:clrMapOvr>
-    <a:masterClrMapping/>
-  </p:clrMapOvr>
-</p:notes>
 </file>
 
 <file path=ppt/slideLayouts/slideLayout1.xml><?xml version="1.0" encoding="utf-8"?>
@@ -620,7 +126,7 @@
       </p:grpSpPr>
       <p:sp>
         <p:nvSpPr>
-          <p:cNvPr id="2" name="タイトル 1"/>
+          <p:cNvPr id="2" name="Title 1"/>
           <p:cNvSpPr>
             <a:spLocks noGrp="1"/>
           </p:cNvSpPr>
@@ -630,25 +136,29 @@
         </p:nvSpPr>
         <p:spPr>
           <a:xfrm>
-            <a:off x="685800" y="2130425"/>
-            <a:ext cx="7772400" cy="1470025"/>
-          </a:xfrm>
-        </p:spPr>
-        <p:txBody>
-          <a:bodyPr/>
-          <a:lstStyle/>
-          <a:p>
-            <a:r>
-              <a:rPr kumimoji="1" lang="ja-JP" altLang="en-US" smtClean="0"/>
+            <a:off x="864037" y="1237197"/>
+            <a:ext cx="9792415" cy="2631887"/>
+          </a:xfrm>
+        </p:spPr>
+        <p:txBody>
+          <a:bodyPr anchor="b"/>
+          <a:lstStyle>
+            <a:lvl1pPr algn="ctr">
+              <a:defRPr sz="6614"/>
+            </a:lvl1pPr>
+          </a:lstStyle>
+          <a:p>
+            <a:r>
+              <a:rPr lang="ja-JP" altLang="en-US" smtClean="0"/>
               <a:t>マスター タイトルの書式設定</a:t>
             </a:r>
-            <a:endParaRPr kumimoji="1" lang="ja-JP" altLang="en-US"/>
-          </a:p>
-        </p:txBody>
-      </p:sp>
-      <p:sp>
-        <p:nvSpPr>
-          <p:cNvPr id="3" name="サブタイトル 2"/>
+            <a:endParaRPr lang="en-US" dirty="0"/>
+          </a:p>
+        </p:txBody>
+      </p:sp>
+      <p:sp>
+        <p:nvSpPr>
+          <p:cNvPr id="3" name="Subtitle 2"/>
           <p:cNvSpPr>
             <a:spLocks noGrp="1"/>
           </p:cNvSpPr>
@@ -658,8 +168,8 @@
         </p:nvSpPr>
         <p:spPr>
           <a:xfrm>
-            <a:off x="1371600" y="3886200"/>
-            <a:ext cx="6400800" cy="1752600"/>
+            <a:off x="1440061" y="3970580"/>
+            <a:ext cx="8640366" cy="1825171"/>
           </a:xfrm>
         </p:spPr>
         <p:txBody>
@@ -667,107 +177,53 @@
           <a:lstStyle>
             <a:lvl1pPr marL="0" indent="0" algn="ctr">
               <a:buNone/>
-              <a:defRPr>
-                <a:solidFill>
-                  <a:schemeClr val="tx1">
-                    <a:tint val="75000"/>
-                  </a:schemeClr>
-                </a:solidFill>
-              </a:defRPr>
+              <a:defRPr sz="2646"/>
             </a:lvl1pPr>
-            <a:lvl2pPr marL="457200" indent="0" algn="ctr">
-              <a:buNone/>
-              <a:defRPr>
-                <a:solidFill>
-                  <a:schemeClr val="tx1">
-                    <a:tint val="75000"/>
-                  </a:schemeClr>
-                </a:solidFill>
-              </a:defRPr>
+            <a:lvl2pPr marL="503972" indent="0" algn="ctr">
+              <a:buNone/>
+              <a:defRPr sz="2205"/>
             </a:lvl2pPr>
-            <a:lvl3pPr marL="914400" indent="0" algn="ctr">
-              <a:buNone/>
-              <a:defRPr>
-                <a:solidFill>
-                  <a:schemeClr val="tx1">
-                    <a:tint val="75000"/>
-                  </a:schemeClr>
-                </a:solidFill>
-              </a:defRPr>
+            <a:lvl3pPr marL="1007943" indent="0" algn="ctr">
+              <a:buNone/>
+              <a:defRPr sz="1984"/>
             </a:lvl3pPr>
-            <a:lvl4pPr marL="1371600" indent="0" algn="ctr">
-              <a:buNone/>
-              <a:defRPr>
-                <a:solidFill>
-                  <a:schemeClr val="tx1">
-                    <a:tint val="75000"/>
-                  </a:schemeClr>
-                </a:solidFill>
-              </a:defRPr>
+            <a:lvl4pPr marL="1511915" indent="0" algn="ctr">
+              <a:buNone/>
+              <a:defRPr sz="1764"/>
             </a:lvl4pPr>
-            <a:lvl5pPr marL="1828800" indent="0" algn="ctr">
-              <a:buNone/>
-              <a:defRPr>
-                <a:solidFill>
-                  <a:schemeClr val="tx1">
-                    <a:tint val="75000"/>
-                  </a:schemeClr>
-                </a:solidFill>
-              </a:defRPr>
+            <a:lvl5pPr marL="2015886" indent="0" algn="ctr">
+              <a:buNone/>
+              <a:defRPr sz="1764"/>
             </a:lvl5pPr>
-            <a:lvl6pPr marL="2286000" indent="0" algn="ctr">
-              <a:buNone/>
-              <a:defRPr>
-                <a:solidFill>
-                  <a:schemeClr val="tx1">
-                    <a:tint val="75000"/>
-                  </a:schemeClr>
-                </a:solidFill>
-              </a:defRPr>
+            <a:lvl6pPr marL="2519858" indent="0" algn="ctr">
+              <a:buNone/>
+              <a:defRPr sz="1764"/>
             </a:lvl6pPr>
-            <a:lvl7pPr marL="2743200" indent="0" algn="ctr">
-              <a:buNone/>
-              <a:defRPr>
-                <a:solidFill>
-                  <a:schemeClr val="tx1">
-                    <a:tint val="75000"/>
-                  </a:schemeClr>
-                </a:solidFill>
-              </a:defRPr>
+            <a:lvl7pPr marL="3023829" indent="0" algn="ctr">
+              <a:buNone/>
+              <a:defRPr sz="1764"/>
             </a:lvl7pPr>
-            <a:lvl8pPr marL="3200400" indent="0" algn="ctr">
-              <a:buNone/>
-              <a:defRPr>
-                <a:solidFill>
-                  <a:schemeClr val="tx1">
-                    <a:tint val="75000"/>
-                  </a:schemeClr>
-                </a:solidFill>
-              </a:defRPr>
+            <a:lvl8pPr marL="3527801" indent="0" algn="ctr">
+              <a:buNone/>
+              <a:defRPr sz="1764"/>
             </a:lvl8pPr>
-            <a:lvl9pPr marL="3657600" indent="0" algn="ctr">
-              <a:buNone/>
-              <a:defRPr>
-                <a:solidFill>
-                  <a:schemeClr val="tx1">
-                    <a:tint val="75000"/>
-                  </a:schemeClr>
-                </a:solidFill>
-              </a:defRPr>
+            <a:lvl9pPr marL="4031772" indent="0" algn="ctr">
+              <a:buNone/>
+              <a:defRPr sz="1764"/>
             </a:lvl9pPr>
           </a:lstStyle>
           <a:p>
             <a:r>
-              <a:rPr kumimoji="1" lang="ja-JP" altLang="en-US" smtClean="0"/>
+              <a:rPr lang="ja-JP" altLang="en-US" smtClean="0"/>
               <a:t>マスター サブタイトルの書式設定</a:t>
             </a:r>
-            <a:endParaRPr kumimoji="1" lang="ja-JP" altLang="en-US"/>
-          </a:p>
-        </p:txBody>
-      </p:sp>
-      <p:sp>
-        <p:nvSpPr>
-          <p:cNvPr id="4" name="日付プレースホルダー 3"/>
+            <a:endParaRPr lang="en-US" dirty="0"/>
+          </a:p>
+        </p:txBody>
+      </p:sp>
+      <p:sp>
+        <p:nvSpPr>
+          <p:cNvPr id="4" name="Date Placeholder 3"/>
           <p:cNvSpPr>
             <a:spLocks noGrp="1"/>
           </p:cNvSpPr>
@@ -780,7 +236,7 @@
           <a:bodyPr/>
           <a:lstStyle/>
           <a:p>
-            <a:fld id="{7B9B12EC-6AA0-374B-A2D3-850081A07A26}" type="datetimeFigureOut">
+            <a:fld id="{8116F005-BD90-4308-B210-0C3F4F814AA2}" type="datetimeFigureOut">
               <a:rPr kumimoji="1" lang="ja-JP" altLang="en-US" smtClean="0"/>
               <a:t>2017/2/15</a:t>
             </a:fld>
@@ -790,7 +246,7 @@
       </p:sp>
       <p:sp>
         <p:nvSpPr>
-          <p:cNvPr id="5" name="フッター プレースホルダー 4"/>
+          <p:cNvPr id="5" name="Footer Placeholder 4"/>
           <p:cNvSpPr>
             <a:spLocks noGrp="1"/>
           </p:cNvSpPr>
@@ -809,7 +265,7 @@
       </p:sp>
       <p:sp>
         <p:nvSpPr>
-          <p:cNvPr id="6" name="スライド番号プレースホルダー 5"/>
+          <p:cNvPr id="6" name="Slide Number Placeholder 5"/>
           <p:cNvSpPr>
             <a:spLocks noGrp="1"/>
           </p:cNvSpPr>
@@ -822,7 +278,7 @@
           <a:bodyPr/>
           <a:lstStyle/>
           <a:p>
-            <a:fld id="{767EF739-006C-E447-A3B9-2B495A864FAC}" type="slidenum">
+            <a:fld id="{D3FF173C-6EA2-48E4-9902-19D3A7F391CD}" type="slidenum">
               <a:rPr kumimoji="1" lang="ja-JP" altLang="en-US" smtClean="0"/>
               <a:t>‹#›</a:t>
             </a:fld>
@@ -833,7 +289,7 @@
     </p:spTree>
     <p:extLst>
       <p:ext uri="{BB962C8B-B14F-4D97-AF65-F5344CB8AC3E}">
-        <p14:creationId xmlns:p14="http://schemas.microsoft.com/office/powerpoint/2010/main" val="2957268178"/>
+        <p14:creationId xmlns:p14="http://schemas.microsoft.com/office/powerpoint/2010/main" val="4272002475"/>
       </p:ext>
     </p:extLst>
   </p:cSld>
@@ -845,7 +301,7 @@
 
 <file path=ppt/slideLayouts/slideLayout10.xml><?xml version="1.0" encoding="utf-8"?>
 <p:sldLayout xmlns:a="http://schemas.openxmlformats.org/drawingml/2006/main" xmlns:r="http://schemas.openxmlformats.org/officeDocument/2006/relationships" xmlns:p="http://schemas.openxmlformats.org/presentationml/2006/main" type="vertTx" preserve="1">
-  <p:cSld name="タイトルと縦書きテキスト">
+  <p:cSld name="タイトルと&#10;縦書きテキスト">
     <p:spTree>
       <p:nvGrpSpPr>
         <p:cNvPr id="1" name=""/>
@@ -862,7 +318,7 @@
       </p:grpSpPr>
       <p:sp>
         <p:nvSpPr>
-          <p:cNvPr id="2" name="タイトル 1"/>
+          <p:cNvPr id="2" name="Title 1"/>
           <p:cNvSpPr>
             <a:spLocks noGrp="1"/>
           </p:cNvSpPr>
@@ -876,16 +332,16 @@
           <a:lstStyle/>
           <a:p>
             <a:r>
-              <a:rPr kumimoji="1" lang="ja-JP" altLang="en-US" smtClean="0"/>
+              <a:rPr lang="ja-JP" altLang="en-US" smtClean="0"/>
               <a:t>マスター タイトルの書式設定</a:t>
             </a:r>
-            <a:endParaRPr kumimoji="1" lang="ja-JP" altLang="en-US"/>
-          </a:p>
-        </p:txBody>
-      </p:sp>
-      <p:sp>
-        <p:nvSpPr>
-          <p:cNvPr id="3" name="縦書きテキスト プレースホルダー 2"/>
+            <a:endParaRPr lang="en-US" dirty="0"/>
+          </a:p>
+        </p:txBody>
+      </p:sp>
+      <p:sp>
+        <p:nvSpPr>
+          <p:cNvPr id="3" name="Vertical Text Placeholder 2"/>
           <p:cNvSpPr>
             <a:spLocks noGrp="1"/>
           </p:cNvSpPr>
@@ -900,76 +356,76 @@
           <a:p>
             <a:pPr lvl="0"/>
             <a:r>
-              <a:rPr kumimoji="1" lang="ja-JP" altLang="en-US" smtClean="0"/>
+              <a:rPr lang="ja-JP" altLang="en-US" smtClean="0"/>
               <a:t>マスター テキストの書式設定</a:t>
             </a:r>
           </a:p>
           <a:p>
             <a:pPr lvl="1"/>
             <a:r>
-              <a:rPr kumimoji="1" lang="ja-JP" altLang="en-US" smtClean="0"/>
+              <a:rPr lang="ja-JP" altLang="en-US" smtClean="0"/>
               <a:t>第 </a:t>
             </a:r>
             <a:r>
-              <a:rPr kumimoji="1" lang="en-US" altLang="ja-JP" smtClean="0"/>
+              <a:rPr lang="en-US" altLang="ja-JP" smtClean="0"/>
               <a:t>2 </a:t>
             </a:r>
             <a:r>
-              <a:rPr kumimoji="1" lang="ja-JP" altLang="en-US" smtClean="0"/>
+              <a:rPr lang="ja-JP" altLang="en-US" smtClean="0"/>
               <a:t>レベル</a:t>
             </a:r>
           </a:p>
           <a:p>
             <a:pPr lvl="2"/>
             <a:r>
-              <a:rPr kumimoji="1" lang="ja-JP" altLang="en-US" smtClean="0"/>
+              <a:rPr lang="ja-JP" altLang="en-US" smtClean="0"/>
               <a:t>第 </a:t>
             </a:r>
             <a:r>
-              <a:rPr kumimoji="1" lang="en-US" altLang="ja-JP" smtClean="0"/>
+              <a:rPr lang="en-US" altLang="ja-JP" smtClean="0"/>
               <a:t>3 </a:t>
             </a:r>
             <a:r>
-              <a:rPr kumimoji="1" lang="ja-JP" altLang="en-US" smtClean="0"/>
+              <a:rPr lang="ja-JP" altLang="en-US" smtClean="0"/>
               <a:t>レベル</a:t>
             </a:r>
           </a:p>
           <a:p>
             <a:pPr lvl="3"/>
             <a:r>
-              <a:rPr kumimoji="1" lang="ja-JP" altLang="en-US" smtClean="0"/>
+              <a:rPr lang="ja-JP" altLang="en-US" smtClean="0"/>
               <a:t>第 </a:t>
             </a:r>
             <a:r>
-              <a:rPr kumimoji="1" lang="en-US" altLang="ja-JP" smtClean="0"/>
+              <a:rPr lang="en-US" altLang="ja-JP" smtClean="0"/>
               <a:t>4 </a:t>
             </a:r>
             <a:r>
-              <a:rPr kumimoji="1" lang="ja-JP" altLang="en-US" smtClean="0"/>
+              <a:rPr lang="ja-JP" altLang="en-US" smtClean="0"/>
               <a:t>レベル</a:t>
             </a:r>
           </a:p>
           <a:p>
             <a:pPr lvl="4"/>
             <a:r>
-              <a:rPr kumimoji="1" lang="ja-JP" altLang="en-US" smtClean="0"/>
+              <a:rPr lang="ja-JP" altLang="en-US" smtClean="0"/>
               <a:t>第 </a:t>
             </a:r>
             <a:r>
-              <a:rPr kumimoji="1" lang="en-US" altLang="ja-JP" smtClean="0"/>
+              <a:rPr lang="en-US" altLang="ja-JP" smtClean="0"/>
               <a:t>5 </a:t>
             </a:r>
             <a:r>
-              <a:rPr kumimoji="1" lang="ja-JP" altLang="en-US" smtClean="0"/>
+              <a:rPr lang="ja-JP" altLang="en-US" smtClean="0"/>
               <a:t>レベル</a:t>
             </a:r>
-            <a:endParaRPr kumimoji="1" lang="ja-JP" altLang="en-US"/>
-          </a:p>
-        </p:txBody>
-      </p:sp>
-      <p:sp>
-        <p:nvSpPr>
-          <p:cNvPr id="4" name="日付プレースホルダー 3"/>
+            <a:endParaRPr lang="en-US" dirty="0"/>
+          </a:p>
+        </p:txBody>
+      </p:sp>
+      <p:sp>
+        <p:nvSpPr>
+          <p:cNvPr id="4" name="Date Placeholder 3"/>
           <p:cNvSpPr>
             <a:spLocks noGrp="1"/>
           </p:cNvSpPr>
@@ -982,7 +438,7 @@
           <a:bodyPr/>
           <a:lstStyle/>
           <a:p>
-            <a:fld id="{7B9B12EC-6AA0-374B-A2D3-850081A07A26}" type="datetimeFigureOut">
+            <a:fld id="{8116F005-BD90-4308-B210-0C3F4F814AA2}" type="datetimeFigureOut">
               <a:rPr kumimoji="1" lang="ja-JP" altLang="en-US" smtClean="0"/>
               <a:t>2017/2/15</a:t>
             </a:fld>
@@ -992,7 +448,7 @@
       </p:sp>
       <p:sp>
         <p:nvSpPr>
-          <p:cNvPr id="5" name="フッター プレースホルダー 4"/>
+          <p:cNvPr id="5" name="Footer Placeholder 4"/>
           <p:cNvSpPr>
             <a:spLocks noGrp="1"/>
           </p:cNvSpPr>
@@ -1011,7 +467,7 @@
       </p:sp>
       <p:sp>
         <p:nvSpPr>
-          <p:cNvPr id="6" name="スライド番号プレースホルダー 5"/>
+          <p:cNvPr id="6" name="Slide Number Placeholder 5"/>
           <p:cNvSpPr>
             <a:spLocks noGrp="1"/>
           </p:cNvSpPr>
@@ -1024,7 +480,7 @@
           <a:bodyPr/>
           <a:lstStyle/>
           <a:p>
-            <a:fld id="{767EF739-006C-E447-A3B9-2B495A864FAC}" type="slidenum">
+            <a:fld id="{D3FF173C-6EA2-48E4-9902-19D3A7F391CD}" type="slidenum">
               <a:rPr kumimoji="1" lang="ja-JP" altLang="en-US" smtClean="0"/>
               <a:t>‹#›</a:t>
             </a:fld>
@@ -1035,7 +491,7 @@
     </p:spTree>
     <p:extLst>
       <p:ext uri="{BB962C8B-B14F-4D97-AF65-F5344CB8AC3E}">
-        <p14:creationId xmlns:p14="http://schemas.microsoft.com/office/powerpoint/2010/main" val="99248395"/>
+        <p14:creationId xmlns:p14="http://schemas.microsoft.com/office/powerpoint/2010/main" val="1290511127"/>
       </p:ext>
     </p:extLst>
   </p:cSld>
@@ -1047,7 +503,7 @@
 
 <file path=ppt/slideLayouts/slideLayout11.xml><?xml version="1.0" encoding="utf-8"?>
 <p:sldLayout xmlns:a="http://schemas.openxmlformats.org/drawingml/2006/main" xmlns:r="http://schemas.openxmlformats.org/officeDocument/2006/relationships" xmlns:p="http://schemas.openxmlformats.org/presentationml/2006/main" type="vertTitleAndTx" preserve="1">
-  <p:cSld name="縦書きタイトルと縦書きテキスト">
+  <p:cSld name="縦書きタイトルと&#10;縦書きテキスト">
     <p:spTree>
       <p:nvGrpSpPr>
         <p:cNvPr id="1" name=""/>
@@ -1064,7 +520,7 @@
       </p:grpSpPr>
       <p:sp>
         <p:nvSpPr>
-          <p:cNvPr id="2" name="縦書きタイトル 1"/>
+          <p:cNvPr id="2" name="Vertical Title 1"/>
           <p:cNvSpPr>
             <a:spLocks noGrp="1"/>
           </p:cNvSpPr>
@@ -1074,8 +530,8 @@
         </p:nvSpPr>
         <p:spPr>
           <a:xfrm>
-            <a:off x="6629400" y="274638"/>
-            <a:ext cx="2057400" cy="5851525"/>
+            <a:off x="8244350" y="402483"/>
+            <a:ext cx="2484105" cy="6406475"/>
           </a:xfrm>
         </p:spPr>
         <p:txBody>
@@ -1083,16 +539,16 @@
           <a:lstStyle/>
           <a:p>
             <a:r>
-              <a:rPr kumimoji="1" lang="ja-JP" altLang="en-US" smtClean="0"/>
+              <a:rPr lang="ja-JP" altLang="en-US" smtClean="0"/>
               <a:t>マスター タイトルの書式設定</a:t>
             </a:r>
-            <a:endParaRPr kumimoji="1" lang="ja-JP" altLang="en-US"/>
-          </a:p>
-        </p:txBody>
-      </p:sp>
-      <p:sp>
-        <p:nvSpPr>
-          <p:cNvPr id="3" name="縦書きテキスト プレースホルダー 2"/>
+            <a:endParaRPr lang="en-US" dirty="0"/>
+          </a:p>
+        </p:txBody>
+      </p:sp>
+      <p:sp>
+        <p:nvSpPr>
+          <p:cNvPr id="3" name="Vertical Text Placeholder 2"/>
           <p:cNvSpPr>
             <a:spLocks noGrp="1"/>
           </p:cNvSpPr>
@@ -1102,8 +558,8 @@
         </p:nvSpPr>
         <p:spPr>
           <a:xfrm>
-            <a:off x="457200" y="274638"/>
-            <a:ext cx="6019800" cy="5851525"/>
+            <a:off x="792034" y="402483"/>
+            <a:ext cx="7308310" cy="6406475"/>
           </a:xfrm>
         </p:spPr>
         <p:txBody>
@@ -1112,76 +568,76 @@
           <a:p>
             <a:pPr lvl="0"/>
             <a:r>
-              <a:rPr kumimoji="1" lang="ja-JP" altLang="en-US" smtClean="0"/>
+              <a:rPr lang="ja-JP" altLang="en-US" smtClean="0"/>
               <a:t>マスター テキストの書式設定</a:t>
             </a:r>
           </a:p>
           <a:p>
             <a:pPr lvl="1"/>
             <a:r>
-              <a:rPr kumimoji="1" lang="ja-JP" altLang="en-US" smtClean="0"/>
+              <a:rPr lang="ja-JP" altLang="en-US" smtClean="0"/>
               <a:t>第 </a:t>
             </a:r>
             <a:r>
-              <a:rPr kumimoji="1" lang="en-US" altLang="ja-JP" smtClean="0"/>
+              <a:rPr lang="en-US" altLang="ja-JP" smtClean="0"/>
               <a:t>2 </a:t>
             </a:r>
             <a:r>
-              <a:rPr kumimoji="1" lang="ja-JP" altLang="en-US" smtClean="0"/>
+              <a:rPr lang="ja-JP" altLang="en-US" smtClean="0"/>
               <a:t>レベル</a:t>
             </a:r>
           </a:p>
           <a:p>
             <a:pPr lvl="2"/>
             <a:r>
-              <a:rPr kumimoji="1" lang="ja-JP" altLang="en-US" smtClean="0"/>
+              <a:rPr lang="ja-JP" altLang="en-US" smtClean="0"/>
               <a:t>第 </a:t>
             </a:r>
             <a:r>
-              <a:rPr kumimoji="1" lang="en-US" altLang="ja-JP" smtClean="0"/>
+              <a:rPr lang="en-US" altLang="ja-JP" smtClean="0"/>
               <a:t>3 </a:t>
             </a:r>
             <a:r>
-              <a:rPr kumimoji="1" lang="ja-JP" altLang="en-US" smtClean="0"/>
+              <a:rPr lang="ja-JP" altLang="en-US" smtClean="0"/>
               <a:t>レベル</a:t>
             </a:r>
           </a:p>
           <a:p>
             <a:pPr lvl="3"/>
             <a:r>
-              <a:rPr kumimoji="1" lang="ja-JP" altLang="en-US" smtClean="0"/>
+              <a:rPr lang="ja-JP" altLang="en-US" smtClean="0"/>
               <a:t>第 </a:t>
             </a:r>
             <a:r>
-              <a:rPr kumimoji="1" lang="en-US" altLang="ja-JP" smtClean="0"/>
+              <a:rPr lang="en-US" altLang="ja-JP" smtClean="0"/>
               <a:t>4 </a:t>
             </a:r>
             <a:r>
-              <a:rPr kumimoji="1" lang="ja-JP" altLang="en-US" smtClean="0"/>
+              <a:rPr lang="ja-JP" altLang="en-US" smtClean="0"/>
               <a:t>レベル</a:t>
             </a:r>
           </a:p>
           <a:p>
             <a:pPr lvl="4"/>
             <a:r>
-              <a:rPr kumimoji="1" lang="ja-JP" altLang="en-US" smtClean="0"/>
+              <a:rPr lang="ja-JP" altLang="en-US" smtClean="0"/>
               <a:t>第 </a:t>
             </a:r>
             <a:r>
-              <a:rPr kumimoji="1" lang="en-US" altLang="ja-JP" smtClean="0"/>
+              <a:rPr lang="en-US" altLang="ja-JP" smtClean="0"/>
               <a:t>5 </a:t>
             </a:r>
             <a:r>
-              <a:rPr kumimoji="1" lang="ja-JP" altLang="en-US" smtClean="0"/>
+              <a:rPr lang="ja-JP" altLang="en-US" smtClean="0"/>
               <a:t>レベル</a:t>
             </a:r>
-            <a:endParaRPr kumimoji="1" lang="ja-JP" altLang="en-US"/>
-          </a:p>
-        </p:txBody>
-      </p:sp>
-      <p:sp>
-        <p:nvSpPr>
-          <p:cNvPr id="4" name="日付プレースホルダー 3"/>
+            <a:endParaRPr lang="en-US" dirty="0"/>
+          </a:p>
+        </p:txBody>
+      </p:sp>
+      <p:sp>
+        <p:nvSpPr>
+          <p:cNvPr id="4" name="Date Placeholder 3"/>
           <p:cNvSpPr>
             <a:spLocks noGrp="1"/>
           </p:cNvSpPr>
@@ -1194,7 +650,7 @@
           <a:bodyPr/>
           <a:lstStyle/>
           <a:p>
-            <a:fld id="{7B9B12EC-6AA0-374B-A2D3-850081A07A26}" type="datetimeFigureOut">
+            <a:fld id="{8116F005-BD90-4308-B210-0C3F4F814AA2}" type="datetimeFigureOut">
               <a:rPr kumimoji="1" lang="ja-JP" altLang="en-US" smtClean="0"/>
               <a:t>2017/2/15</a:t>
             </a:fld>
@@ -1204,7 +660,7 @@
       </p:sp>
       <p:sp>
         <p:nvSpPr>
-          <p:cNvPr id="5" name="フッター プレースホルダー 4"/>
+          <p:cNvPr id="5" name="Footer Placeholder 4"/>
           <p:cNvSpPr>
             <a:spLocks noGrp="1"/>
           </p:cNvSpPr>
@@ -1223,7 +679,7 @@
       </p:sp>
       <p:sp>
         <p:nvSpPr>
-          <p:cNvPr id="6" name="スライド番号プレースホルダー 5"/>
+          <p:cNvPr id="6" name="Slide Number Placeholder 5"/>
           <p:cNvSpPr>
             <a:spLocks noGrp="1"/>
           </p:cNvSpPr>
@@ -1236,7 +692,7 @@
           <a:bodyPr/>
           <a:lstStyle/>
           <a:p>
-            <a:fld id="{767EF739-006C-E447-A3B9-2B495A864FAC}" type="slidenum">
+            <a:fld id="{D3FF173C-6EA2-48E4-9902-19D3A7F391CD}" type="slidenum">
               <a:rPr kumimoji="1" lang="ja-JP" altLang="en-US" smtClean="0"/>
               <a:t>‹#›</a:t>
             </a:fld>
@@ -1247,7 +703,7 @@
     </p:spTree>
     <p:extLst>
       <p:ext uri="{BB962C8B-B14F-4D97-AF65-F5344CB8AC3E}">
-        <p14:creationId xmlns:p14="http://schemas.microsoft.com/office/powerpoint/2010/main" val="75369614"/>
+        <p14:creationId xmlns:p14="http://schemas.microsoft.com/office/powerpoint/2010/main" val="3800074392"/>
       </p:ext>
     </p:extLst>
   </p:cSld>
@@ -1276,7 +732,7 @@
       </p:grpSpPr>
       <p:sp>
         <p:nvSpPr>
-          <p:cNvPr id="2" name="タイトル 1"/>
+          <p:cNvPr id="2" name="Title 1"/>
           <p:cNvSpPr>
             <a:spLocks noGrp="1"/>
           </p:cNvSpPr>
@@ -1290,16 +746,16 @@
           <a:lstStyle/>
           <a:p>
             <a:r>
-              <a:rPr kumimoji="1" lang="ja-JP" altLang="en-US" smtClean="0"/>
+              <a:rPr lang="ja-JP" altLang="en-US" smtClean="0"/>
               <a:t>マスター タイトルの書式設定</a:t>
             </a:r>
-            <a:endParaRPr kumimoji="1" lang="ja-JP" altLang="en-US"/>
-          </a:p>
-        </p:txBody>
-      </p:sp>
-      <p:sp>
-        <p:nvSpPr>
-          <p:cNvPr id="3" name="コンテンツ プレースホルダー 2"/>
+            <a:endParaRPr lang="en-US" dirty="0"/>
+          </a:p>
+        </p:txBody>
+      </p:sp>
+      <p:sp>
+        <p:nvSpPr>
+          <p:cNvPr id="3" name="Content Placeholder 2"/>
           <p:cNvSpPr>
             <a:spLocks noGrp="1"/>
           </p:cNvSpPr>
@@ -1314,76 +770,76 @@
           <a:p>
             <a:pPr lvl="0"/>
             <a:r>
-              <a:rPr kumimoji="1" lang="ja-JP" altLang="en-US" smtClean="0"/>
+              <a:rPr lang="ja-JP" altLang="en-US" smtClean="0"/>
               <a:t>マスター テキストの書式設定</a:t>
             </a:r>
           </a:p>
           <a:p>
             <a:pPr lvl="1"/>
             <a:r>
-              <a:rPr kumimoji="1" lang="ja-JP" altLang="en-US" smtClean="0"/>
+              <a:rPr lang="ja-JP" altLang="en-US" smtClean="0"/>
               <a:t>第 </a:t>
             </a:r>
             <a:r>
-              <a:rPr kumimoji="1" lang="en-US" altLang="ja-JP" smtClean="0"/>
+              <a:rPr lang="en-US" altLang="ja-JP" smtClean="0"/>
               <a:t>2 </a:t>
             </a:r>
             <a:r>
-              <a:rPr kumimoji="1" lang="ja-JP" altLang="en-US" smtClean="0"/>
+              <a:rPr lang="ja-JP" altLang="en-US" smtClean="0"/>
               <a:t>レベル</a:t>
             </a:r>
           </a:p>
           <a:p>
             <a:pPr lvl="2"/>
             <a:r>
-              <a:rPr kumimoji="1" lang="ja-JP" altLang="en-US" smtClean="0"/>
+              <a:rPr lang="ja-JP" altLang="en-US" smtClean="0"/>
               <a:t>第 </a:t>
             </a:r>
             <a:r>
-              <a:rPr kumimoji="1" lang="en-US" altLang="ja-JP" smtClean="0"/>
+              <a:rPr lang="en-US" altLang="ja-JP" smtClean="0"/>
               <a:t>3 </a:t>
             </a:r>
             <a:r>
-              <a:rPr kumimoji="1" lang="ja-JP" altLang="en-US" smtClean="0"/>
+              <a:rPr lang="ja-JP" altLang="en-US" smtClean="0"/>
               <a:t>レベル</a:t>
             </a:r>
           </a:p>
           <a:p>
             <a:pPr lvl="3"/>
             <a:r>
-              <a:rPr kumimoji="1" lang="ja-JP" altLang="en-US" smtClean="0"/>
+              <a:rPr lang="ja-JP" altLang="en-US" smtClean="0"/>
               <a:t>第 </a:t>
             </a:r>
             <a:r>
-              <a:rPr kumimoji="1" lang="en-US" altLang="ja-JP" smtClean="0"/>
+              <a:rPr lang="en-US" altLang="ja-JP" smtClean="0"/>
               <a:t>4 </a:t>
             </a:r>
             <a:r>
-              <a:rPr kumimoji="1" lang="ja-JP" altLang="en-US" smtClean="0"/>
+              <a:rPr lang="ja-JP" altLang="en-US" smtClean="0"/>
               <a:t>レベル</a:t>
             </a:r>
           </a:p>
           <a:p>
             <a:pPr lvl="4"/>
             <a:r>
-              <a:rPr kumimoji="1" lang="ja-JP" altLang="en-US" smtClean="0"/>
+              <a:rPr lang="ja-JP" altLang="en-US" smtClean="0"/>
               <a:t>第 </a:t>
             </a:r>
             <a:r>
-              <a:rPr kumimoji="1" lang="en-US" altLang="ja-JP" smtClean="0"/>
+              <a:rPr lang="en-US" altLang="ja-JP" smtClean="0"/>
               <a:t>5 </a:t>
             </a:r>
             <a:r>
-              <a:rPr kumimoji="1" lang="ja-JP" altLang="en-US" smtClean="0"/>
+              <a:rPr lang="ja-JP" altLang="en-US" smtClean="0"/>
               <a:t>レベル</a:t>
             </a:r>
-            <a:endParaRPr kumimoji="1" lang="ja-JP" altLang="en-US"/>
-          </a:p>
-        </p:txBody>
-      </p:sp>
-      <p:sp>
-        <p:nvSpPr>
-          <p:cNvPr id="4" name="日付プレースホルダー 3"/>
+            <a:endParaRPr lang="en-US" dirty="0"/>
+          </a:p>
+        </p:txBody>
+      </p:sp>
+      <p:sp>
+        <p:nvSpPr>
+          <p:cNvPr id="4" name="Date Placeholder 3"/>
           <p:cNvSpPr>
             <a:spLocks noGrp="1"/>
           </p:cNvSpPr>
@@ -1396,7 +852,7 @@
           <a:bodyPr/>
           <a:lstStyle/>
           <a:p>
-            <a:fld id="{7B9B12EC-6AA0-374B-A2D3-850081A07A26}" type="datetimeFigureOut">
+            <a:fld id="{8116F005-BD90-4308-B210-0C3F4F814AA2}" type="datetimeFigureOut">
               <a:rPr kumimoji="1" lang="ja-JP" altLang="en-US" smtClean="0"/>
               <a:t>2017/2/15</a:t>
             </a:fld>
@@ -1406,7 +862,7 @@
       </p:sp>
       <p:sp>
         <p:nvSpPr>
-          <p:cNvPr id="5" name="フッター プレースホルダー 4"/>
+          <p:cNvPr id="5" name="Footer Placeholder 4"/>
           <p:cNvSpPr>
             <a:spLocks noGrp="1"/>
           </p:cNvSpPr>
@@ -1425,7 +881,7 @@
       </p:sp>
       <p:sp>
         <p:nvSpPr>
-          <p:cNvPr id="6" name="スライド番号プレースホルダー 5"/>
+          <p:cNvPr id="6" name="Slide Number Placeholder 5"/>
           <p:cNvSpPr>
             <a:spLocks noGrp="1"/>
           </p:cNvSpPr>
@@ -1438,7 +894,7 @@
           <a:bodyPr/>
           <a:lstStyle/>
           <a:p>
-            <a:fld id="{767EF739-006C-E447-A3B9-2B495A864FAC}" type="slidenum">
+            <a:fld id="{D3FF173C-6EA2-48E4-9902-19D3A7F391CD}" type="slidenum">
               <a:rPr kumimoji="1" lang="ja-JP" altLang="en-US" smtClean="0"/>
               <a:t>‹#›</a:t>
             </a:fld>
@@ -1449,7 +905,7 @@
     </p:spTree>
     <p:extLst>
       <p:ext uri="{BB962C8B-B14F-4D97-AF65-F5344CB8AC3E}">
-        <p14:creationId xmlns:p14="http://schemas.microsoft.com/office/powerpoint/2010/main" val="956610528"/>
+        <p14:creationId xmlns:p14="http://schemas.microsoft.com/office/powerpoint/2010/main" val="3541870453"/>
       </p:ext>
     </p:extLst>
   </p:cSld>
@@ -1478,7 +934,7 @@
       </p:grpSpPr>
       <p:sp>
         <p:nvSpPr>
-          <p:cNvPr id="2" name="タイトル 1"/>
+          <p:cNvPr id="2" name="Title 1"/>
           <p:cNvSpPr>
             <a:spLocks noGrp="1"/>
           </p:cNvSpPr>
@@ -1488,29 +944,29 @@
         </p:nvSpPr>
         <p:spPr>
           <a:xfrm>
-            <a:off x="722313" y="4406900"/>
-            <a:ext cx="7772400" cy="1362075"/>
-          </a:xfrm>
-        </p:spPr>
-        <p:txBody>
-          <a:bodyPr anchor="t"/>
+            <a:off x="786034" y="1884671"/>
+            <a:ext cx="9936421" cy="3144614"/>
+          </a:xfrm>
+        </p:spPr>
+        <p:txBody>
+          <a:bodyPr anchor="b"/>
           <a:lstStyle>
-            <a:lvl1pPr algn="l">
-              <a:defRPr sz="4000" b="1" cap="all"/>
+            <a:lvl1pPr>
+              <a:defRPr sz="6614"/>
             </a:lvl1pPr>
           </a:lstStyle>
           <a:p>
             <a:r>
-              <a:rPr kumimoji="1" lang="ja-JP" altLang="en-US" smtClean="0"/>
+              <a:rPr lang="ja-JP" altLang="en-US" smtClean="0"/>
               <a:t>マスター タイトルの書式設定</a:t>
             </a:r>
-            <a:endParaRPr kumimoji="1" lang="ja-JP" altLang="en-US"/>
-          </a:p>
-        </p:txBody>
-      </p:sp>
-      <p:sp>
-        <p:nvSpPr>
-          <p:cNvPr id="3" name="テキスト プレースホルダー 2"/>
+            <a:endParaRPr lang="en-US" dirty="0"/>
+          </a:p>
+        </p:txBody>
+      </p:sp>
+      <p:sp>
+        <p:nvSpPr>
+          <p:cNvPr id="3" name="Text Placeholder 2"/>
           <p:cNvSpPr>
             <a:spLocks noGrp="1"/>
           </p:cNvSpPr>
@@ -1520,26 +976,24 @@
         </p:nvSpPr>
         <p:spPr>
           <a:xfrm>
-            <a:off x="722313" y="2906713"/>
-            <a:ext cx="7772400" cy="1500187"/>
-          </a:xfrm>
-        </p:spPr>
-        <p:txBody>
-          <a:bodyPr anchor="b"/>
+            <a:off x="786034" y="5059035"/>
+            <a:ext cx="9936421" cy="1653678"/>
+          </a:xfrm>
+        </p:spPr>
+        <p:txBody>
+          <a:bodyPr/>
           <a:lstStyle>
             <a:lvl1pPr marL="0" indent="0">
               <a:buNone/>
-              <a:defRPr sz="2000">
+              <a:defRPr sz="2646">
                 <a:solidFill>
-                  <a:schemeClr val="tx1">
-                    <a:tint val="75000"/>
-                  </a:schemeClr>
+                  <a:schemeClr val="tx1"/>
                 </a:solidFill>
               </a:defRPr>
             </a:lvl1pPr>
-            <a:lvl2pPr marL="457200" indent="0">
-              <a:buNone/>
-              <a:defRPr sz="1800">
+            <a:lvl2pPr marL="503972" indent="0">
+              <a:buNone/>
+              <a:defRPr sz="2205">
                 <a:solidFill>
                   <a:schemeClr val="tx1">
                     <a:tint val="75000"/>
@@ -1547,9 +1001,9 @@
                 </a:solidFill>
               </a:defRPr>
             </a:lvl2pPr>
-            <a:lvl3pPr marL="914400" indent="0">
-              <a:buNone/>
-              <a:defRPr sz="1600">
+            <a:lvl3pPr marL="1007943" indent="0">
+              <a:buNone/>
+              <a:defRPr sz="1984">
                 <a:solidFill>
                   <a:schemeClr val="tx1">
                     <a:tint val="75000"/>
@@ -1557,9 +1011,9 @@
                 </a:solidFill>
               </a:defRPr>
             </a:lvl3pPr>
-            <a:lvl4pPr marL="1371600" indent="0">
-              <a:buNone/>
-              <a:defRPr sz="1400">
+            <a:lvl4pPr marL="1511915" indent="0">
+              <a:buNone/>
+              <a:defRPr sz="1764">
                 <a:solidFill>
                   <a:schemeClr val="tx1">
                     <a:tint val="75000"/>
@@ -1567,9 +1021,9 @@
                 </a:solidFill>
               </a:defRPr>
             </a:lvl4pPr>
-            <a:lvl5pPr marL="1828800" indent="0">
-              <a:buNone/>
-              <a:defRPr sz="1400">
+            <a:lvl5pPr marL="2015886" indent="0">
+              <a:buNone/>
+              <a:defRPr sz="1764">
                 <a:solidFill>
                   <a:schemeClr val="tx1">
                     <a:tint val="75000"/>
@@ -1577,9 +1031,9 @@
                 </a:solidFill>
               </a:defRPr>
             </a:lvl5pPr>
-            <a:lvl6pPr marL="2286000" indent="0">
-              <a:buNone/>
-              <a:defRPr sz="1400">
+            <a:lvl6pPr marL="2519858" indent="0">
+              <a:buNone/>
+              <a:defRPr sz="1764">
                 <a:solidFill>
                   <a:schemeClr val="tx1">
                     <a:tint val="75000"/>
@@ -1587,9 +1041,9 @@
                 </a:solidFill>
               </a:defRPr>
             </a:lvl6pPr>
-            <a:lvl7pPr marL="2743200" indent="0">
-              <a:buNone/>
-              <a:defRPr sz="1400">
+            <a:lvl7pPr marL="3023829" indent="0">
+              <a:buNone/>
+              <a:defRPr sz="1764">
                 <a:solidFill>
                   <a:schemeClr val="tx1">
                     <a:tint val="75000"/>
@@ -1597,9 +1051,9 @@
                 </a:solidFill>
               </a:defRPr>
             </a:lvl7pPr>
-            <a:lvl8pPr marL="3200400" indent="0">
-              <a:buNone/>
-              <a:defRPr sz="1400">
+            <a:lvl8pPr marL="3527801" indent="0">
+              <a:buNone/>
+              <a:defRPr sz="1764">
                 <a:solidFill>
                   <a:schemeClr val="tx1">
                     <a:tint val="75000"/>
@@ -1607,9 +1061,9 @@
                 </a:solidFill>
               </a:defRPr>
             </a:lvl8pPr>
-            <a:lvl9pPr marL="3657600" indent="0">
-              <a:buNone/>
-              <a:defRPr sz="1400">
+            <a:lvl9pPr marL="4031772" indent="0">
+              <a:buNone/>
+              <a:defRPr sz="1764">
                 <a:solidFill>
                   <a:schemeClr val="tx1">
                     <a:tint val="75000"/>
@@ -1621,7 +1075,7 @@
           <a:p>
             <a:pPr lvl="0"/>
             <a:r>
-              <a:rPr kumimoji="1" lang="ja-JP" altLang="en-US" smtClean="0"/>
+              <a:rPr lang="ja-JP" altLang="en-US" smtClean="0"/>
               <a:t>マスター テキストの書式設定</a:t>
             </a:r>
           </a:p>
@@ -1629,7 +1083,7 @@
       </p:sp>
       <p:sp>
         <p:nvSpPr>
-          <p:cNvPr id="4" name="日付プレースホルダー 3"/>
+          <p:cNvPr id="4" name="Date Placeholder 3"/>
           <p:cNvSpPr>
             <a:spLocks noGrp="1"/>
           </p:cNvSpPr>
@@ -1642,7 +1096,7 @@
           <a:bodyPr/>
           <a:lstStyle/>
           <a:p>
-            <a:fld id="{7B9B12EC-6AA0-374B-A2D3-850081A07A26}" type="datetimeFigureOut">
+            <a:fld id="{8116F005-BD90-4308-B210-0C3F4F814AA2}" type="datetimeFigureOut">
               <a:rPr kumimoji="1" lang="ja-JP" altLang="en-US" smtClean="0"/>
               <a:t>2017/2/15</a:t>
             </a:fld>
@@ -1652,7 +1106,7 @@
       </p:sp>
       <p:sp>
         <p:nvSpPr>
-          <p:cNvPr id="5" name="フッター プレースホルダー 4"/>
+          <p:cNvPr id="5" name="Footer Placeholder 4"/>
           <p:cNvSpPr>
             <a:spLocks noGrp="1"/>
           </p:cNvSpPr>
@@ -1671,7 +1125,7 @@
       </p:sp>
       <p:sp>
         <p:nvSpPr>
-          <p:cNvPr id="6" name="スライド番号プレースホルダー 5"/>
+          <p:cNvPr id="6" name="Slide Number Placeholder 5"/>
           <p:cNvSpPr>
             <a:spLocks noGrp="1"/>
           </p:cNvSpPr>
@@ -1684,7 +1138,7 @@
           <a:bodyPr/>
           <a:lstStyle/>
           <a:p>
-            <a:fld id="{767EF739-006C-E447-A3B9-2B495A864FAC}" type="slidenum">
+            <a:fld id="{D3FF173C-6EA2-48E4-9902-19D3A7F391CD}" type="slidenum">
               <a:rPr kumimoji="1" lang="ja-JP" altLang="en-US" smtClean="0"/>
               <a:t>‹#›</a:t>
             </a:fld>
@@ -1695,7 +1149,7 @@
     </p:spTree>
     <p:extLst>
       <p:ext uri="{BB962C8B-B14F-4D97-AF65-F5344CB8AC3E}">
-        <p14:creationId xmlns:p14="http://schemas.microsoft.com/office/powerpoint/2010/main" val="492095304"/>
+        <p14:creationId xmlns:p14="http://schemas.microsoft.com/office/powerpoint/2010/main" val="3044829479"/>
       </p:ext>
     </p:extLst>
   </p:cSld>
@@ -1724,7 +1178,7 @@
       </p:grpSpPr>
       <p:sp>
         <p:nvSpPr>
-          <p:cNvPr id="2" name="タイトル 1"/>
+          <p:cNvPr id="2" name="Title 1"/>
           <p:cNvSpPr>
             <a:spLocks noGrp="1"/>
           </p:cNvSpPr>
@@ -1738,16 +1192,16 @@
           <a:lstStyle/>
           <a:p>
             <a:r>
-              <a:rPr kumimoji="1" lang="ja-JP" altLang="en-US" smtClean="0"/>
+              <a:rPr lang="ja-JP" altLang="en-US" smtClean="0"/>
               <a:t>マスター タイトルの書式設定</a:t>
             </a:r>
-            <a:endParaRPr kumimoji="1" lang="ja-JP" altLang="en-US"/>
-          </a:p>
-        </p:txBody>
-      </p:sp>
-      <p:sp>
-        <p:nvSpPr>
-          <p:cNvPr id="3" name="コンテンツ プレースホルダー 2"/>
+            <a:endParaRPr lang="en-US" dirty="0"/>
+          </a:p>
+        </p:txBody>
+      </p:sp>
+      <p:sp>
+        <p:nvSpPr>
+          <p:cNvPr id="3" name="Content Placeholder 2"/>
           <p:cNvSpPr>
             <a:spLocks noGrp="1"/>
           </p:cNvSpPr>
@@ -1757,114 +1211,86 @@
         </p:nvSpPr>
         <p:spPr>
           <a:xfrm>
-            <a:off x="457200" y="1600200"/>
-            <a:ext cx="4038600" cy="4525963"/>
+            <a:off x="792034" y="2012414"/>
+            <a:ext cx="4896207" cy="4796544"/>
           </a:xfrm>
         </p:spPr>
         <p:txBody>
           <a:bodyPr/>
-          <a:lstStyle>
-            <a:lvl1pPr>
-              <a:defRPr sz="2800"/>
-            </a:lvl1pPr>
-            <a:lvl2pPr>
-              <a:defRPr sz="2400"/>
-            </a:lvl2pPr>
-            <a:lvl3pPr>
-              <a:defRPr sz="2000"/>
-            </a:lvl3pPr>
-            <a:lvl4pPr>
-              <a:defRPr sz="1800"/>
-            </a:lvl4pPr>
-            <a:lvl5pPr>
-              <a:defRPr sz="1800"/>
-            </a:lvl5pPr>
-            <a:lvl6pPr>
-              <a:defRPr sz="1800"/>
-            </a:lvl6pPr>
-            <a:lvl7pPr>
-              <a:defRPr sz="1800"/>
-            </a:lvl7pPr>
-            <a:lvl8pPr>
-              <a:defRPr sz="1800"/>
-            </a:lvl8pPr>
-            <a:lvl9pPr>
-              <a:defRPr sz="1800"/>
-            </a:lvl9pPr>
-          </a:lstStyle>
+          <a:lstStyle/>
           <a:p>
             <a:pPr lvl="0"/>
             <a:r>
-              <a:rPr kumimoji="1" lang="ja-JP" altLang="en-US" smtClean="0"/>
+              <a:rPr lang="ja-JP" altLang="en-US" smtClean="0"/>
               <a:t>マスター テキストの書式設定</a:t>
             </a:r>
           </a:p>
           <a:p>
             <a:pPr lvl="1"/>
             <a:r>
-              <a:rPr kumimoji="1" lang="ja-JP" altLang="en-US" smtClean="0"/>
+              <a:rPr lang="ja-JP" altLang="en-US" smtClean="0"/>
               <a:t>第 </a:t>
             </a:r>
             <a:r>
-              <a:rPr kumimoji="1" lang="en-US" altLang="ja-JP" smtClean="0"/>
+              <a:rPr lang="en-US" altLang="ja-JP" smtClean="0"/>
               <a:t>2 </a:t>
             </a:r>
             <a:r>
-              <a:rPr kumimoji="1" lang="ja-JP" altLang="en-US" smtClean="0"/>
+              <a:rPr lang="ja-JP" altLang="en-US" smtClean="0"/>
               <a:t>レベル</a:t>
             </a:r>
           </a:p>
           <a:p>
             <a:pPr lvl="2"/>
             <a:r>
-              <a:rPr kumimoji="1" lang="ja-JP" altLang="en-US" smtClean="0"/>
+              <a:rPr lang="ja-JP" altLang="en-US" smtClean="0"/>
               <a:t>第 </a:t>
             </a:r>
             <a:r>
-              <a:rPr kumimoji="1" lang="en-US" altLang="ja-JP" smtClean="0"/>
+              <a:rPr lang="en-US" altLang="ja-JP" smtClean="0"/>
               <a:t>3 </a:t>
             </a:r>
             <a:r>
-              <a:rPr kumimoji="1" lang="ja-JP" altLang="en-US" smtClean="0"/>
+              <a:rPr lang="ja-JP" altLang="en-US" smtClean="0"/>
               <a:t>レベル</a:t>
             </a:r>
           </a:p>
           <a:p>
             <a:pPr lvl="3"/>
             <a:r>
-              <a:rPr kumimoji="1" lang="ja-JP" altLang="en-US" smtClean="0"/>
+              <a:rPr lang="ja-JP" altLang="en-US" smtClean="0"/>
               <a:t>第 </a:t>
             </a:r>
             <a:r>
-              <a:rPr kumimoji="1" lang="en-US" altLang="ja-JP" smtClean="0"/>
+              <a:rPr lang="en-US" altLang="ja-JP" smtClean="0"/>
               <a:t>4 </a:t>
             </a:r>
             <a:r>
-              <a:rPr kumimoji="1" lang="ja-JP" altLang="en-US" smtClean="0"/>
+              <a:rPr lang="ja-JP" altLang="en-US" smtClean="0"/>
               <a:t>レベル</a:t>
             </a:r>
           </a:p>
           <a:p>
             <a:pPr lvl="4"/>
             <a:r>
-              <a:rPr kumimoji="1" lang="ja-JP" altLang="en-US" smtClean="0"/>
+              <a:rPr lang="ja-JP" altLang="en-US" smtClean="0"/>
               <a:t>第 </a:t>
             </a:r>
             <a:r>
-              <a:rPr kumimoji="1" lang="en-US" altLang="ja-JP" smtClean="0"/>
+              <a:rPr lang="en-US" altLang="ja-JP" smtClean="0"/>
               <a:t>5 </a:t>
             </a:r>
             <a:r>
-              <a:rPr kumimoji="1" lang="ja-JP" altLang="en-US" smtClean="0"/>
+              <a:rPr lang="ja-JP" altLang="en-US" smtClean="0"/>
               <a:t>レベル</a:t>
             </a:r>
-            <a:endParaRPr kumimoji="1" lang="ja-JP" altLang="en-US"/>
-          </a:p>
-        </p:txBody>
-      </p:sp>
-      <p:sp>
-        <p:nvSpPr>
-          <p:cNvPr id="4" name="コンテンツ プレースホルダー 3"/>
+            <a:endParaRPr lang="en-US" dirty="0"/>
+          </a:p>
+        </p:txBody>
+      </p:sp>
+      <p:sp>
+        <p:nvSpPr>
+          <p:cNvPr id="4" name="Content Placeholder 3"/>
           <p:cNvSpPr>
             <a:spLocks noGrp="1"/>
           </p:cNvSpPr>
@@ -1874,114 +1300,86 @@
         </p:nvSpPr>
         <p:spPr>
           <a:xfrm>
-            <a:off x="4648200" y="1600200"/>
-            <a:ext cx="4038600" cy="4525963"/>
+            <a:off x="5832247" y="2012414"/>
+            <a:ext cx="4896207" cy="4796544"/>
           </a:xfrm>
         </p:spPr>
         <p:txBody>
           <a:bodyPr/>
-          <a:lstStyle>
-            <a:lvl1pPr>
-              <a:defRPr sz="2800"/>
-            </a:lvl1pPr>
-            <a:lvl2pPr>
-              <a:defRPr sz="2400"/>
-            </a:lvl2pPr>
-            <a:lvl3pPr>
-              <a:defRPr sz="2000"/>
-            </a:lvl3pPr>
-            <a:lvl4pPr>
-              <a:defRPr sz="1800"/>
-            </a:lvl4pPr>
-            <a:lvl5pPr>
-              <a:defRPr sz="1800"/>
-            </a:lvl5pPr>
-            <a:lvl6pPr>
-              <a:defRPr sz="1800"/>
-            </a:lvl6pPr>
-            <a:lvl7pPr>
-              <a:defRPr sz="1800"/>
-            </a:lvl7pPr>
-            <a:lvl8pPr>
-              <a:defRPr sz="1800"/>
-            </a:lvl8pPr>
-            <a:lvl9pPr>
-              <a:defRPr sz="1800"/>
-            </a:lvl9pPr>
-          </a:lstStyle>
+          <a:lstStyle/>
           <a:p>
             <a:pPr lvl="0"/>
             <a:r>
-              <a:rPr kumimoji="1" lang="ja-JP" altLang="en-US" smtClean="0"/>
+              <a:rPr lang="ja-JP" altLang="en-US" smtClean="0"/>
               <a:t>マスター テキストの書式設定</a:t>
             </a:r>
           </a:p>
           <a:p>
             <a:pPr lvl="1"/>
             <a:r>
-              <a:rPr kumimoji="1" lang="ja-JP" altLang="en-US" smtClean="0"/>
+              <a:rPr lang="ja-JP" altLang="en-US" smtClean="0"/>
               <a:t>第 </a:t>
             </a:r>
             <a:r>
-              <a:rPr kumimoji="1" lang="en-US" altLang="ja-JP" smtClean="0"/>
+              <a:rPr lang="en-US" altLang="ja-JP" smtClean="0"/>
               <a:t>2 </a:t>
             </a:r>
             <a:r>
-              <a:rPr kumimoji="1" lang="ja-JP" altLang="en-US" smtClean="0"/>
+              <a:rPr lang="ja-JP" altLang="en-US" smtClean="0"/>
               <a:t>レベル</a:t>
             </a:r>
           </a:p>
           <a:p>
             <a:pPr lvl="2"/>
             <a:r>
-              <a:rPr kumimoji="1" lang="ja-JP" altLang="en-US" smtClean="0"/>
+              <a:rPr lang="ja-JP" altLang="en-US" smtClean="0"/>
               <a:t>第 </a:t>
             </a:r>
             <a:r>
-              <a:rPr kumimoji="1" lang="en-US" altLang="ja-JP" smtClean="0"/>
+              <a:rPr lang="en-US" altLang="ja-JP" smtClean="0"/>
               <a:t>3 </a:t>
             </a:r>
             <a:r>
-              <a:rPr kumimoji="1" lang="ja-JP" altLang="en-US" smtClean="0"/>
+              <a:rPr lang="ja-JP" altLang="en-US" smtClean="0"/>
               <a:t>レベル</a:t>
             </a:r>
           </a:p>
           <a:p>
             <a:pPr lvl="3"/>
             <a:r>
-              <a:rPr kumimoji="1" lang="ja-JP" altLang="en-US" smtClean="0"/>
+              <a:rPr lang="ja-JP" altLang="en-US" smtClean="0"/>
               <a:t>第 </a:t>
             </a:r>
             <a:r>
-              <a:rPr kumimoji="1" lang="en-US" altLang="ja-JP" smtClean="0"/>
+              <a:rPr lang="en-US" altLang="ja-JP" smtClean="0"/>
               <a:t>4 </a:t>
             </a:r>
             <a:r>
-              <a:rPr kumimoji="1" lang="ja-JP" altLang="en-US" smtClean="0"/>
+              <a:rPr lang="ja-JP" altLang="en-US" smtClean="0"/>
               <a:t>レベル</a:t>
             </a:r>
           </a:p>
           <a:p>
             <a:pPr lvl="4"/>
             <a:r>
-              <a:rPr kumimoji="1" lang="ja-JP" altLang="en-US" smtClean="0"/>
+              <a:rPr lang="ja-JP" altLang="en-US" smtClean="0"/>
               <a:t>第 </a:t>
             </a:r>
             <a:r>
-              <a:rPr kumimoji="1" lang="en-US" altLang="ja-JP" smtClean="0"/>
+              <a:rPr lang="en-US" altLang="ja-JP" smtClean="0"/>
               <a:t>5 </a:t>
             </a:r>
             <a:r>
-              <a:rPr kumimoji="1" lang="ja-JP" altLang="en-US" smtClean="0"/>
+              <a:rPr lang="ja-JP" altLang="en-US" smtClean="0"/>
               <a:t>レベル</a:t>
             </a:r>
-            <a:endParaRPr kumimoji="1" lang="ja-JP" altLang="en-US"/>
-          </a:p>
-        </p:txBody>
-      </p:sp>
-      <p:sp>
-        <p:nvSpPr>
-          <p:cNvPr id="5" name="日付プレースホルダー 4"/>
+            <a:endParaRPr lang="en-US" dirty="0"/>
+          </a:p>
+        </p:txBody>
+      </p:sp>
+      <p:sp>
+        <p:nvSpPr>
+          <p:cNvPr id="5" name="Date Placeholder 4"/>
           <p:cNvSpPr>
             <a:spLocks noGrp="1"/>
           </p:cNvSpPr>
@@ -1994,7 +1392,7 @@
           <a:bodyPr/>
           <a:lstStyle/>
           <a:p>
-            <a:fld id="{7B9B12EC-6AA0-374B-A2D3-850081A07A26}" type="datetimeFigureOut">
+            <a:fld id="{8116F005-BD90-4308-B210-0C3F4F814AA2}" type="datetimeFigureOut">
               <a:rPr kumimoji="1" lang="ja-JP" altLang="en-US" smtClean="0"/>
               <a:t>2017/2/15</a:t>
             </a:fld>
@@ -2004,7 +1402,7 @@
       </p:sp>
       <p:sp>
         <p:nvSpPr>
-          <p:cNvPr id="6" name="フッター プレースホルダー 5"/>
+          <p:cNvPr id="6" name="Footer Placeholder 5"/>
           <p:cNvSpPr>
             <a:spLocks noGrp="1"/>
           </p:cNvSpPr>
@@ -2023,7 +1421,7 @@
       </p:sp>
       <p:sp>
         <p:nvSpPr>
-          <p:cNvPr id="7" name="スライド番号プレースホルダー 6"/>
+          <p:cNvPr id="7" name="Slide Number Placeholder 6"/>
           <p:cNvSpPr>
             <a:spLocks noGrp="1"/>
           </p:cNvSpPr>
@@ -2036,7 +1434,7 @@
           <a:bodyPr/>
           <a:lstStyle/>
           <a:p>
-            <a:fld id="{767EF739-006C-E447-A3B9-2B495A864FAC}" type="slidenum">
+            <a:fld id="{D3FF173C-6EA2-48E4-9902-19D3A7F391CD}" type="slidenum">
               <a:rPr kumimoji="1" lang="ja-JP" altLang="en-US" smtClean="0"/>
               <a:t>‹#›</a:t>
             </a:fld>
@@ -2047,7 +1445,7 @@
     </p:spTree>
     <p:extLst>
       <p:ext uri="{BB962C8B-B14F-4D97-AF65-F5344CB8AC3E}">
-        <p14:creationId xmlns:p14="http://schemas.microsoft.com/office/powerpoint/2010/main" val="1557712202"/>
+        <p14:creationId xmlns:p14="http://schemas.microsoft.com/office/powerpoint/2010/main" val="2808022928"/>
       </p:ext>
     </p:extLst>
   </p:cSld>
@@ -2076,7 +1474,7 @@
       </p:grpSpPr>
       <p:sp>
         <p:nvSpPr>
-          <p:cNvPr id="2" name="タイトル 1"/>
+          <p:cNvPr id="2" name="Title 1"/>
           <p:cNvSpPr>
             <a:spLocks noGrp="1"/>
           </p:cNvSpPr>
@@ -2084,26 +1482,27 @@
             <p:ph type="title"/>
           </p:nvPr>
         </p:nvSpPr>
-        <p:spPr/>
+        <p:spPr>
+          <a:xfrm>
+            <a:off x="793534" y="402484"/>
+            <a:ext cx="9936421" cy="1461188"/>
+          </a:xfrm>
+        </p:spPr>
         <p:txBody>
           <a:bodyPr/>
-          <a:lstStyle>
-            <a:lvl1pPr>
-              <a:defRPr/>
-            </a:lvl1pPr>
-          </a:lstStyle>
-          <a:p>
-            <a:r>
-              <a:rPr kumimoji="1" lang="ja-JP" altLang="en-US" smtClean="0"/>
+          <a:lstStyle/>
+          <a:p>
+            <a:r>
+              <a:rPr lang="ja-JP" altLang="en-US" smtClean="0"/>
               <a:t>マスター タイトルの書式設定</a:t>
             </a:r>
-            <a:endParaRPr kumimoji="1" lang="ja-JP" altLang="en-US"/>
-          </a:p>
-        </p:txBody>
-      </p:sp>
-      <p:sp>
-        <p:nvSpPr>
-          <p:cNvPr id="3" name="テキスト プレースホルダー 2"/>
+            <a:endParaRPr lang="en-US" dirty="0"/>
+          </a:p>
+        </p:txBody>
+      </p:sp>
+      <p:sp>
+        <p:nvSpPr>
+          <p:cNvPr id="3" name="Text Placeholder 2"/>
           <p:cNvSpPr>
             <a:spLocks noGrp="1"/>
           </p:cNvSpPr>
@@ -2113,8 +1512,8 @@
         </p:nvSpPr>
         <p:spPr>
           <a:xfrm>
-            <a:off x="457200" y="1535113"/>
-            <a:ext cx="4040188" cy="639762"/>
+            <a:off x="793535" y="1853171"/>
+            <a:ext cx="4873706" cy="908210"/>
           </a:xfrm>
         </p:spPr>
         <p:txBody>
@@ -2122,45 +1521,45 @@
           <a:lstStyle>
             <a:lvl1pPr marL="0" indent="0">
               <a:buNone/>
-              <a:defRPr sz="2400" b="1"/>
+              <a:defRPr sz="2646" b="1"/>
             </a:lvl1pPr>
-            <a:lvl2pPr marL="457200" indent="0">
-              <a:buNone/>
-              <a:defRPr sz="2000" b="1"/>
+            <a:lvl2pPr marL="503972" indent="0">
+              <a:buNone/>
+              <a:defRPr sz="2205" b="1"/>
             </a:lvl2pPr>
-            <a:lvl3pPr marL="914400" indent="0">
-              <a:buNone/>
-              <a:defRPr sz="1800" b="1"/>
+            <a:lvl3pPr marL="1007943" indent="0">
+              <a:buNone/>
+              <a:defRPr sz="1984" b="1"/>
             </a:lvl3pPr>
-            <a:lvl4pPr marL="1371600" indent="0">
-              <a:buNone/>
-              <a:defRPr sz="1600" b="1"/>
+            <a:lvl4pPr marL="1511915" indent="0">
+              <a:buNone/>
+              <a:defRPr sz="1764" b="1"/>
             </a:lvl4pPr>
-            <a:lvl5pPr marL="1828800" indent="0">
-              <a:buNone/>
-              <a:defRPr sz="1600" b="1"/>
+            <a:lvl5pPr marL="2015886" indent="0">
+              <a:buNone/>
+              <a:defRPr sz="1764" b="1"/>
             </a:lvl5pPr>
-            <a:lvl6pPr marL="2286000" indent="0">
-              <a:buNone/>
-              <a:defRPr sz="1600" b="1"/>
+            <a:lvl6pPr marL="2519858" indent="0">
+              <a:buNone/>
+              <a:defRPr sz="1764" b="1"/>
             </a:lvl6pPr>
-            <a:lvl7pPr marL="2743200" indent="0">
-              <a:buNone/>
-              <a:defRPr sz="1600" b="1"/>
+            <a:lvl7pPr marL="3023829" indent="0">
+              <a:buNone/>
+              <a:defRPr sz="1764" b="1"/>
             </a:lvl7pPr>
-            <a:lvl8pPr marL="3200400" indent="0">
-              <a:buNone/>
-              <a:defRPr sz="1600" b="1"/>
+            <a:lvl8pPr marL="3527801" indent="0">
+              <a:buNone/>
+              <a:defRPr sz="1764" b="1"/>
             </a:lvl8pPr>
-            <a:lvl9pPr marL="3657600" indent="0">
-              <a:buNone/>
-              <a:defRPr sz="1600" b="1"/>
+            <a:lvl9pPr marL="4031772" indent="0">
+              <a:buNone/>
+              <a:defRPr sz="1764" b="1"/>
             </a:lvl9pPr>
           </a:lstStyle>
           <a:p>
             <a:pPr lvl="0"/>
             <a:r>
-              <a:rPr kumimoji="1" lang="ja-JP" altLang="en-US" smtClean="0"/>
+              <a:rPr lang="ja-JP" altLang="en-US" smtClean="0"/>
               <a:t>マスター テキストの書式設定</a:t>
             </a:r>
           </a:p>
@@ -2168,7 +1567,7 @@
       </p:sp>
       <p:sp>
         <p:nvSpPr>
-          <p:cNvPr id="4" name="コンテンツ プレースホルダー 3"/>
+          <p:cNvPr id="4" name="Content Placeholder 3"/>
           <p:cNvSpPr>
             <a:spLocks noGrp="1"/>
           </p:cNvSpPr>
@@ -2178,114 +1577,86 @@
         </p:nvSpPr>
         <p:spPr>
           <a:xfrm>
-            <a:off x="457200" y="2174875"/>
-            <a:ext cx="4040188" cy="3951288"/>
+            <a:off x="793535" y="2761381"/>
+            <a:ext cx="4873706" cy="4061576"/>
           </a:xfrm>
         </p:spPr>
         <p:txBody>
           <a:bodyPr/>
-          <a:lstStyle>
-            <a:lvl1pPr>
-              <a:defRPr sz="2400"/>
-            </a:lvl1pPr>
-            <a:lvl2pPr>
-              <a:defRPr sz="2000"/>
-            </a:lvl2pPr>
-            <a:lvl3pPr>
-              <a:defRPr sz="1800"/>
-            </a:lvl3pPr>
-            <a:lvl4pPr>
-              <a:defRPr sz="1600"/>
-            </a:lvl4pPr>
-            <a:lvl5pPr>
-              <a:defRPr sz="1600"/>
-            </a:lvl5pPr>
-            <a:lvl6pPr>
-              <a:defRPr sz="1600"/>
-            </a:lvl6pPr>
-            <a:lvl7pPr>
-              <a:defRPr sz="1600"/>
-            </a:lvl7pPr>
-            <a:lvl8pPr>
-              <a:defRPr sz="1600"/>
-            </a:lvl8pPr>
-            <a:lvl9pPr>
-              <a:defRPr sz="1600"/>
-            </a:lvl9pPr>
-          </a:lstStyle>
+          <a:lstStyle/>
           <a:p>
             <a:pPr lvl="0"/>
             <a:r>
-              <a:rPr kumimoji="1" lang="ja-JP" altLang="en-US" smtClean="0"/>
+              <a:rPr lang="ja-JP" altLang="en-US" smtClean="0"/>
               <a:t>マスター テキストの書式設定</a:t>
             </a:r>
           </a:p>
           <a:p>
             <a:pPr lvl="1"/>
             <a:r>
-              <a:rPr kumimoji="1" lang="ja-JP" altLang="en-US" smtClean="0"/>
+              <a:rPr lang="ja-JP" altLang="en-US" smtClean="0"/>
               <a:t>第 </a:t>
             </a:r>
             <a:r>
-              <a:rPr kumimoji="1" lang="en-US" altLang="ja-JP" smtClean="0"/>
+              <a:rPr lang="en-US" altLang="ja-JP" smtClean="0"/>
               <a:t>2 </a:t>
             </a:r>
             <a:r>
-              <a:rPr kumimoji="1" lang="ja-JP" altLang="en-US" smtClean="0"/>
+              <a:rPr lang="ja-JP" altLang="en-US" smtClean="0"/>
               <a:t>レベル</a:t>
             </a:r>
           </a:p>
           <a:p>
             <a:pPr lvl="2"/>
             <a:r>
-              <a:rPr kumimoji="1" lang="ja-JP" altLang="en-US" smtClean="0"/>
+              <a:rPr lang="ja-JP" altLang="en-US" smtClean="0"/>
               <a:t>第 </a:t>
             </a:r>
             <a:r>
-              <a:rPr kumimoji="1" lang="en-US" altLang="ja-JP" smtClean="0"/>
+              <a:rPr lang="en-US" altLang="ja-JP" smtClean="0"/>
               <a:t>3 </a:t>
             </a:r>
             <a:r>
-              <a:rPr kumimoji="1" lang="ja-JP" altLang="en-US" smtClean="0"/>
+              <a:rPr lang="ja-JP" altLang="en-US" smtClean="0"/>
               <a:t>レベル</a:t>
             </a:r>
           </a:p>
           <a:p>
             <a:pPr lvl="3"/>
             <a:r>
-              <a:rPr kumimoji="1" lang="ja-JP" altLang="en-US" smtClean="0"/>
+              <a:rPr lang="ja-JP" altLang="en-US" smtClean="0"/>
               <a:t>第 </a:t>
             </a:r>
             <a:r>
-              <a:rPr kumimoji="1" lang="en-US" altLang="ja-JP" smtClean="0"/>
+              <a:rPr lang="en-US" altLang="ja-JP" smtClean="0"/>
               <a:t>4 </a:t>
             </a:r>
             <a:r>
-              <a:rPr kumimoji="1" lang="ja-JP" altLang="en-US" smtClean="0"/>
+              <a:rPr lang="ja-JP" altLang="en-US" smtClean="0"/>
               <a:t>レベル</a:t>
             </a:r>
           </a:p>
           <a:p>
             <a:pPr lvl="4"/>
             <a:r>
-              <a:rPr kumimoji="1" lang="ja-JP" altLang="en-US" smtClean="0"/>
+              <a:rPr lang="ja-JP" altLang="en-US" smtClean="0"/>
               <a:t>第 </a:t>
             </a:r>
             <a:r>
-              <a:rPr kumimoji="1" lang="en-US" altLang="ja-JP" smtClean="0"/>
+              <a:rPr lang="en-US" altLang="ja-JP" smtClean="0"/>
               <a:t>5 </a:t>
             </a:r>
             <a:r>
-              <a:rPr kumimoji="1" lang="ja-JP" altLang="en-US" smtClean="0"/>
+              <a:rPr lang="ja-JP" altLang="en-US" smtClean="0"/>
               <a:t>レベル</a:t>
             </a:r>
-            <a:endParaRPr kumimoji="1" lang="ja-JP" altLang="en-US"/>
-          </a:p>
-        </p:txBody>
-      </p:sp>
-      <p:sp>
-        <p:nvSpPr>
-          <p:cNvPr id="5" name="テキスト プレースホルダー 4"/>
+            <a:endParaRPr lang="en-US" dirty="0"/>
+          </a:p>
+        </p:txBody>
+      </p:sp>
+      <p:sp>
+        <p:nvSpPr>
+          <p:cNvPr id="5" name="Text Placeholder 4"/>
           <p:cNvSpPr>
             <a:spLocks noGrp="1"/>
           </p:cNvSpPr>
@@ -2295,8 +1666,8 @@
         </p:nvSpPr>
         <p:spPr>
           <a:xfrm>
-            <a:off x="4645025" y="1535113"/>
-            <a:ext cx="4041775" cy="639762"/>
+            <a:off x="5832248" y="1853171"/>
+            <a:ext cx="4897708" cy="908210"/>
           </a:xfrm>
         </p:spPr>
         <p:txBody>
@@ -2304,45 +1675,45 @@
           <a:lstStyle>
             <a:lvl1pPr marL="0" indent="0">
               <a:buNone/>
-              <a:defRPr sz="2400" b="1"/>
+              <a:defRPr sz="2646" b="1"/>
             </a:lvl1pPr>
-            <a:lvl2pPr marL="457200" indent="0">
-              <a:buNone/>
-              <a:defRPr sz="2000" b="1"/>
+            <a:lvl2pPr marL="503972" indent="0">
+              <a:buNone/>
+              <a:defRPr sz="2205" b="1"/>
             </a:lvl2pPr>
-            <a:lvl3pPr marL="914400" indent="0">
-              <a:buNone/>
-              <a:defRPr sz="1800" b="1"/>
+            <a:lvl3pPr marL="1007943" indent="0">
+              <a:buNone/>
+              <a:defRPr sz="1984" b="1"/>
             </a:lvl3pPr>
-            <a:lvl4pPr marL="1371600" indent="0">
-              <a:buNone/>
-              <a:defRPr sz="1600" b="1"/>
+            <a:lvl4pPr marL="1511915" indent="0">
+              <a:buNone/>
+              <a:defRPr sz="1764" b="1"/>
             </a:lvl4pPr>
-            <a:lvl5pPr marL="1828800" indent="0">
-              <a:buNone/>
-              <a:defRPr sz="1600" b="1"/>
+            <a:lvl5pPr marL="2015886" indent="0">
+              <a:buNone/>
+              <a:defRPr sz="1764" b="1"/>
             </a:lvl5pPr>
-            <a:lvl6pPr marL="2286000" indent="0">
-              <a:buNone/>
-              <a:defRPr sz="1600" b="1"/>
+            <a:lvl6pPr marL="2519858" indent="0">
+              <a:buNone/>
+              <a:defRPr sz="1764" b="1"/>
             </a:lvl6pPr>
-            <a:lvl7pPr marL="2743200" indent="0">
-              <a:buNone/>
-              <a:defRPr sz="1600" b="1"/>
+            <a:lvl7pPr marL="3023829" indent="0">
+              <a:buNone/>
+              <a:defRPr sz="1764" b="1"/>
             </a:lvl7pPr>
-            <a:lvl8pPr marL="3200400" indent="0">
-              <a:buNone/>
-              <a:defRPr sz="1600" b="1"/>
+            <a:lvl8pPr marL="3527801" indent="0">
+              <a:buNone/>
+              <a:defRPr sz="1764" b="1"/>
             </a:lvl8pPr>
-            <a:lvl9pPr marL="3657600" indent="0">
-              <a:buNone/>
-              <a:defRPr sz="1600" b="1"/>
+            <a:lvl9pPr marL="4031772" indent="0">
+              <a:buNone/>
+              <a:defRPr sz="1764" b="1"/>
             </a:lvl9pPr>
           </a:lstStyle>
           <a:p>
             <a:pPr lvl="0"/>
             <a:r>
-              <a:rPr kumimoji="1" lang="ja-JP" altLang="en-US" smtClean="0"/>
+              <a:rPr lang="ja-JP" altLang="en-US" smtClean="0"/>
               <a:t>マスター テキストの書式設定</a:t>
             </a:r>
           </a:p>
@@ -2350,7 +1721,7 @@
       </p:sp>
       <p:sp>
         <p:nvSpPr>
-          <p:cNvPr id="6" name="コンテンツ プレースホルダー 5"/>
+          <p:cNvPr id="6" name="Content Placeholder 5"/>
           <p:cNvSpPr>
             <a:spLocks noGrp="1"/>
           </p:cNvSpPr>
@@ -2360,114 +1731,86 @@
         </p:nvSpPr>
         <p:spPr>
           <a:xfrm>
-            <a:off x="4645025" y="2174875"/>
-            <a:ext cx="4041775" cy="3951288"/>
+            <a:off x="5832248" y="2761381"/>
+            <a:ext cx="4897708" cy="4061576"/>
           </a:xfrm>
         </p:spPr>
         <p:txBody>
           <a:bodyPr/>
-          <a:lstStyle>
-            <a:lvl1pPr>
-              <a:defRPr sz="2400"/>
-            </a:lvl1pPr>
-            <a:lvl2pPr>
-              <a:defRPr sz="2000"/>
-            </a:lvl2pPr>
-            <a:lvl3pPr>
-              <a:defRPr sz="1800"/>
-            </a:lvl3pPr>
-            <a:lvl4pPr>
-              <a:defRPr sz="1600"/>
-            </a:lvl4pPr>
-            <a:lvl5pPr>
-              <a:defRPr sz="1600"/>
-            </a:lvl5pPr>
-            <a:lvl6pPr>
-              <a:defRPr sz="1600"/>
-            </a:lvl6pPr>
-            <a:lvl7pPr>
-              <a:defRPr sz="1600"/>
-            </a:lvl7pPr>
-            <a:lvl8pPr>
-              <a:defRPr sz="1600"/>
-            </a:lvl8pPr>
-            <a:lvl9pPr>
-              <a:defRPr sz="1600"/>
-            </a:lvl9pPr>
-          </a:lstStyle>
+          <a:lstStyle/>
           <a:p>
             <a:pPr lvl="0"/>
             <a:r>
-              <a:rPr kumimoji="1" lang="ja-JP" altLang="en-US" smtClean="0"/>
+              <a:rPr lang="ja-JP" altLang="en-US" smtClean="0"/>
               <a:t>マスター テキストの書式設定</a:t>
             </a:r>
           </a:p>
           <a:p>
             <a:pPr lvl="1"/>
             <a:r>
-              <a:rPr kumimoji="1" lang="ja-JP" altLang="en-US" smtClean="0"/>
+              <a:rPr lang="ja-JP" altLang="en-US" smtClean="0"/>
               <a:t>第 </a:t>
             </a:r>
             <a:r>
-              <a:rPr kumimoji="1" lang="en-US" altLang="ja-JP" smtClean="0"/>
+              <a:rPr lang="en-US" altLang="ja-JP" smtClean="0"/>
               <a:t>2 </a:t>
             </a:r>
             <a:r>
-              <a:rPr kumimoji="1" lang="ja-JP" altLang="en-US" smtClean="0"/>
+              <a:rPr lang="ja-JP" altLang="en-US" smtClean="0"/>
               <a:t>レベル</a:t>
             </a:r>
           </a:p>
           <a:p>
             <a:pPr lvl="2"/>
             <a:r>
-              <a:rPr kumimoji="1" lang="ja-JP" altLang="en-US" smtClean="0"/>
+              <a:rPr lang="ja-JP" altLang="en-US" smtClean="0"/>
               <a:t>第 </a:t>
             </a:r>
             <a:r>
-              <a:rPr kumimoji="1" lang="en-US" altLang="ja-JP" smtClean="0"/>
+              <a:rPr lang="en-US" altLang="ja-JP" smtClean="0"/>
               <a:t>3 </a:t>
             </a:r>
             <a:r>
-              <a:rPr kumimoji="1" lang="ja-JP" altLang="en-US" smtClean="0"/>
+              <a:rPr lang="ja-JP" altLang="en-US" smtClean="0"/>
               <a:t>レベル</a:t>
             </a:r>
           </a:p>
           <a:p>
             <a:pPr lvl="3"/>
             <a:r>
-              <a:rPr kumimoji="1" lang="ja-JP" altLang="en-US" smtClean="0"/>
+              <a:rPr lang="ja-JP" altLang="en-US" smtClean="0"/>
               <a:t>第 </a:t>
             </a:r>
             <a:r>
-              <a:rPr kumimoji="1" lang="en-US" altLang="ja-JP" smtClean="0"/>
+              <a:rPr lang="en-US" altLang="ja-JP" smtClean="0"/>
               <a:t>4 </a:t>
             </a:r>
             <a:r>
-              <a:rPr kumimoji="1" lang="ja-JP" altLang="en-US" smtClean="0"/>
+              <a:rPr lang="ja-JP" altLang="en-US" smtClean="0"/>
               <a:t>レベル</a:t>
             </a:r>
           </a:p>
           <a:p>
             <a:pPr lvl="4"/>
             <a:r>
-              <a:rPr kumimoji="1" lang="ja-JP" altLang="en-US" smtClean="0"/>
+              <a:rPr lang="ja-JP" altLang="en-US" smtClean="0"/>
               <a:t>第 </a:t>
             </a:r>
             <a:r>
-              <a:rPr kumimoji="1" lang="en-US" altLang="ja-JP" smtClean="0"/>
+              <a:rPr lang="en-US" altLang="ja-JP" smtClean="0"/>
               <a:t>5 </a:t>
             </a:r>
             <a:r>
-              <a:rPr kumimoji="1" lang="ja-JP" altLang="en-US" smtClean="0"/>
+              <a:rPr lang="ja-JP" altLang="en-US" smtClean="0"/>
               <a:t>レベル</a:t>
             </a:r>
-            <a:endParaRPr kumimoji="1" lang="ja-JP" altLang="en-US"/>
-          </a:p>
-        </p:txBody>
-      </p:sp>
-      <p:sp>
-        <p:nvSpPr>
-          <p:cNvPr id="7" name="日付プレースホルダー 6"/>
+            <a:endParaRPr lang="en-US" dirty="0"/>
+          </a:p>
+        </p:txBody>
+      </p:sp>
+      <p:sp>
+        <p:nvSpPr>
+          <p:cNvPr id="7" name="Date Placeholder 6"/>
           <p:cNvSpPr>
             <a:spLocks noGrp="1"/>
           </p:cNvSpPr>
@@ -2480,7 +1823,7 @@
           <a:bodyPr/>
           <a:lstStyle/>
           <a:p>
-            <a:fld id="{7B9B12EC-6AA0-374B-A2D3-850081A07A26}" type="datetimeFigureOut">
+            <a:fld id="{8116F005-BD90-4308-B210-0C3F4F814AA2}" type="datetimeFigureOut">
               <a:rPr kumimoji="1" lang="ja-JP" altLang="en-US" smtClean="0"/>
               <a:t>2017/2/15</a:t>
             </a:fld>
@@ -2490,7 +1833,7 @@
       </p:sp>
       <p:sp>
         <p:nvSpPr>
-          <p:cNvPr id="8" name="フッター プレースホルダー 7"/>
+          <p:cNvPr id="8" name="Footer Placeholder 7"/>
           <p:cNvSpPr>
             <a:spLocks noGrp="1"/>
           </p:cNvSpPr>
@@ -2509,7 +1852,7 @@
       </p:sp>
       <p:sp>
         <p:nvSpPr>
-          <p:cNvPr id="9" name="スライド番号プレースホルダー 8"/>
+          <p:cNvPr id="9" name="Slide Number Placeholder 8"/>
           <p:cNvSpPr>
             <a:spLocks noGrp="1"/>
           </p:cNvSpPr>
@@ -2522,7 +1865,7 @@
           <a:bodyPr/>
           <a:lstStyle/>
           <a:p>
-            <a:fld id="{767EF739-006C-E447-A3B9-2B495A864FAC}" type="slidenum">
+            <a:fld id="{D3FF173C-6EA2-48E4-9902-19D3A7F391CD}" type="slidenum">
               <a:rPr kumimoji="1" lang="ja-JP" altLang="en-US" smtClean="0"/>
               <a:t>‹#›</a:t>
             </a:fld>
@@ -2533,7 +1876,7 @@
     </p:spTree>
     <p:extLst>
       <p:ext uri="{BB962C8B-B14F-4D97-AF65-F5344CB8AC3E}">
-        <p14:creationId xmlns:p14="http://schemas.microsoft.com/office/powerpoint/2010/main" val="638338655"/>
+        <p14:creationId xmlns:p14="http://schemas.microsoft.com/office/powerpoint/2010/main" val="1347025017"/>
       </p:ext>
     </p:extLst>
   </p:cSld>
@@ -2562,7 +1905,7 @@
       </p:grpSpPr>
       <p:sp>
         <p:nvSpPr>
-          <p:cNvPr id="2" name="タイトル 1"/>
+          <p:cNvPr id="2" name="Title 1"/>
           <p:cNvSpPr>
             <a:spLocks noGrp="1"/>
           </p:cNvSpPr>
@@ -2576,16 +1919,16 @@
           <a:lstStyle/>
           <a:p>
             <a:r>
-              <a:rPr kumimoji="1" lang="ja-JP" altLang="en-US" smtClean="0"/>
+              <a:rPr lang="ja-JP" altLang="en-US" smtClean="0"/>
               <a:t>マスター タイトルの書式設定</a:t>
             </a:r>
-            <a:endParaRPr kumimoji="1" lang="ja-JP" altLang="en-US"/>
-          </a:p>
-        </p:txBody>
-      </p:sp>
-      <p:sp>
-        <p:nvSpPr>
-          <p:cNvPr id="3" name="日付プレースホルダー 2"/>
+            <a:endParaRPr lang="en-US" dirty="0"/>
+          </a:p>
+        </p:txBody>
+      </p:sp>
+      <p:sp>
+        <p:nvSpPr>
+          <p:cNvPr id="3" name="Date Placeholder 2"/>
           <p:cNvSpPr>
             <a:spLocks noGrp="1"/>
           </p:cNvSpPr>
@@ -2598,7 +1941,7 @@
           <a:bodyPr/>
           <a:lstStyle/>
           <a:p>
-            <a:fld id="{7B9B12EC-6AA0-374B-A2D3-850081A07A26}" type="datetimeFigureOut">
+            <a:fld id="{8116F005-BD90-4308-B210-0C3F4F814AA2}" type="datetimeFigureOut">
               <a:rPr kumimoji="1" lang="ja-JP" altLang="en-US" smtClean="0"/>
               <a:t>2017/2/15</a:t>
             </a:fld>
@@ -2608,7 +1951,7 @@
       </p:sp>
       <p:sp>
         <p:nvSpPr>
-          <p:cNvPr id="4" name="フッター プレースホルダー 3"/>
+          <p:cNvPr id="4" name="Footer Placeholder 3"/>
           <p:cNvSpPr>
             <a:spLocks noGrp="1"/>
           </p:cNvSpPr>
@@ -2627,7 +1970,7 @@
       </p:sp>
       <p:sp>
         <p:nvSpPr>
-          <p:cNvPr id="5" name="スライド番号プレースホルダー 4"/>
+          <p:cNvPr id="5" name="Slide Number Placeholder 4"/>
           <p:cNvSpPr>
             <a:spLocks noGrp="1"/>
           </p:cNvSpPr>
@@ -2640,7 +1983,7 @@
           <a:bodyPr/>
           <a:lstStyle/>
           <a:p>
-            <a:fld id="{767EF739-006C-E447-A3B9-2B495A864FAC}" type="slidenum">
+            <a:fld id="{D3FF173C-6EA2-48E4-9902-19D3A7F391CD}" type="slidenum">
               <a:rPr kumimoji="1" lang="ja-JP" altLang="en-US" smtClean="0"/>
               <a:t>‹#›</a:t>
             </a:fld>
@@ -2651,7 +1994,7 @@
     </p:spTree>
     <p:extLst>
       <p:ext uri="{BB962C8B-B14F-4D97-AF65-F5344CB8AC3E}">
-        <p14:creationId xmlns:p14="http://schemas.microsoft.com/office/powerpoint/2010/main" val="2063778013"/>
+        <p14:creationId xmlns:p14="http://schemas.microsoft.com/office/powerpoint/2010/main" val="1090573957"/>
       </p:ext>
     </p:extLst>
   </p:cSld>
@@ -2680,7 +2023,7 @@
       </p:grpSpPr>
       <p:sp>
         <p:nvSpPr>
-          <p:cNvPr id="2" name="日付プレースホルダー 1"/>
+          <p:cNvPr id="2" name="Date Placeholder 1"/>
           <p:cNvSpPr>
             <a:spLocks noGrp="1"/>
           </p:cNvSpPr>
@@ -2693,7 +2036,7 @@
           <a:bodyPr/>
           <a:lstStyle/>
           <a:p>
-            <a:fld id="{7B9B12EC-6AA0-374B-A2D3-850081A07A26}" type="datetimeFigureOut">
+            <a:fld id="{8116F005-BD90-4308-B210-0C3F4F814AA2}" type="datetimeFigureOut">
               <a:rPr kumimoji="1" lang="ja-JP" altLang="en-US" smtClean="0"/>
               <a:t>2017/2/15</a:t>
             </a:fld>
@@ -2703,7 +2046,7 @@
       </p:sp>
       <p:sp>
         <p:nvSpPr>
-          <p:cNvPr id="3" name="フッター プレースホルダー 2"/>
+          <p:cNvPr id="3" name="Footer Placeholder 2"/>
           <p:cNvSpPr>
             <a:spLocks noGrp="1"/>
           </p:cNvSpPr>
@@ -2722,7 +2065,7 @@
       </p:sp>
       <p:sp>
         <p:nvSpPr>
-          <p:cNvPr id="4" name="スライド番号プレースホルダー 3"/>
+          <p:cNvPr id="4" name="Slide Number Placeholder 3"/>
           <p:cNvSpPr>
             <a:spLocks noGrp="1"/>
           </p:cNvSpPr>
@@ -2735,7 +2078,7 @@
           <a:bodyPr/>
           <a:lstStyle/>
           <a:p>
-            <a:fld id="{767EF739-006C-E447-A3B9-2B495A864FAC}" type="slidenum">
+            <a:fld id="{D3FF173C-6EA2-48E4-9902-19D3A7F391CD}" type="slidenum">
               <a:rPr kumimoji="1" lang="ja-JP" altLang="en-US" smtClean="0"/>
               <a:t>‹#›</a:t>
             </a:fld>
@@ -2746,7 +2089,7 @@
     </p:spTree>
     <p:extLst>
       <p:ext uri="{BB962C8B-B14F-4D97-AF65-F5344CB8AC3E}">
-        <p14:creationId xmlns:p14="http://schemas.microsoft.com/office/powerpoint/2010/main" val="1575323657"/>
+        <p14:creationId xmlns:p14="http://schemas.microsoft.com/office/powerpoint/2010/main" val="742525021"/>
       </p:ext>
     </p:extLst>
   </p:cSld>
@@ -2758,7 +2101,7 @@
 
 <file path=ppt/slideLayouts/slideLayout8.xml><?xml version="1.0" encoding="utf-8"?>
 <p:sldLayout xmlns:a="http://schemas.openxmlformats.org/drawingml/2006/main" xmlns:r="http://schemas.openxmlformats.org/officeDocument/2006/relationships" xmlns:p="http://schemas.openxmlformats.org/presentationml/2006/main" type="objTx" preserve="1">
-  <p:cSld name="タイトル付きのコンテンツ">
+  <p:cSld name="タイトル付きの&#10;コンテンツ">
     <p:spTree>
       <p:nvGrpSpPr>
         <p:cNvPr id="1" name=""/>
@@ -2775,7 +2118,7 @@
       </p:grpSpPr>
       <p:sp>
         <p:nvSpPr>
-          <p:cNvPr id="2" name="タイトル 1"/>
+          <p:cNvPr id="2" name="Title 1"/>
           <p:cNvSpPr>
             <a:spLocks noGrp="1"/>
           </p:cNvSpPr>
@@ -2785,29 +2128,29 @@
         </p:nvSpPr>
         <p:spPr>
           <a:xfrm>
-            <a:off x="457200" y="273050"/>
-            <a:ext cx="3008313" cy="1162050"/>
+            <a:off x="793534" y="503978"/>
+            <a:ext cx="3715657" cy="1763924"/>
           </a:xfrm>
         </p:spPr>
         <p:txBody>
           <a:bodyPr anchor="b"/>
           <a:lstStyle>
-            <a:lvl1pPr algn="l">
-              <a:defRPr sz="2000" b="1"/>
+            <a:lvl1pPr>
+              <a:defRPr sz="3527"/>
             </a:lvl1pPr>
           </a:lstStyle>
           <a:p>
             <a:r>
-              <a:rPr kumimoji="1" lang="ja-JP" altLang="en-US" smtClean="0"/>
+              <a:rPr lang="ja-JP" altLang="en-US" smtClean="0"/>
               <a:t>マスター タイトルの書式設定</a:t>
             </a:r>
-            <a:endParaRPr kumimoji="1" lang="ja-JP" altLang="en-US"/>
-          </a:p>
-        </p:txBody>
-      </p:sp>
-      <p:sp>
-        <p:nvSpPr>
-          <p:cNvPr id="3" name="コンテンツ プレースホルダー 2"/>
+            <a:endParaRPr lang="en-US" dirty="0"/>
+          </a:p>
+        </p:txBody>
+      </p:sp>
+      <p:sp>
+        <p:nvSpPr>
+          <p:cNvPr id="3" name="Content Placeholder 2"/>
           <p:cNvSpPr>
             <a:spLocks noGrp="1"/>
           </p:cNvSpPr>
@@ -2817,114 +2160,114 @@
         </p:nvSpPr>
         <p:spPr>
           <a:xfrm>
-            <a:off x="3575050" y="273050"/>
-            <a:ext cx="5111750" cy="5853113"/>
+            <a:off x="4897708" y="1088455"/>
+            <a:ext cx="5832247" cy="5372269"/>
           </a:xfrm>
         </p:spPr>
         <p:txBody>
           <a:bodyPr/>
           <a:lstStyle>
             <a:lvl1pPr>
-              <a:defRPr sz="3200"/>
+              <a:defRPr sz="3527"/>
             </a:lvl1pPr>
             <a:lvl2pPr>
-              <a:defRPr sz="2800"/>
+              <a:defRPr sz="3086"/>
             </a:lvl2pPr>
             <a:lvl3pPr>
-              <a:defRPr sz="2400"/>
+              <a:defRPr sz="2646"/>
             </a:lvl3pPr>
             <a:lvl4pPr>
-              <a:defRPr sz="2000"/>
+              <a:defRPr sz="2205"/>
             </a:lvl4pPr>
             <a:lvl5pPr>
-              <a:defRPr sz="2000"/>
+              <a:defRPr sz="2205"/>
             </a:lvl5pPr>
             <a:lvl6pPr>
-              <a:defRPr sz="2000"/>
+              <a:defRPr sz="2205"/>
             </a:lvl6pPr>
             <a:lvl7pPr>
-              <a:defRPr sz="2000"/>
+              <a:defRPr sz="2205"/>
             </a:lvl7pPr>
             <a:lvl8pPr>
-              <a:defRPr sz="2000"/>
+              <a:defRPr sz="2205"/>
             </a:lvl8pPr>
             <a:lvl9pPr>
-              <a:defRPr sz="2000"/>
+              <a:defRPr sz="2205"/>
             </a:lvl9pPr>
           </a:lstStyle>
           <a:p>
             <a:pPr lvl="0"/>
             <a:r>
-              <a:rPr kumimoji="1" lang="ja-JP" altLang="en-US" smtClean="0"/>
+              <a:rPr lang="ja-JP" altLang="en-US" smtClean="0"/>
               <a:t>マスター テキストの書式設定</a:t>
             </a:r>
           </a:p>
           <a:p>
             <a:pPr lvl="1"/>
             <a:r>
-              <a:rPr kumimoji="1" lang="ja-JP" altLang="en-US" smtClean="0"/>
+              <a:rPr lang="ja-JP" altLang="en-US" smtClean="0"/>
               <a:t>第 </a:t>
             </a:r>
             <a:r>
-              <a:rPr kumimoji="1" lang="en-US" altLang="ja-JP" smtClean="0"/>
+              <a:rPr lang="en-US" altLang="ja-JP" smtClean="0"/>
               <a:t>2 </a:t>
             </a:r>
             <a:r>
-              <a:rPr kumimoji="1" lang="ja-JP" altLang="en-US" smtClean="0"/>
+              <a:rPr lang="ja-JP" altLang="en-US" smtClean="0"/>
               <a:t>レベル</a:t>
             </a:r>
           </a:p>
           <a:p>
             <a:pPr lvl="2"/>
             <a:r>
-              <a:rPr kumimoji="1" lang="ja-JP" altLang="en-US" smtClean="0"/>
+              <a:rPr lang="ja-JP" altLang="en-US" smtClean="0"/>
               <a:t>第 </a:t>
             </a:r>
             <a:r>
-              <a:rPr kumimoji="1" lang="en-US" altLang="ja-JP" smtClean="0"/>
+              <a:rPr lang="en-US" altLang="ja-JP" smtClean="0"/>
               <a:t>3 </a:t>
             </a:r>
             <a:r>
-              <a:rPr kumimoji="1" lang="ja-JP" altLang="en-US" smtClean="0"/>
+              <a:rPr lang="ja-JP" altLang="en-US" smtClean="0"/>
               <a:t>レベル</a:t>
             </a:r>
           </a:p>
           <a:p>
             <a:pPr lvl="3"/>
             <a:r>
-              <a:rPr kumimoji="1" lang="ja-JP" altLang="en-US" smtClean="0"/>
+              <a:rPr lang="ja-JP" altLang="en-US" smtClean="0"/>
               <a:t>第 </a:t>
             </a:r>
             <a:r>
-              <a:rPr kumimoji="1" lang="en-US" altLang="ja-JP" smtClean="0"/>
+              <a:rPr lang="en-US" altLang="ja-JP" smtClean="0"/>
               <a:t>4 </a:t>
             </a:r>
             <a:r>
-              <a:rPr kumimoji="1" lang="ja-JP" altLang="en-US" smtClean="0"/>
+              <a:rPr lang="ja-JP" altLang="en-US" smtClean="0"/>
               <a:t>レベル</a:t>
             </a:r>
           </a:p>
           <a:p>
             <a:pPr lvl="4"/>
             <a:r>
-              <a:rPr kumimoji="1" lang="ja-JP" altLang="en-US" smtClean="0"/>
+              <a:rPr lang="ja-JP" altLang="en-US" smtClean="0"/>
               <a:t>第 </a:t>
             </a:r>
             <a:r>
-              <a:rPr kumimoji="1" lang="en-US" altLang="ja-JP" smtClean="0"/>
+              <a:rPr lang="en-US" altLang="ja-JP" smtClean="0"/>
               <a:t>5 </a:t>
             </a:r>
             <a:r>
-              <a:rPr kumimoji="1" lang="ja-JP" altLang="en-US" smtClean="0"/>
+              <a:rPr lang="ja-JP" altLang="en-US" smtClean="0"/>
               <a:t>レベル</a:t>
             </a:r>
-            <a:endParaRPr kumimoji="1" lang="ja-JP" altLang="en-US"/>
-          </a:p>
-        </p:txBody>
-      </p:sp>
-      <p:sp>
-        <p:nvSpPr>
-          <p:cNvPr id="4" name="テキスト プレースホルダー 3"/>
+            <a:endParaRPr lang="en-US" dirty="0"/>
+          </a:p>
+        </p:txBody>
+      </p:sp>
+      <p:sp>
+        <p:nvSpPr>
+          <p:cNvPr id="4" name="Text Placeholder 3"/>
           <p:cNvSpPr>
             <a:spLocks noGrp="1"/>
           </p:cNvSpPr>
@@ -2934,8 +2277,8 @@
         </p:nvSpPr>
         <p:spPr>
           <a:xfrm>
-            <a:off x="457200" y="1435100"/>
-            <a:ext cx="3008313" cy="4691063"/>
+            <a:off x="793534" y="2267902"/>
+            <a:ext cx="3715657" cy="4201570"/>
           </a:xfrm>
         </p:spPr>
         <p:txBody>
@@ -2943,45 +2286,45 @@
           <a:lstStyle>
             <a:lvl1pPr marL="0" indent="0">
               <a:buNone/>
-              <a:defRPr sz="1400"/>
+              <a:defRPr sz="1764"/>
             </a:lvl1pPr>
-            <a:lvl2pPr marL="457200" indent="0">
-              <a:buNone/>
-              <a:defRPr sz="1200"/>
+            <a:lvl2pPr marL="503972" indent="0">
+              <a:buNone/>
+              <a:defRPr sz="1543"/>
             </a:lvl2pPr>
-            <a:lvl3pPr marL="914400" indent="0">
-              <a:buNone/>
-              <a:defRPr sz="1000"/>
+            <a:lvl3pPr marL="1007943" indent="0">
+              <a:buNone/>
+              <a:defRPr sz="1323"/>
             </a:lvl3pPr>
-            <a:lvl4pPr marL="1371600" indent="0">
-              <a:buNone/>
-              <a:defRPr sz="900"/>
+            <a:lvl4pPr marL="1511915" indent="0">
+              <a:buNone/>
+              <a:defRPr sz="1102"/>
             </a:lvl4pPr>
-            <a:lvl5pPr marL="1828800" indent="0">
-              <a:buNone/>
-              <a:defRPr sz="900"/>
+            <a:lvl5pPr marL="2015886" indent="0">
+              <a:buNone/>
+              <a:defRPr sz="1102"/>
             </a:lvl5pPr>
-            <a:lvl6pPr marL="2286000" indent="0">
-              <a:buNone/>
-              <a:defRPr sz="900"/>
+            <a:lvl6pPr marL="2519858" indent="0">
+              <a:buNone/>
+              <a:defRPr sz="1102"/>
             </a:lvl6pPr>
-            <a:lvl7pPr marL="2743200" indent="0">
-              <a:buNone/>
-              <a:defRPr sz="900"/>
+            <a:lvl7pPr marL="3023829" indent="0">
+              <a:buNone/>
+              <a:defRPr sz="1102"/>
             </a:lvl7pPr>
-            <a:lvl8pPr marL="3200400" indent="0">
-              <a:buNone/>
-              <a:defRPr sz="900"/>
+            <a:lvl8pPr marL="3527801" indent="0">
+              <a:buNone/>
+              <a:defRPr sz="1102"/>
             </a:lvl8pPr>
-            <a:lvl9pPr marL="3657600" indent="0">
-              <a:buNone/>
-              <a:defRPr sz="900"/>
+            <a:lvl9pPr marL="4031772" indent="0">
+              <a:buNone/>
+              <a:defRPr sz="1102"/>
             </a:lvl9pPr>
           </a:lstStyle>
           <a:p>
             <a:pPr lvl="0"/>
             <a:r>
-              <a:rPr kumimoji="1" lang="ja-JP" altLang="en-US" smtClean="0"/>
+              <a:rPr lang="ja-JP" altLang="en-US" smtClean="0"/>
               <a:t>マスター テキストの書式設定</a:t>
             </a:r>
           </a:p>
@@ -2989,7 +2332,7 @@
       </p:sp>
       <p:sp>
         <p:nvSpPr>
-          <p:cNvPr id="5" name="日付プレースホルダー 4"/>
+          <p:cNvPr id="5" name="Date Placeholder 4"/>
           <p:cNvSpPr>
             <a:spLocks noGrp="1"/>
           </p:cNvSpPr>
@@ -3002,7 +2345,7 @@
           <a:bodyPr/>
           <a:lstStyle/>
           <a:p>
-            <a:fld id="{7B9B12EC-6AA0-374B-A2D3-850081A07A26}" type="datetimeFigureOut">
+            <a:fld id="{8116F005-BD90-4308-B210-0C3F4F814AA2}" type="datetimeFigureOut">
               <a:rPr kumimoji="1" lang="ja-JP" altLang="en-US" smtClean="0"/>
               <a:t>2017/2/15</a:t>
             </a:fld>
@@ -3012,7 +2355,7 @@
       </p:sp>
       <p:sp>
         <p:nvSpPr>
-          <p:cNvPr id="6" name="フッター プレースホルダー 5"/>
+          <p:cNvPr id="6" name="Footer Placeholder 5"/>
           <p:cNvSpPr>
             <a:spLocks noGrp="1"/>
           </p:cNvSpPr>
@@ -3031,7 +2374,7 @@
       </p:sp>
       <p:sp>
         <p:nvSpPr>
-          <p:cNvPr id="7" name="スライド番号プレースホルダー 6"/>
+          <p:cNvPr id="7" name="Slide Number Placeholder 6"/>
           <p:cNvSpPr>
             <a:spLocks noGrp="1"/>
           </p:cNvSpPr>
@@ -3044,7 +2387,7 @@
           <a:bodyPr/>
           <a:lstStyle/>
           <a:p>
-            <a:fld id="{767EF739-006C-E447-A3B9-2B495A864FAC}" type="slidenum">
+            <a:fld id="{D3FF173C-6EA2-48E4-9902-19D3A7F391CD}" type="slidenum">
               <a:rPr kumimoji="1" lang="ja-JP" altLang="en-US" smtClean="0"/>
               <a:t>‹#›</a:t>
             </a:fld>
@@ -3055,7 +2398,7 @@
     </p:spTree>
     <p:extLst>
       <p:ext uri="{BB962C8B-B14F-4D97-AF65-F5344CB8AC3E}">
-        <p14:creationId xmlns:p14="http://schemas.microsoft.com/office/powerpoint/2010/main" val="3549694789"/>
+        <p14:creationId xmlns:p14="http://schemas.microsoft.com/office/powerpoint/2010/main" val="1765303623"/>
       </p:ext>
     </p:extLst>
   </p:cSld>
@@ -3084,7 +2427,7 @@
       </p:grpSpPr>
       <p:sp>
         <p:nvSpPr>
-          <p:cNvPr id="2" name="タイトル 1"/>
+          <p:cNvPr id="2" name="Title 1"/>
           <p:cNvSpPr>
             <a:spLocks noGrp="1"/>
           </p:cNvSpPr>
@@ -3094,31 +2437,31 @@
         </p:nvSpPr>
         <p:spPr>
           <a:xfrm>
-            <a:off x="1792288" y="4800600"/>
-            <a:ext cx="5486400" cy="566738"/>
+            <a:off x="793534" y="503978"/>
+            <a:ext cx="3715657" cy="1763924"/>
           </a:xfrm>
         </p:spPr>
         <p:txBody>
           <a:bodyPr anchor="b"/>
           <a:lstStyle>
-            <a:lvl1pPr algn="l">
-              <a:defRPr sz="2000" b="1"/>
+            <a:lvl1pPr>
+              <a:defRPr sz="3527"/>
             </a:lvl1pPr>
           </a:lstStyle>
           <a:p>
             <a:r>
-              <a:rPr kumimoji="1" lang="ja-JP" altLang="en-US" smtClean="0"/>
+              <a:rPr lang="ja-JP" altLang="en-US" smtClean="0"/>
               <a:t>マスター タイトルの書式設定</a:t>
             </a:r>
-            <a:endParaRPr kumimoji="1" lang="ja-JP" altLang="en-US"/>
-          </a:p>
-        </p:txBody>
-      </p:sp>
-      <p:sp>
-        <p:nvSpPr>
-          <p:cNvPr id="3" name="図プレースホルダー 2"/>
-          <p:cNvSpPr>
-            <a:spLocks noGrp="1"/>
+            <a:endParaRPr lang="en-US" dirty="0"/>
+          </a:p>
+        </p:txBody>
+      </p:sp>
+      <p:sp>
+        <p:nvSpPr>
+          <p:cNvPr id="3" name="Picture Placeholder 2"/>
+          <p:cNvSpPr>
+            <a:spLocks noGrp="1" noChangeAspect="1"/>
           </p:cNvSpPr>
           <p:nvPr>
             <p:ph type="pic" idx="1"/>
@@ -3126,8 +2469,73 @@
         </p:nvSpPr>
         <p:spPr>
           <a:xfrm>
-            <a:off x="1792288" y="612775"/>
-            <a:ext cx="5486400" cy="4114800"/>
+            <a:off x="4897708" y="1088455"/>
+            <a:ext cx="5832247" cy="5372269"/>
+          </a:xfrm>
+        </p:spPr>
+        <p:txBody>
+          <a:bodyPr anchor="t"/>
+          <a:lstStyle>
+            <a:lvl1pPr marL="0" indent="0">
+              <a:buNone/>
+              <a:defRPr sz="3527"/>
+            </a:lvl1pPr>
+            <a:lvl2pPr marL="503972" indent="0">
+              <a:buNone/>
+              <a:defRPr sz="3086"/>
+            </a:lvl2pPr>
+            <a:lvl3pPr marL="1007943" indent="0">
+              <a:buNone/>
+              <a:defRPr sz="2646"/>
+            </a:lvl3pPr>
+            <a:lvl4pPr marL="1511915" indent="0">
+              <a:buNone/>
+              <a:defRPr sz="2205"/>
+            </a:lvl4pPr>
+            <a:lvl5pPr marL="2015886" indent="0">
+              <a:buNone/>
+              <a:defRPr sz="2205"/>
+            </a:lvl5pPr>
+            <a:lvl6pPr marL="2519858" indent="0">
+              <a:buNone/>
+              <a:defRPr sz="2205"/>
+            </a:lvl6pPr>
+            <a:lvl7pPr marL="3023829" indent="0">
+              <a:buNone/>
+              <a:defRPr sz="2205"/>
+            </a:lvl7pPr>
+            <a:lvl8pPr marL="3527801" indent="0">
+              <a:buNone/>
+              <a:defRPr sz="2205"/>
+            </a:lvl8pPr>
+            <a:lvl9pPr marL="4031772" indent="0">
+              <a:buNone/>
+              <a:defRPr sz="2205"/>
+            </a:lvl9pPr>
+          </a:lstStyle>
+          <a:p>
+            <a:r>
+              <a:rPr lang="ja-JP" altLang="en-US" smtClean="0"/>
+              <a:t>図を追加</a:t>
+            </a:r>
+            <a:endParaRPr lang="en-US" dirty="0"/>
+          </a:p>
+        </p:txBody>
+      </p:sp>
+      <p:sp>
+        <p:nvSpPr>
+          <p:cNvPr id="4" name="Text Placeholder 3"/>
+          <p:cNvSpPr>
+            <a:spLocks noGrp="1"/>
+          </p:cNvSpPr>
+          <p:nvPr>
+            <p:ph type="body" sz="half" idx="2"/>
+          </p:nvPr>
+        </p:nvSpPr>
+        <p:spPr>
+          <a:xfrm>
+            <a:off x="793534" y="2267902"/>
+            <a:ext cx="3715657" cy="4201570"/>
           </a:xfrm>
         </p:spPr>
         <p:txBody>
@@ -3135,127 +2543,66 @@
           <a:lstStyle>
             <a:lvl1pPr marL="0" indent="0">
               <a:buNone/>
-              <a:defRPr sz="3200"/>
+              <a:defRPr sz="1764"/>
             </a:lvl1pPr>
-            <a:lvl2pPr marL="457200" indent="0">
-              <a:buNone/>
-              <a:defRPr sz="2800"/>
+            <a:lvl2pPr marL="503972" indent="0">
+              <a:buNone/>
+              <a:defRPr sz="1543"/>
             </a:lvl2pPr>
-            <a:lvl3pPr marL="914400" indent="0">
-              <a:buNone/>
-              <a:defRPr sz="2400"/>
+            <a:lvl3pPr marL="1007943" indent="0">
+              <a:buNone/>
+              <a:defRPr sz="1323"/>
             </a:lvl3pPr>
-            <a:lvl4pPr marL="1371600" indent="0">
-              <a:buNone/>
-              <a:defRPr sz="2000"/>
+            <a:lvl4pPr marL="1511915" indent="0">
+              <a:buNone/>
+              <a:defRPr sz="1102"/>
             </a:lvl4pPr>
-            <a:lvl5pPr marL="1828800" indent="0">
-              <a:buNone/>
-              <a:defRPr sz="2000"/>
+            <a:lvl5pPr marL="2015886" indent="0">
+              <a:buNone/>
+              <a:defRPr sz="1102"/>
             </a:lvl5pPr>
-            <a:lvl6pPr marL="2286000" indent="0">
-              <a:buNone/>
-              <a:defRPr sz="2000"/>
+            <a:lvl6pPr marL="2519858" indent="0">
+              <a:buNone/>
+              <a:defRPr sz="1102"/>
             </a:lvl6pPr>
-            <a:lvl7pPr marL="2743200" indent="0">
-              <a:buNone/>
-              <a:defRPr sz="2000"/>
+            <a:lvl7pPr marL="3023829" indent="0">
+              <a:buNone/>
+              <a:defRPr sz="1102"/>
             </a:lvl7pPr>
-            <a:lvl8pPr marL="3200400" indent="0">
-              <a:buNone/>
-              <a:defRPr sz="2000"/>
+            <a:lvl8pPr marL="3527801" indent="0">
+              <a:buNone/>
+              <a:defRPr sz="1102"/>
             </a:lvl8pPr>
-            <a:lvl9pPr marL="3657600" indent="0">
-              <a:buNone/>
-              <a:defRPr sz="2000"/>
+            <a:lvl9pPr marL="4031772" indent="0">
+              <a:buNone/>
+              <a:defRPr sz="1102"/>
             </a:lvl9pPr>
           </a:lstStyle>
           <a:p>
-            <a:endParaRPr kumimoji="1" lang="ja-JP" altLang="en-US"/>
-          </a:p>
-        </p:txBody>
-      </p:sp>
-      <p:sp>
-        <p:nvSpPr>
-          <p:cNvPr id="4" name="テキスト プレースホルダー 3"/>
-          <p:cNvSpPr>
-            <a:spLocks noGrp="1"/>
-          </p:cNvSpPr>
-          <p:nvPr>
-            <p:ph type="body" sz="half" idx="2"/>
-          </p:nvPr>
-        </p:nvSpPr>
-        <p:spPr>
-          <a:xfrm>
-            <a:off x="1792288" y="5367338"/>
-            <a:ext cx="5486400" cy="804862"/>
-          </a:xfrm>
-        </p:spPr>
+            <a:pPr lvl="0"/>
+            <a:r>
+              <a:rPr lang="ja-JP" altLang="en-US" smtClean="0"/>
+              <a:t>マスター テキストの書式設定</a:t>
+            </a:r>
+          </a:p>
+        </p:txBody>
+      </p:sp>
+      <p:sp>
+        <p:nvSpPr>
+          <p:cNvPr id="5" name="Date Placeholder 4"/>
+          <p:cNvSpPr>
+            <a:spLocks noGrp="1"/>
+          </p:cNvSpPr>
+          <p:nvPr>
+            <p:ph type="dt" sz="half" idx="10"/>
+          </p:nvPr>
+        </p:nvSpPr>
+        <p:spPr/>
         <p:txBody>
           <a:bodyPr/>
-          <a:lstStyle>
-            <a:lvl1pPr marL="0" indent="0">
-              <a:buNone/>
-              <a:defRPr sz="1400"/>
-            </a:lvl1pPr>
-            <a:lvl2pPr marL="457200" indent="0">
-              <a:buNone/>
-              <a:defRPr sz="1200"/>
-            </a:lvl2pPr>
-            <a:lvl3pPr marL="914400" indent="0">
-              <a:buNone/>
-              <a:defRPr sz="1000"/>
-            </a:lvl3pPr>
-            <a:lvl4pPr marL="1371600" indent="0">
-              <a:buNone/>
-              <a:defRPr sz="900"/>
-            </a:lvl4pPr>
-            <a:lvl5pPr marL="1828800" indent="0">
-              <a:buNone/>
-              <a:defRPr sz="900"/>
-            </a:lvl5pPr>
-            <a:lvl6pPr marL="2286000" indent="0">
-              <a:buNone/>
-              <a:defRPr sz="900"/>
-            </a:lvl6pPr>
-            <a:lvl7pPr marL="2743200" indent="0">
-              <a:buNone/>
-              <a:defRPr sz="900"/>
-            </a:lvl7pPr>
-            <a:lvl8pPr marL="3200400" indent="0">
-              <a:buNone/>
-              <a:defRPr sz="900"/>
-            </a:lvl8pPr>
-            <a:lvl9pPr marL="3657600" indent="0">
-              <a:buNone/>
-              <a:defRPr sz="900"/>
-            </a:lvl9pPr>
-          </a:lstStyle>
-          <a:p>
-            <a:pPr lvl="0"/>
-            <a:r>
-              <a:rPr kumimoji="1" lang="ja-JP" altLang="en-US" smtClean="0"/>
-              <a:t>マスター テキストの書式設定</a:t>
-            </a:r>
-          </a:p>
-        </p:txBody>
-      </p:sp>
-      <p:sp>
-        <p:nvSpPr>
-          <p:cNvPr id="5" name="日付プレースホルダー 4"/>
-          <p:cNvSpPr>
-            <a:spLocks noGrp="1"/>
-          </p:cNvSpPr>
-          <p:nvPr>
-            <p:ph type="dt" sz="half" idx="10"/>
-          </p:nvPr>
-        </p:nvSpPr>
-        <p:spPr/>
-        <p:txBody>
-          <a:bodyPr/>
-          <a:lstStyle/>
-          <a:p>
-            <a:fld id="{7B9B12EC-6AA0-374B-A2D3-850081A07A26}" type="datetimeFigureOut">
+          <a:lstStyle/>
+          <a:p>
+            <a:fld id="{8116F005-BD90-4308-B210-0C3F4F814AA2}" type="datetimeFigureOut">
               <a:rPr kumimoji="1" lang="ja-JP" altLang="en-US" smtClean="0"/>
               <a:t>2017/2/15</a:t>
             </a:fld>
@@ -3265,7 +2612,7 @@
       </p:sp>
       <p:sp>
         <p:nvSpPr>
-          <p:cNvPr id="6" name="フッター プレースホルダー 5"/>
+          <p:cNvPr id="6" name="Footer Placeholder 5"/>
           <p:cNvSpPr>
             <a:spLocks noGrp="1"/>
           </p:cNvSpPr>
@@ -3284,7 +2631,7 @@
       </p:sp>
       <p:sp>
         <p:nvSpPr>
-          <p:cNvPr id="7" name="スライド番号プレースホルダー 6"/>
+          <p:cNvPr id="7" name="Slide Number Placeholder 6"/>
           <p:cNvSpPr>
             <a:spLocks noGrp="1"/>
           </p:cNvSpPr>
@@ -3297,7 +2644,7 @@
           <a:bodyPr/>
           <a:lstStyle/>
           <a:p>
-            <a:fld id="{767EF739-006C-E447-A3B9-2B495A864FAC}" type="slidenum">
+            <a:fld id="{D3FF173C-6EA2-48E4-9902-19D3A7F391CD}" type="slidenum">
               <a:rPr kumimoji="1" lang="ja-JP" altLang="en-US" smtClean="0"/>
               <a:t>‹#›</a:t>
             </a:fld>
@@ -3308,7 +2655,7 @@
     </p:spTree>
     <p:extLst>
       <p:ext uri="{BB962C8B-B14F-4D97-AF65-F5344CB8AC3E}">
-        <p14:creationId xmlns:p14="http://schemas.microsoft.com/office/powerpoint/2010/main" val="2928006269"/>
+        <p14:creationId xmlns:p14="http://schemas.microsoft.com/office/powerpoint/2010/main" val="180558235"/>
       </p:ext>
     </p:extLst>
   </p:cSld>
@@ -3342,7 +2689,7 @@
       </p:grpSpPr>
       <p:sp>
         <p:nvSpPr>
-          <p:cNvPr id="2" name="タイトル プレースホルダー 1"/>
+          <p:cNvPr id="2" name="Title Placeholder 1"/>
           <p:cNvSpPr>
             <a:spLocks noGrp="1"/>
           </p:cNvSpPr>
@@ -3352,8 +2699,8 @@
         </p:nvSpPr>
         <p:spPr>
           <a:xfrm>
-            <a:off x="457200" y="274638"/>
-            <a:ext cx="8229600" cy="1143000"/>
+            <a:off x="792034" y="402484"/>
+            <a:ext cx="9936421" cy="1461188"/>
           </a:xfrm>
           <a:prstGeom prst="rect">
             <a:avLst/>
@@ -3366,16 +2713,16 @@
           <a:lstStyle/>
           <a:p>
             <a:r>
-              <a:rPr kumimoji="1" lang="ja-JP" altLang="en-US" smtClean="0"/>
+              <a:rPr lang="ja-JP" altLang="en-US" smtClean="0"/>
               <a:t>マスター タイトルの書式設定</a:t>
             </a:r>
-            <a:endParaRPr kumimoji="1" lang="ja-JP" altLang="en-US"/>
-          </a:p>
-        </p:txBody>
-      </p:sp>
-      <p:sp>
-        <p:nvSpPr>
-          <p:cNvPr id="3" name="テキスト プレースホルダー 2"/>
+            <a:endParaRPr lang="en-US" dirty="0"/>
+          </a:p>
+        </p:txBody>
+      </p:sp>
+      <p:sp>
+        <p:nvSpPr>
+          <p:cNvPr id="3" name="Text Placeholder 2"/>
           <p:cNvSpPr>
             <a:spLocks noGrp="1"/>
           </p:cNvSpPr>
@@ -3385,8 +2732,8 @@
         </p:nvSpPr>
         <p:spPr>
           <a:xfrm>
-            <a:off x="457200" y="1600200"/>
-            <a:ext cx="8229600" cy="4525963"/>
+            <a:off x="792034" y="2012414"/>
+            <a:ext cx="9936421" cy="4796544"/>
           </a:xfrm>
           <a:prstGeom prst="rect">
             <a:avLst/>
@@ -3400,76 +2747,76 @@
           <a:p>
             <a:pPr lvl="0"/>
             <a:r>
-              <a:rPr kumimoji="1" lang="ja-JP" altLang="en-US" smtClean="0"/>
+              <a:rPr lang="ja-JP" altLang="en-US" smtClean="0"/>
               <a:t>マスター テキストの書式設定</a:t>
             </a:r>
           </a:p>
           <a:p>
             <a:pPr lvl="1"/>
             <a:r>
-              <a:rPr kumimoji="1" lang="ja-JP" altLang="en-US" smtClean="0"/>
+              <a:rPr lang="ja-JP" altLang="en-US" smtClean="0"/>
               <a:t>第 </a:t>
             </a:r>
             <a:r>
-              <a:rPr kumimoji="1" lang="en-US" altLang="ja-JP" smtClean="0"/>
+              <a:rPr lang="en-US" altLang="ja-JP" smtClean="0"/>
               <a:t>2 </a:t>
             </a:r>
             <a:r>
-              <a:rPr kumimoji="1" lang="ja-JP" altLang="en-US" smtClean="0"/>
+              <a:rPr lang="ja-JP" altLang="en-US" smtClean="0"/>
               <a:t>レベル</a:t>
             </a:r>
           </a:p>
           <a:p>
             <a:pPr lvl="2"/>
             <a:r>
-              <a:rPr kumimoji="1" lang="ja-JP" altLang="en-US" smtClean="0"/>
+              <a:rPr lang="ja-JP" altLang="en-US" smtClean="0"/>
               <a:t>第 </a:t>
             </a:r>
             <a:r>
-              <a:rPr kumimoji="1" lang="en-US" altLang="ja-JP" smtClean="0"/>
+              <a:rPr lang="en-US" altLang="ja-JP" smtClean="0"/>
               <a:t>3 </a:t>
             </a:r>
             <a:r>
-              <a:rPr kumimoji="1" lang="ja-JP" altLang="en-US" smtClean="0"/>
+              <a:rPr lang="ja-JP" altLang="en-US" smtClean="0"/>
               <a:t>レベル</a:t>
             </a:r>
           </a:p>
           <a:p>
             <a:pPr lvl="3"/>
             <a:r>
-              <a:rPr kumimoji="1" lang="ja-JP" altLang="en-US" smtClean="0"/>
+              <a:rPr lang="ja-JP" altLang="en-US" smtClean="0"/>
               <a:t>第 </a:t>
             </a:r>
             <a:r>
-              <a:rPr kumimoji="1" lang="en-US" altLang="ja-JP" smtClean="0"/>
+              <a:rPr lang="en-US" altLang="ja-JP" smtClean="0"/>
               <a:t>4 </a:t>
             </a:r>
             <a:r>
-              <a:rPr kumimoji="1" lang="ja-JP" altLang="en-US" smtClean="0"/>
+              <a:rPr lang="ja-JP" altLang="en-US" smtClean="0"/>
               <a:t>レベル</a:t>
             </a:r>
           </a:p>
           <a:p>
             <a:pPr lvl="4"/>
             <a:r>
-              <a:rPr kumimoji="1" lang="ja-JP" altLang="en-US" smtClean="0"/>
+              <a:rPr lang="ja-JP" altLang="en-US" smtClean="0"/>
               <a:t>第 </a:t>
             </a:r>
             <a:r>
-              <a:rPr kumimoji="1" lang="en-US" altLang="ja-JP" smtClean="0"/>
+              <a:rPr lang="en-US" altLang="ja-JP" smtClean="0"/>
               <a:t>5 </a:t>
             </a:r>
             <a:r>
-              <a:rPr kumimoji="1" lang="ja-JP" altLang="en-US" smtClean="0"/>
+              <a:rPr lang="ja-JP" altLang="en-US" smtClean="0"/>
               <a:t>レベル</a:t>
             </a:r>
-            <a:endParaRPr kumimoji="1" lang="ja-JP" altLang="en-US"/>
-          </a:p>
-        </p:txBody>
-      </p:sp>
-      <p:sp>
-        <p:nvSpPr>
-          <p:cNvPr id="4" name="日付プレースホルダー 3"/>
+            <a:endParaRPr lang="en-US" dirty="0"/>
+          </a:p>
+        </p:txBody>
+      </p:sp>
+      <p:sp>
+        <p:nvSpPr>
+          <p:cNvPr id="4" name="Date Placeholder 3"/>
           <p:cNvSpPr>
             <a:spLocks noGrp="1"/>
           </p:cNvSpPr>
@@ -3479,8 +2826,8 @@
         </p:nvSpPr>
         <p:spPr>
           <a:xfrm>
-            <a:off x="457200" y="6356350"/>
-            <a:ext cx="2133600" cy="365125"/>
+            <a:off x="792033" y="7006700"/>
+            <a:ext cx="2592110" cy="402483"/>
           </a:xfrm>
           <a:prstGeom prst="rect">
             <a:avLst/>
@@ -3490,7 +2837,7 @@
           <a:bodyPr vert="horz" lIns="91440" tIns="45720" rIns="91440" bIns="45720" rtlCol="0" anchor="ctr"/>
           <a:lstStyle>
             <a:lvl1pPr algn="l">
-              <a:defRPr sz="1200">
+              <a:defRPr sz="1323">
                 <a:solidFill>
                   <a:schemeClr val="tx1">
                     <a:tint val="75000"/>
@@ -3500,7 +2847,7 @@
             </a:lvl1pPr>
           </a:lstStyle>
           <a:p>
-            <a:fld id="{7B9B12EC-6AA0-374B-A2D3-850081A07A26}" type="datetimeFigureOut">
+            <a:fld id="{8116F005-BD90-4308-B210-0C3F4F814AA2}" type="datetimeFigureOut">
               <a:rPr kumimoji="1" lang="ja-JP" altLang="en-US" smtClean="0"/>
               <a:t>2017/2/15</a:t>
             </a:fld>
@@ -3510,7 +2857,7 @@
       </p:sp>
       <p:sp>
         <p:nvSpPr>
-          <p:cNvPr id="5" name="フッター プレースホルダー 4"/>
+          <p:cNvPr id="5" name="Footer Placeholder 4"/>
           <p:cNvSpPr>
             <a:spLocks noGrp="1"/>
           </p:cNvSpPr>
@@ -3520,8 +2867,8 @@
         </p:nvSpPr>
         <p:spPr>
           <a:xfrm>
-            <a:off x="3124200" y="6356350"/>
-            <a:ext cx="2895600" cy="365125"/>
+            <a:off x="3816162" y="7006700"/>
+            <a:ext cx="3888165" cy="402483"/>
           </a:xfrm>
           <a:prstGeom prst="rect">
             <a:avLst/>
@@ -3531,7 +2878,7 @@
           <a:bodyPr vert="horz" lIns="91440" tIns="45720" rIns="91440" bIns="45720" rtlCol="0" anchor="ctr"/>
           <a:lstStyle>
             <a:lvl1pPr algn="ctr">
-              <a:defRPr sz="1200">
+              <a:defRPr sz="1323">
                 <a:solidFill>
                   <a:schemeClr val="tx1">
                     <a:tint val="75000"/>
@@ -3547,7 +2894,7 @@
       </p:sp>
       <p:sp>
         <p:nvSpPr>
-          <p:cNvPr id="6" name="スライド番号プレースホルダー 5"/>
+          <p:cNvPr id="6" name="Slide Number Placeholder 5"/>
           <p:cNvSpPr>
             <a:spLocks noGrp="1"/>
           </p:cNvSpPr>
@@ -3557,8 +2904,8 @@
         </p:nvSpPr>
         <p:spPr>
           <a:xfrm>
-            <a:off x="6553200" y="6356350"/>
-            <a:ext cx="2133600" cy="365125"/>
+            <a:off x="8136345" y="7006700"/>
+            <a:ext cx="2592110" cy="402483"/>
           </a:xfrm>
           <a:prstGeom prst="rect">
             <a:avLst/>
@@ -3568,7 +2915,7 @@
           <a:bodyPr vert="horz" lIns="91440" tIns="45720" rIns="91440" bIns="45720" rtlCol="0" anchor="ctr"/>
           <a:lstStyle>
             <a:lvl1pPr algn="r">
-              <a:defRPr sz="1200">
+              <a:defRPr sz="1323">
                 <a:solidFill>
                   <a:schemeClr val="tx1">
                     <a:tint val="75000"/>
@@ -3578,7 +2925,7 @@
             </a:lvl1pPr>
           </a:lstStyle>
           <a:p>
-            <a:fld id="{767EF739-006C-E447-A3B9-2B495A864FAC}" type="slidenum">
+            <a:fld id="{D3FF173C-6EA2-48E4-9902-19D3A7F391CD}" type="slidenum">
               <a:rPr kumimoji="1" lang="ja-JP" altLang="en-US" smtClean="0"/>
               <a:t>‹#›</a:t>
             </a:fld>
@@ -3589,32 +2936,35 @@
     </p:spTree>
     <p:extLst>
       <p:ext uri="{BB962C8B-B14F-4D97-AF65-F5344CB8AC3E}">
-        <p14:creationId xmlns:p14="http://schemas.microsoft.com/office/powerpoint/2010/main" val="1919167372"/>
+        <p14:creationId xmlns:p14="http://schemas.microsoft.com/office/powerpoint/2010/main" val="258278127"/>
       </p:ext>
     </p:extLst>
   </p:cSld>
   <p:clrMap bg1="lt1" tx1="dk1" bg2="lt2" tx2="dk2" accent1="accent1" accent2="accent2" accent3="accent3" accent4="accent4" accent5="accent5" accent6="accent6" hlink="hlink" folHlink="folHlink"/>
   <p:sldLayoutIdLst>
-    <p:sldLayoutId id="2147483649" r:id="rId1"/>
-    <p:sldLayoutId id="2147483650" r:id="rId2"/>
-    <p:sldLayoutId id="2147483651" r:id="rId3"/>
-    <p:sldLayoutId id="2147483652" r:id="rId4"/>
-    <p:sldLayoutId id="2147483653" r:id="rId5"/>
-    <p:sldLayoutId id="2147483654" r:id="rId6"/>
-    <p:sldLayoutId id="2147483655" r:id="rId7"/>
-    <p:sldLayoutId id="2147483656" r:id="rId8"/>
-    <p:sldLayoutId id="2147483657" r:id="rId9"/>
-    <p:sldLayoutId id="2147483658" r:id="rId10"/>
-    <p:sldLayoutId id="2147483659" r:id="rId11"/>
+    <p:sldLayoutId id="2147483697" r:id="rId1"/>
+    <p:sldLayoutId id="2147483698" r:id="rId2"/>
+    <p:sldLayoutId id="2147483699" r:id="rId3"/>
+    <p:sldLayoutId id="2147483700" r:id="rId4"/>
+    <p:sldLayoutId id="2147483701" r:id="rId5"/>
+    <p:sldLayoutId id="2147483702" r:id="rId6"/>
+    <p:sldLayoutId id="2147483703" r:id="rId7"/>
+    <p:sldLayoutId id="2147483704" r:id="rId8"/>
+    <p:sldLayoutId id="2147483705" r:id="rId9"/>
+    <p:sldLayoutId id="2147483706" r:id="rId10"/>
+    <p:sldLayoutId id="2147483707" r:id="rId11"/>
   </p:sldLayoutIdLst>
   <p:txStyles>
     <p:titleStyle>
-      <a:lvl1pPr algn="ctr" defTabSz="457200" rtl="0" eaLnBrk="1" latinLnBrk="0" hangingPunct="1">
+      <a:lvl1pPr algn="l" defTabSz="1007943" rtl="0" eaLnBrk="1" latinLnBrk="0" hangingPunct="1">
+        <a:lnSpc>
+          <a:spcPct val="90000"/>
+        </a:lnSpc>
         <a:spcBef>
           <a:spcPct val="0"/>
         </a:spcBef>
         <a:buNone/>
-        <a:defRPr kumimoji="1" sz="4400" kern="1200">
+        <a:defRPr kumimoji="1" sz="4850" kern="1200">
           <a:solidFill>
             <a:schemeClr val="tx1"/>
           </a:solidFill>
@@ -3625,13 +2975,16 @@
       </a:lvl1pPr>
     </p:titleStyle>
     <p:bodyStyle>
-      <a:lvl1pPr marL="342900" indent="-342900" algn="l" defTabSz="457200" rtl="0" eaLnBrk="1" latinLnBrk="0" hangingPunct="1">
+      <a:lvl1pPr marL="251986" indent="-251986" algn="l" defTabSz="1007943" rtl="0" eaLnBrk="1" latinLnBrk="0" hangingPunct="1">
+        <a:lnSpc>
+          <a:spcPct val="90000"/>
+        </a:lnSpc>
         <a:spcBef>
-          <a:spcPct val="20000"/>
+          <a:spcPts val="1102"/>
         </a:spcBef>
-        <a:buFont typeface="Arial"/>
+        <a:buFont typeface="Arial" panose="020B0604020202020204" pitchFamily="34" charset="0"/>
         <a:buChar char="•"/>
-        <a:defRPr kumimoji="1" sz="3200" kern="1200">
+        <a:defRPr kumimoji="1" sz="3086" kern="1200">
           <a:solidFill>
             <a:schemeClr val="tx1"/>
           </a:solidFill>
@@ -3640,13 +2993,16 @@
           <a:cs typeface="+mn-cs"/>
         </a:defRPr>
       </a:lvl1pPr>
-      <a:lvl2pPr marL="742950" indent="-285750" algn="l" defTabSz="457200" rtl="0" eaLnBrk="1" latinLnBrk="0" hangingPunct="1">
+      <a:lvl2pPr marL="755957" indent="-251986" algn="l" defTabSz="1007943" rtl="0" eaLnBrk="1" latinLnBrk="0" hangingPunct="1">
+        <a:lnSpc>
+          <a:spcPct val="90000"/>
+        </a:lnSpc>
         <a:spcBef>
-          <a:spcPct val="20000"/>
+          <a:spcPts val="551"/>
         </a:spcBef>
-        <a:buFont typeface="Arial"/>
-        <a:buChar char="–"/>
-        <a:defRPr kumimoji="1" sz="2800" kern="1200">
+        <a:buFont typeface="Arial" panose="020B0604020202020204" pitchFamily="34" charset="0"/>
+        <a:buChar char="•"/>
+        <a:defRPr kumimoji="1" sz="2646" kern="1200">
           <a:solidFill>
             <a:schemeClr val="tx1"/>
           </a:solidFill>
@@ -3655,13 +3011,16 @@
           <a:cs typeface="+mn-cs"/>
         </a:defRPr>
       </a:lvl2pPr>
-      <a:lvl3pPr marL="1143000" indent="-228600" algn="l" defTabSz="457200" rtl="0" eaLnBrk="1" latinLnBrk="0" hangingPunct="1">
+      <a:lvl3pPr marL="1259929" indent="-251986" algn="l" defTabSz="1007943" rtl="0" eaLnBrk="1" latinLnBrk="0" hangingPunct="1">
+        <a:lnSpc>
+          <a:spcPct val="90000"/>
+        </a:lnSpc>
         <a:spcBef>
-          <a:spcPct val="20000"/>
+          <a:spcPts val="551"/>
         </a:spcBef>
-        <a:buFont typeface="Arial"/>
+        <a:buFont typeface="Arial" panose="020B0604020202020204" pitchFamily="34" charset="0"/>
         <a:buChar char="•"/>
-        <a:defRPr kumimoji="1" sz="2400" kern="1200">
+        <a:defRPr kumimoji="1" sz="2205" kern="1200">
           <a:solidFill>
             <a:schemeClr val="tx1"/>
           </a:solidFill>
@@ -3670,13 +3029,16 @@
           <a:cs typeface="+mn-cs"/>
         </a:defRPr>
       </a:lvl3pPr>
-      <a:lvl4pPr marL="1600200" indent="-228600" algn="l" defTabSz="457200" rtl="0" eaLnBrk="1" latinLnBrk="0" hangingPunct="1">
+      <a:lvl4pPr marL="1763900" indent="-251986" algn="l" defTabSz="1007943" rtl="0" eaLnBrk="1" latinLnBrk="0" hangingPunct="1">
+        <a:lnSpc>
+          <a:spcPct val="90000"/>
+        </a:lnSpc>
         <a:spcBef>
-          <a:spcPct val="20000"/>
+          <a:spcPts val="551"/>
         </a:spcBef>
-        <a:buFont typeface="Arial"/>
-        <a:buChar char="–"/>
-        <a:defRPr kumimoji="1" sz="2000" kern="1200">
+        <a:buFont typeface="Arial" panose="020B0604020202020204" pitchFamily="34" charset="0"/>
+        <a:buChar char="•"/>
+        <a:defRPr kumimoji="1" sz="1984" kern="1200">
           <a:solidFill>
             <a:schemeClr val="tx1"/>
           </a:solidFill>
@@ -3685,13 +3047,16 @@
           <a:cs typeface="+mn-cs"/>
         </a:defRPr>
       </a:lvl4pPr>
-      <a:lvl5pPr marL="2057400" indent="-228600" algn="l" defTabSz="457200" rtl="0" eaLnBrk="1" latinLnBrk="0" hangingPunct="1">
+      <a:lvl5pPr marL="2267872" indent="-251986" algn="l" defTabSz="1007943" rtl="0" eaLnBrk="1" latinLnBrk="0" hangingPunct="1">
+        <a:lnSpc>
+          <a:spcPct val="90000"/>
+        </a:lnSpc>
         <a:spcBef>
-          <a:spcPct val="20000"/>
+          <a:spcPts val="551"/>
         </a:spcBef>
-        <a:buFont typeface="Arial"/>
-        <a:buChar char="»"/>
-        <a:defRPr kumimoji="1" sz="2000" kern="1200">
+        <a:buFont typeface="Arial" panose="020B0604020202020204" pitchFamily="34" charset="0"/>
+        <a:buChar char="•"/>
+        <a:defRPr kumimoji="1" sz="1984" kern="1200">
           <a:solidFill>
             <a:schemeClr val="tx1"/>
           </a:solidFill>
@@ -3700,13 +3065,16 @@
           <a:cs typeface="+mn-cs"/>
         </a:defRPr>
       </a:lvl5pPr>
-      <a:lvl6pPr marL="2514600" indent="-228600" algn="l" defTabSz="457200" rtl="0" eaLnBrk="1" latinLnBrk="0" hangingPunct="1">
+      <a:lvl6pPr marL="2771844" indent="-251986" algn="l" defTabSz="1007943" rtl="0" eaLnBrk="1" latinLnBrk="0" hangingPunct="1">
+        <a:lnSpc>
+          <a:spcPct val="90000"/>
+        </a:lnSpc>
         <a:spcBef>
-          <a:spcPct val="20000"/>
+          <a:spcPts val="551"/>
         </a:spcBef>
-        <a:buFont typeface="Arial"/>
+        <a:buFont typeface="Arial" panose="020B0604020202020204" pitchFamily="34" charset="0"/>
         <a:buChar char="•"/>
-        <a:defRPr kumimoji="1" sz="2000" kern="1200">
+        <a:defRPr kumimoji="1" sz="1984" kern="1200">
           <a:solidFill>
             <a:schemeClr val="tx1"/>
           </a:solidFill>
@@ -3715,13 +3083,16 @@
           <a:cs typeface="+mn-cs"/>
         </a:defRPr>
       </a:lvl6pPr>
-      <a:lvl7pPr marL="2971800" indent="-228600" algn="l" defTabSz="457200" rtl="0" eaLnBrk="1" latinLnBrk="0" hangingPunct="1">
+      <a:lvl7pPr marL="3275815" indent="-251986" algn="l" defTabSz="1007943" rtl="0" eaLnBrk="1" latinLnBrk="0" hangingPunct="1">
+        <a:lnSpc>
+          <a:spcPct val="90000"/>
+        </a:lnSpc>
         <a:spcBef>
-          <a:spcPct val="20000"/>
+          <a:spcPts val="551"/>
         </a:spcBef>
-        <a:buFont typeface="Arial"/>
+        <a:buFont typeface="Arial" panose="020B0604020202020204" pitchFamily="34" charset="0"/>
         <a:buChar char="•"/>
-        <a:defRPr kumimoji="1" sz="2000" kern="1200">
+        <a:defRPr kumimoji="1" sz="1984" kern="1200">
           <a:solidFill>
             <a:schemeClr val="tx1"/>
           </a:solidFill>
@@ -3730,13 +3101,16 @@
           <a:cs typeface="+mn-cs"/>
         </a:defRPr>
       </a:lvl7pPr>
-      <a:lvl8pPr marL="3429000" indent="-228600" algn="l" defTabSz="457200" rtl="0" eaLnBrk="1" latinLnBrk="0" hangingPunct="1">
+      <a:lvl8pPr marL="3779787" indent="-251986" algn="l" defTabSz="1007943" rtl="0" eaLnBrk="1" latinLnBrk="0" hangingPunct="1">
+        <a:lnSpc>
+          <a:spcPct val="90000"/>
+        </a:lnSpc>
         <a:spcBef>
-          <a:spcPct val="20000"/>
+          <a:spcPts val="551"/>
         </a:spcBef>
-        <a:buFont typeface="Arial"/>
+        <a:buFont typeface="Arial" panose="020B0604020202020204" pitchFamily="34" charset="0"/>
         <a:buChar char="•"/>
-        <a:defRPr kumimoji="1" sz="2000" kern="1200">
+        <a:defRPr kumimoji="1" sz="1984" kern="1200">
           <a:solidFill>
             <a:schemeClr val="tx1"/>
           </a:solidFill>
@@ -3745,13 +3119,16 @@
           <a:cs typeface="+mn-cs"/>
         </a:defRPr>
       </a:lvl8pPr>
-      <a:lvl9pPr marL="3886200" indent="-228600" algn="l" defTabSz="457200" rtl="0" eaLnBrk="1" latinLnBrk="0" hangingPunct="1">
+      <a:lvl9pPr marL="4283758" indent="-251986" algn="l" defTabSz="1007943" rtl="0" eaLnBrk="1" latinLnBrk="0" hangingPunct="1">
+        <a:lnSpc>
+          <a:spcPct val="90000"/>
+        </a:lnSpc>
         <a:spcBef>
-          <a:spcPct val="20000"/>
+          <a:spcPts val="551"/>
         </a:spcBef>
-        <a:buFont typeface="Arial"/>
+        <a:buFont typeface="Arial" panose="020B0604020202020204" pitchFamily="34" charset="0"/>
         <a:buChar char="•"/>
-        <a:defRPr kumimoji="1" sz="2000" kern="1200">
+        <a:defRPr kumimoji="1" sz="1984" kern="1200">
           <a:solidFill>
             <a:schemeClr val="tx1"/>
           </a:solidFill>
@@ -3763,10 +3140,10 @@
     </p:bodyStyle>
     <p:otherStyle>
       <a:defPPr>
-        <a:defRPr lang="ja-JP"/>
+        <a:defRPr lang="en-US"/>
       </a:defPPr>
-      <a:lvl1pPr marL="0" algn="l" defTabSz="457200" rtl="0" eaLnBrk="1" latinLnBrk="0" hangingPunct="1">
-        <a:defRPr kumimoji="1" sz="1800" kern="1200">
+      <a:lvl1pPr marL="0" algn="l" defTabSz="1007943" rtl="0" eaLnBrk="1" latinLnBrk="0" hangingPunct="1">
+        <a:defRPr kumimoji="1" sz="1984" kern="1200">
           <a:solidFill>
             <a:schemeClr val="tx1"/>
           </a:solidFill>
@@ -3775,8 +3152,8 @@
           <a:cs typeface="+mn-cs"/>
         </a:defRPr>
       </a:lvl1pPr>
-      <a:lvl2pPr marL="457200" algn="l" defTabSz="457200" rtl="0" eaLnBrk="1" latinLnBrk="0" hangingPunct="1">
-        <a:defRPr kumimoji="1" sz="1800" kern="1200">
+      <a:lvl2pPr marL="503972" algn="l" defTabSz="1007943" rtl="0" eaLnBrk="1" latinLnBrk="0" hangingPunct="1">
+        <a:defRPr kumimoji="1" sz="1984" kern="1200">
           <a:solidFill>
             <a:schemeClr val="tx1"/>
           </a:solidFill>
@@ -3785,8 +3162,8 @@
           <a:cs typeface="+mn-cs"/>
         </a:defRPr>
       </a:lvl2pPr>
-      <a:lvl3pPr marL="914400" algn="l" defTabSz="457200" rtl="0" eaLnBrk="1" latinLnBrk="0" hangingPunct="1">
-        <a:defRPr kumimoji="1" sz="1800" kern="1200">
+      <a:lvl3pPr marL="1007943" algn="l" defTabSz="1007943" rtl="0" eaLnBrk="1" latinLnBrk="0" hangingPunct="1">
+        <a:defRPr kumimoji="1" sz="1984" kern="1200">
           <a:solidFill>
             <a:schemeClr val="tx1"/>
           </a:solidFill>
@@ -3795,8 +3172,8 @@
           <a:cs typeface="+mn-cs"/>
         </a:defRPr>
       </a:lvl3pPr>
-      <a:lvl4pPr marL="1371600" algn="l" defTabSz="457200" rtl="0" eaLnBrk="1" latinLnBrk="0" hangingPunct="1">
-        <a:defRPr kumimoji="1" sz="1800" kern="1200">
+      <a:lvl4pPr marL="1511915" algn="l" defTabSz="1007943" rtl="0" eaLnBrk="1" latinLnBrk="0" hangingPunct="1">
+        <a:defRPr kumimoji="1" sz="1984" kern="1200">
           <a:solidFill>
             <a:schemeClr val="tx1"/>
           </a:solidFill>
@@ -3805,8 +3182,8 @@
           <a:cs typeface="+mn-cs"/>
         </a:defRPr>
       </a:lvl4pPr>
-      <a:lvl5pPr marL="1828800" algn="l" defTabSz="457200" rtl="0" eaLnBrk="1" latinLnBrk="0" hangingPunct="1">
-        <a:defRPr kumimoji="1" sz="1800" kern="1200">
+      <a:lvl5pPr marL="2015886" algn="l" defTabSz="1007943" rtl="0" eaLnBrk="1" latinLnBrk="0" hangingPunct="1">
+        <a:defRPr kumimoji="1" sz="1984" kern="1200">
           <a:solidFill>
             <a:schemeClr val="tx1"/>
           </a:solidFill>
@@ -3815,8 +3192,8 @@
           <a:cs typeface="+mn-cs"/>
         </a:defRPr>
       </a:lvl5pPr>
-      <a:lvl6pPr marL="2286000" algn="l" defTabSz="457200" rtl="0" eaLnBrk="1" latinLnBrk="0" hangingPunct="1">
-        <a:defRPr kumimoji="1" sz="1800" kern="1200">
+      <a:lvl6pPr marL="2519858" algn="l" defTabSz="1007943" rtl="0" eaLnBrk="1" latinLnBrk="0" hangingPunct="1">
+        <a:defRPr kumimoji="1" sz="1984" kern="1200">
           <a:solidFill>
             <a:schemeClr val="tx1"/>
           </a:solidFill>
@@ -3825,8 +3202,8 @@
           <a:cs typeface="+mn-cs"/>
         </a:defRPr>
       </a:lvl6pPr>
-      <a:lvl7pPr marL="2743200" algn="l" defTabSz="457200" rtl="0" eaLnBrk="1" latinLnBrk="0" hangingPunct="1">
-        <a:defRPr kumimoji="1" sz="1800" kern="1200">
+      <a:lvl7pPr marL="3023829" algn="l" defTabSz="1007943" rtl="0" eaLnBrk="1" latinLnBrk="0" hangingPunct="1">
+        <a:defRPr kumimoji="1" sz="1984" kern="1200">
           <a:solidFill>
             <a:schemeClr val="tx1"/>
           </a:solidFill>
@@ -3835,8 +3212,8 @@
           <a:cs typeface="+mn-cs"/>
         </a:defRPr>
       </a:lvl7pPr>
-      <a:lvl8pPr marL="3200400" algn="l" defTabSz="457200" rtl="0" eaLnBrk="1" latinLnBrk="0" hangingPunct="1">
-        <a:defRPr kumimoji="1" sz="1800" kern="1200">
+      <a:lvl8pPr marL="3527801" algn="l" defTabSz="1007943" rtl="0" eaLnBrk="1" latinLnBrk="0" hangingPunct="1">
+        <a:defRPr kumimoji="1" sz="1984" kern="1200">
           <a:solidFill>
             <a:schemeClr val="tx1"/>
           </a:solidFill>
@@ -3845,8 +3222,8 @@
           <a:cs typeface="+mn-cs"/>
         </a:defRPr>
       </a:lvl8pPr>
-      <a:lvl9pPr marL="3657600" algn="l" defTabSz="457200" rtl="0" eaLnBrk="1" latinLnBrk="0" hangingPunct="1">
-        <a:defRPr kumimoji="1" sz="1800" kern="1200">
+      <a:lvl9pPr marL="4031772" algn="l" defTabSz="1007943" rtl="0" eaLnBrk="1" latinLnBrk="0" hangingPunct="1">
+        <a:defRPr kumimoji="1" sz="1984" kern="1200">
           <a:solidFill>
             <a:schemeClr val="tx1"/>
           </a:solidFill>
@@ -3879,463 +3256,662 @@
       </p:grpSpPr>
       <p:sp>
         <p:nvSpPr>
-          <p:cNvPr id="53" name="正方形/長方形 52"/>
+          <p:cNvPr id="2" name="正方形/長方形 1"/>
           <p:cNvSpPr/>
           <p:nvPr/>
         </p:nvSpPr>
         <p:spPr>
           <a:xfrm>
-            <a:off x="1263650" y="1860550"/>
+            <a:off x="1557345" y="1554957"/>
             <a:ext cx="1730375" cy="1122672"/>
           </a:xfrm>
           <a:prstGeom prst="rect">
             <a:avLst/>
           </a:prstGeom>
-        </p:spPr>
-        <p:style>
-          <a:lnRef idx="1">
-            <a:schemeClr val="accent1"/>
-          </a:lnRef>
-          <a:fillRef idx="3">
-            <a:schemeClr val="accent1"/>
-          </a:fillRef>
-          <a:effectRef idx="2">
-            <a:schemeClr val="accent1"/>
-          </a:effectRef>
-          <a:fontRef idx="minor">
-            <a:schemeClr val="lt1"/>
-          </a:fontRef>
-        </p:style>
+          <a:gradFill rotWithShape="1">
+            <a:gsLst>
+              <a:gs pos="0">
+                <a:srgbClr val="4F81BD">
+                  <a:tint val="100000"/>
+                  <a:shade val="100000"/>
+                  <a:satMod val="130000"/>
+                </a:srgbClr>
+              </a:gs>
+              <a:gs pos="100000">
+                <a:srgbClr val="4F81BD">
+                  <a:tint val="50000"/>
+                  <a:shade val="100000"/>
+                  <a:satMod val="350000"/>
+                </a:srgbClr>
+              </a:gs>
+            </a:gsLst>
+            <a:lin ang="16200000" scaled="0"/>
+          </a:gradFill>
+          <a:ln w="9525" cap="flat" cmpd="sng" algn="ctr">
+            <a:solidFill>
+              <a:srgbClr val="4F81BD">
+                <a:shade val="95000"/>
+                <a:satMod val="105000"/>
+              </a:srgbClr>
+            </a:solidFill>
+            <a:prstDash val="solid"/>
+          </a:ln>
+          <a:effectLst>
+            <a:outerShdw blurRad="40000" dist="23000" dir="5400000" rotWithShape="0">
+              <a:srgbClr val="000000">
+                <a:alpha val="35000"/>
+              </a:srgbClr>
+            </a:outerShdw>
+          </a:effectLst>
+        </p:spPr>
         <p:txBody>
           <a:bodyPr rtlCol="0" anchor="ctr"/>
           <a:lstStyle/>
           <a:p>
-            <a:pPr algn="ctr"/>
-            <a:r>
-              <a:rPr kumimoji="1" lang="en-US" altLang="ja-JP" dirty="0" smtClean="0"/>
+            <a:pPr algn="ctr" defTabSz="457209"/>
+            <a:r>
+              <a:rPr kumimoji="0" lang="en-US" altLang="ja-JP" sz="1800" kern="0" dirty="0">
+                <a:solidFill>
+                  <a:prstClr val="white"/>
+                </a:solidFill>
+                <a:latin typeface="Calibri"/>
+                <a:ea typeface="ＭＳ Ｐゴシック" panose="020B0600070205080204" pitchFamily="50" charset="-128"/>
+              </a:rPr>
               <a:t>Dispatcher</a:t>
             </a:r>
           </a:p>
           <a:p>
-            <a:pPr algn="ctr"/>
-            <a:r>
-              <a:rPr lang="en-US" altLang="ja-JP" dirty="0" smtClean="0"/>
+            <a:pPr algn="ctr" defTabSz="457209"/>
+            <a:r>
+              <a:rPr kumimoji="0" lang="en-US" altLang="ja-JP" sz="1800" kern="0" dirty="0">
+                <a:solidFill>
+                  <a:prstClr val="white"/>
+                </a:solidFill>
+                <a:latin typeface="Calibri"/>
+                <a:ea typeface="ＭＳ Ｐゴシック" panose="020B0600070205080204" pitchFamily="50" charset="-128"/>
+              </a:rPr>
               <a:t>Servlet</a:t>
             </a:r>
-            <a:endParaRPr kumimoji="1" lang="ja-JP" altLang="en-US" dirty="0"/>
-          </a:p>
-        </p:txBody>
-      </p:sp>
-      <p:sp>
-        <p:nvSpPr>
-          <p:cNvPr id="54" name="正方形/長方形 53"/>
+            <a:endParaRPr kumimoji="0" lang="ja-JP" altLang="en-US" sz="1800" kern="0" dirty="0">
+              <a:solidFill>
+                <a:prstClr val="white"/>
+              </a:solidFill>
+              <a:latin typeface="Calibri"/>
+              <a:ea typeface="ＭＳ Ｐゴシック" panose="020B0600070205080204" pitchFamily="50" charset="-128"/>
+            </a:endParaRPr>
+          </a:p>
+        </p:txBody>
+      </p:sp>
+      <p:sp>
+        <p:nvSpPr>
+          <p:cNvPr id="3" name="正方形/長方形 2"/>
           <p:cNvSpPr/>
           <p:nvPr/>
         </p:nvSpPr>
         <p:spPr>
           <a:xfrm>
-            <a:off x="6559550" y="1418850"/>
+            <a:off x="6853239" y="1113264"/>
             <a:ext cx="1593850" cy="681037"/>
           </a:xfrm>
           <a:prstGeom prst="rect">
             <a:avLst/>
           </a:prstGeom>
-        </p:spPr>
-        <p:style>
-          <a:lnRef idx="1">
-            <a:schemeClr val="accent4"/>
-          </a:lnRef>
-          <a:fillRef idx="3">
-            <a:schemeClr val="accent4"/>
-          </a:fillRef>
-          <a:effectRef idx="2">
-            <a:schemeClr val="accent4"/>
-          </a:effectRef>
-          <a:fontRef idx="minor">
-            <a:schemeClr val="lt1"/>
-          </a:fontRef>
-        </p:style>
+          <a:gradFill rotWithShape="1">
+            <a:gsLst>
+              <a:gs pos="0">
+                <a:srgbClr val="8064A2">
+                  <a:tint val="100000"/>
+                  <a:shade val="100000"/>
+                  <a:satMod val="130000"/>
+                </a:srgbClr>
+              </a:gs>
+              <a:gs pos="100000">
+                <a:srgbClr val="8064A2">
+                  <a:tint val="50000"/>
+                  <a:shade val="100000"/>
+                  <a:satMod val="350000"/>
+                </a:srgbClr>
+              </a:gs>
+            </a:gsLst>
+            <a:lin ang="16200000" scaled="0"/>
+          </a:gradFill>
+          <a:ln w="9525" cap="flat" cmpd="sng" algn="ctr">
+            <a:solidFill>
+              <a:srgbClr val="8064A2">
+                <a:shade val="95000"/>
+                <a:satMod val="105000"/>
+              </a:srgbClr>
+            </a:solidFill>
+            <a:prstDash val="solid"/>
+          </a:ln>
+          <a:effectLst>
+            <a:outerShdw blurRad="40000" dist="23000" dir="5400000" rotWithShape="0">
+              <a:srgbClr val="000000">
+                <a:alpha val="35000"/>
+              </a:srgbClr>
+            </a:outerShdw>
+          </a:effectLst>
+        </p:spPr>
         <p:txBody>
           <a:bodyPr rtlCol="0" anchor="ctr"/>
           <a:lstStyle/>
           <a:p>
-            <a:pPr algn="ctr"/>
-            <a:r>
-              <a:rPr kumimoji="1" lang="en-US" altLang="ja-JP" dirty="0" smtClean="0"/>
+            <a:pPr algn="ctr" defTabSz="457209"/>
+            <a:r>
+              <a:rPr kumimoji="0" lang="en-US" altLang="ja-JP" sz="1800" kern="0" dirty="0">
+                <a:solidFill>
+                  <a:prstClr val="white"/>
+                </a:solidFill>
+                <a:latin typeface="Calibri"/>
+                <a:ea typeface="ＭＳ Ｐゴシック" panose="020B0600070205080204" pitchFamily="50" charset="-128"/>
+              </a:rPr>
               <a:t>Controller</a:t>
             </a:r>
-            <a:endParaRPr kumimoji="1" lang="ja-JP" altLang="en-US" dirty="0"/>
-          </a:p>
-        </p:txBody>
-      </p:sp>
-      <p:sp>
-        <p:nvSpPr>
-          <p:cNvPr id="55" name="正方形/長方形 54"/>
+            <a:endParaRPr kumimoji="0" lang="ja-JP" altLang="en-US" sz="1800" kern="0" dirty="0">
+              <a:solidFill>
+                <a:prstClr val="white"/>
+              </a:solidFill>
+              <a:latin typeface="Calibri"/>
+              <a:ea typeface="ＭＳ Ｐゴシック" panose="020B0600070205080204" pitchFamily="50" charset="-128"/>
+            </a:endParaRPr>
+          </a:p>
+        </p:txBody>
+      </p:sp>
+      <p:sp>
+        <p:nvSpPr>
+          <p:cNvPr id="4" name="正方形/長方形 3"/>
           <p:cNvSpPr/>
           <p:nvPr/>
         </p:nvSpPr>
         <p:spPr>
           <a:xfrm>
-            <a:off x="1349375" y="4347876"/>
+            <a:off x="1643063" y="4042290"/>
             <a:ext cx="1593850" cy="555625"/>
           </a:xfrm>
           <a:prstGeom prst="rect">
             <a:avLst/>
           </a:prstGeom>
-        </p:spPr>
-        <p:style>
-          <a:lnRef idx="1">
-            <a:schemeClr val="accent3"/>
-          </a:lnRef>
-          <a:fillRef idx="3">
-            <a:schemeClr val="accent3"/>
-          </a:fillRef>
-          <a:effectRef idx="2">
-            <a:schemeClr val="accent3"/>
-          </a:effectRef>
-          <a:fontRef idx="minor">
-            <a:schemeClr val="lt1"/>
-          </a:fontRef>
-        </p:style>
+          <a:gradFill rotWithShape="1">
+            <a:gsLst>
+              <a:gs pos="0">
+                <a:srgbClr val="9BBB59">
+                  <a:tint val="100000"/>
+                  <a:shade val="100000"/>
+                  <a:satMod val="130000"/>
+                </a:srgbClr>
+              </a:gs>
+              <a:gs pos="100000">
+                <a:srgbClr val="9BBB59">
+                  <a:tint val="50000"/>
+                  <a:shade val="100000"/>
+                  <a:satMod val="350000"/>
+                </a:srgbClr>
+              </a:gs>
+            </a:gsLst>
+            <a:lin ang="16200000" scaled="0"/>
+          </a:gradFill>
+          <a:ln w="9525" cap="flat" cmpd="sng" algn="ctr">
+            <a:solidFill>
+              <a:srgbClr val="9BBB59">
+                <a:shade val="95000"/>
+                <a:satMod val="105000"/>
+              </a:srgbClr>
+            </a:solidFill>
+            <a:prstDash val="solid"/>
+          </a:ln>
+          <a:effectLst>
+            <a:outerShdw blurRad="40000" dist="23000" dir="5400000" rotWithShape="0">
+              <a:srgbClr val="000000">
+                <a:alpha val="35000"/>
+              </a:srgbClr>
+            </a:outerShdw>
+          </a:effectLst>
+        </p:spPr>
         <p:txBody>
           <a:bodyPr rtlCol="0" anchor="ctr"/>
           <a:lstStyle/>
           <a:p>
-            <a:pPr algn="ctr"/>
-            <a:r>
-              <a:rPr kumimoji="1" lang="en-US" altLang="ja-JP" dirty="0" smtClean="0"/>
+            <a:pPr algn="ctr" defTabSz="457209"/>
+            <a:r>
+              <a:rPr kumimoji="0" lang="en-US" altLang="ja-JP" sz="1800" kern="0" dirty="0">
+                <a:solidFill>
+                  <a:prstClr val="white"/>
+                </a:solidFill>
+                <a:latin typeface="Calibri"/>
+                <a:ea typeface="ＭＳ Ｐゴシック" panose="020B0600070205080204" pitchFamily="50" charset="-128"/>
+              </a:rPr>
               <a:t>View</a:t>
             </a:r>
-            <a:endParaRPr kumimoji="1" lang="ja-JP" altLang="en-US" dirty="0"/>
-          </a:p>
-        </p:txBody>
-      </p:sp>
-      <p:sp>
-        <p:nvSpPr>
-          <p:cNvPr id="56" name="正方形/長方形 55"/>
+            <a:endParaRPr kumimoji="0" lang="ja-JP" altLang="en-US" sz="1800" kern="0" dirty="0">
+              <a:solidFill>
+                <a:prstClr val="white"/>
+              </a:solidFill>
+              <a:latin typeface="Calibri"/>
+              <a:ea typeface="ＭＳ Ｐゴシック" panose="020B0600070205080204" pitchFamily="50" charset="-128"/>
+            </a:endParaRPr>
+          </a:p>
+        </p:txBody>
+      </p:sp>
+      <p:sp>
+        <p:nvSpPr>
+          <p:cNvPr id="5" name="正方形/長方形 4"/>
           <p:cNvSpPr/>
           <p:nvPr/>
         </p:nvSpPr>
         <p:spPr>
           <a:xfrm>
-            <a:off x="4165600" y="420687"/>
+            <a:off x="4459291" y="115093"/>
             <a:ext cx="1730375" cy="706438"/>
           </a:xfrm>
           <a:prstGeom prst="rect">
             <a:avLst/>
           </a:prstGeom>
-        </p:spPr>
-        <p:style>
-          <a:lnRef idx="1">
-            <a:schemeClr val="accent1"/>
-          </a:lnRef>
-          <a:fillRef idx="3">
-            <a:schemeClr val="accent1"/>
-          </a:fillRef>
-          <a:effectRef idx="2">
-            <a:schemeClr val="accent1"/>
-          </a:effectRef>
-          <a:fontRef idx="minor">
-            <a:schemeClr val="lt1"/>
-          </a:fontRef>
-        </p:style>
+          <a:gradFill rotWithShape="1">
+            <a:gsLst>
+              <a:gs pos="0">
+                <a:srgbClr val="4F81BD">
+                  <a:tint val="100000"/>
+                  <a:shade val="100000"/>
+                  <a:satMod val="130000"/>
+                </a:srgbClr>
+              </a:gs>
+              <a:gs pos="100000">
+                <a:srgbClr val="4F81BD">
+                  <a:tint val="50000"/>
+                  <a:shade val="100000"/>
+                  <a:satMod val="350000"/>
+                </a:srgbClr>
+              </a:gs>
+            </a:gsLst>
+            <a:lin ang="16200000" scaled="0"/>
+          </a:gradFill>
+          <a:ln w="9525" cap="flat" cmpd="sng" algn="ctr">
+            <a:solidFill>
+              <a:srgbClr val="4F81BD">
+                <a:shade val="95000"/>
+                <a:satMod val="105000"/>
+              </a:srgbClr>
+            </a:solidFill>
+            <a:prstDash val="solid"/>
+          </a:ln>
+          <a:effectLst>
+            <a:outerShdw blurRad="40000" dist="23000" dir="5400000" rotWithShape="0">
+              <a:srgbClr val="000000">
+                <a:alpha val="35000"/>
+              </a:srgbClr>
+            </a:outerShdw>
+          </a:effectLst>
+        </p:spPr>
         <p:txBody>
           <a:bodyPr rtlCol="0" anchor="ctr"/>
           <a:lstStyle/>
           <a:p>
-            <a:pPr algn="ctr"/>
-            <a:r>
-              <a:rPr kumimoji="1" lang="en-US" altLang="ja-JP" dirty="0" smtClean="0"/>
+            <a:pPr algn="ctr" defTabSz="457209"/>
+            <a:r>
+              <a:rPr kumimoji="0" lang="en-US" altLang="ja-JP" sz="1800" kern="0" dirty="0">
+                <a:solidFill>
+                  <a:prstClr val="white"/>
+                </a:solidFill>
+                <a:latin typeface="Calibri"/>
+                <a:ea typeface="ＭＳ Ｐゴシック" panose="020B0600070205080204" pitchFamily="50" charset="-128"/>
+              </a:rPr>
               <a:t>Handler</a:t>
             </a:r>
           </a:p>
           <a:p>
-            <a:pPr algn="ctr"/>
-            <a:r>
-              <a:rPr lang="en-US" altLang="ja-JP" dirty="0" smtClean="0"/>
+            <a:pPr algn="ctr" defTabSz="457209"/>
+            <a:r>
+              <a:rPr kumimoji="0" lang="en-US" altLang="ja-JP" sz="1800" kern="0" dirty="0">
+                <a:solidFill>
+                  <a:prstClr val="white"/>
+                </a:solidFill>
+                <a:latin typeface="Calibri"/>
+                <a:ea typeface="ＭＳ Ｐゴシック" panose="020B0600070205080204" pitchFamily="50" charset="-128"/>
+              </a:rPr>
               <a:t>Mapping</a:t>
             </a:r>
-            <a:endParaRPr kumimoji="1" lang="ja-JP" altLang="en-US" dirty="0"/>
-          </a:p>
-        </p:txBody>
-      </p:sp>
-      <p:sp>
-        <p:nvSpPr>
-          <p:cNvPr id="57" name="正方形/長方形 56"/>
+            <a:endParaRPr kumimoji="0" lang="ja-JP" altLang="en-US" sz="1800" kern="0" dirty="0">
+              <a:solidFill>
+                <a:prstClr val="white"/>
+              </a:solidFill>
+              <a:latin typeface="Calibri"/>
+              <a:ea typeface="ＭＳ Ｐゴシック" panose="020B0600070205080204" pitchFamily="50" charset="-128"/>
+            </a:endParaRPr>
+          </a:p>
+        </p:txBody>
+      </p:sp>
+      <p:sp>
+        <p:nvSpPr>
+          <p:cNvPr id="6" name="正方形/長方形 5"/>
           <p:cNvSpPr/>
           <p:nvPr/>
         </p:nvSpPr>
         <p:spPr>
           <a:xfrm>
-            <a:off x="4183685" y="3308945"/>
+            <a:off x="4477380" y="3003351"/>
             <a:ext cx="1730375" cy="720726"/>
           </a:xfrm>
           <a:prstGeom prst="rect">
             <a:avLst/>
           </a:prstGeom>
-        </p:spPr>
-        <p:style>
-          <a:lnRef idx="1">
-            <a:schemeClr val="accent1"/>
-          </a:lnRef>
-          <a:fillRef idx="3">
-            <a:schemeClr val="accent1"/>
-          </a:fillRef>
-          <a:effectRef idx="2">
-            <a:schemeClr val="accent1"/>
-          </a:effectRef>
-          <a:fontRef idx="minor">
-            <a:schemeClr val="lt1"/>
-          </a:fontRef>
-        </p:style>
+          <a:gradFill rotWithShape="1">
+            <a:gsLst>
+              <a:gs pos="0">
+                <a:srgbClr val="4F81BD">
+                  <a:tint val="100000"/>
+                  <a:shade val="100000"/>
+                  <a:satMod val="130000"/>
+                </a:srgbClr>
+              </a:gs>
+              <a:gs pos="100000">
+                <a:srgbClr val="4F81BD">
+                  <a:tint val="50000"/>
+                  <a:shade val="100000"/>
+                  <a:satMod val="350000"/>
+                </a:srgbClr>
+              </a:gs>
+            </a:gsLst>
+            <a:lin ang="16200000" scaled="0"/>
+          </a:gradFill>
+          <a:ln w="9525" cap="flat" cmpd="sng" algn="ctr">
+            <a:solidFill>
+              <a:srgbClr val="4F81BD">
+                <a:shade val="95000"/>
+                <a:satMod val="105000"/>
+              </a:srgbClr>
+            </a:solidFill>
+            <a:prstDash val="solid"/>
+          </a:ln>
+          <a:effectLst>
+            <a:outerShdw blurRad="40000" dist="23000" dir="5400000" rotWithShape="0">
+              <a:srgbClr val="000000">
+                <a:alpha val="35000"/>
+              </a:srgbClr>
+            </a:outerShdw>
+          </a:effectLst>
+        </p:spPr>
         <p:txBody>
           <a:bodyPr rtlCol="0" anchor="ctr"/>
           <a:lstStyle/>
           <a:p>
-            <a:pPr algn="ctr"/>
-            <a:r>
-              <a:rPr kumimoji="1" lang="en-US" altLang="ja-JP" dirty="0" smtClean="0"/>
+            <a:pPr algn="ctr" defTabSz="457209"/>
+            <a:r>
+              <a:rPr kumimoji="0" lang="en-US" altLang="ja-JP" sz="1800" kern="0" dirty="0">
+                <a:solidFill>
+                  <a:prstClr val="white"/>
+                </a:solidFill>
+                <a:latin typeface="Calibri"/>
+                <a:ea typeface="ＭＳ Ｐゴシック" panose="020B0600070205080204" pitchFamily="50" charset="-128"/>
+              </a:rPr>
               <a:t>View</a:t>
             </a:r>
           </a:p>
           <a:p>
-            <a:pPr algn="ctr"/>
-            <a:r>
-              <a:rPr lang="en-US" altLang="ja-JP" dirty="0" smtClean="0"/>
+            <a:pPr algn="ctr" defTabSz="457209"/>
+            <a:r>
+              <a:rPr kumimoji="0" lang="en-US" altLang="ja-JP" sz="1800" kern="0" dirty="0">
+                <a:solidFill>
+                  <a:prstClr val="white"/>
+                </a:solidFill>
+                <a:latin typeface="Calibri"/>
+                <a:ea typeface="ＭＳ Ｐゴシック" panose="020B0600070205080204" pitchFamily="50" charset="-128"/>
+              </a:rPr>
               <a:t>Resolver</a:t>
             </a:r>
-            <a:endParaRPr kumimoji="1" lang="ja-JP" altLang="en-US" dirty="0"/>
+            <a:endParaRPr kumimoji="0" lang="ja-JP" altLang="en-US" sz="1800" kern="0" dirty="0">
+              <a:solidFill>
+                <a:prstClr val="white"/>
+              </a:solidFill>
+              <a:latin typeface="Calibri"/>
+              <a:ea typeface="ＭＳ Ｐゴシック" panose="020B0600070205080204" pitchFamily="50" charset="-128"/>
+            </a:endParaRPr>
           </a:p>
         </p:txBody>
       </p:sp>
       <p:cxnSp>
         <p:nvCxnSpPr>
-          <p:cNvPr id="58" name="直線矢印コネクタ 57"/>
+          <p:cNvPr id="7" name="直線矢印コネクタ 6"/>
           <p:cNvCxnSpPr>
-            <a:stCxn id="53" idx="3"/>
-            <a:endCxn id="56" idx="1"/>
+            <a:stCxn id="2" idx="3"/>
+            <a:endCxn id="5" idx="1"/>
           </p:cNvCxnSpPr>
           <p:nvPr/>
         </p:nvCxnSpPr>
         <p:spPr>
           <a:xfrm flipV="1">
-            <a:off x="2994025" y="773906"/>
+            <a:off x="3287719" y="468312"/>
             <a:ext cx="1171575" cy="1647980"/>
           </a:xfrm>
           <a:prstGeom prst="straightConnector1">
             <a:avLst/>
           </a:prstGeom>
-          <a:ln>
+          <a:noFill/>
+          <a:ln w="25400" cap="flat" cmpd="sng" algn="ctr">
+            <a:solidFill>
+              <a:srgbClr val="4F81BD"/>
+            </a:solidFill>
+            <a:prstDash val="solid"/>
             <a:tailEnd type="arrow"/>
           </a:ln>
-        </p:spPr>
-        <p:style>
-          <a:lnRef idx="2">
-            <a:schemeClr val="accent1"/>
-          </a:lnRef>
-          <a:fillRef idx="0">
-            <a:schemeClr val="accent1"/>
-          </a:fillRef>
-          <a:effectRef idx="1">
-            <a:schemeClr val="accent1"/>
-          </a:effectRef>
-          <a:fontRef idx="minor">
-            <a:schemeClr val="tx1"/>
-          </a:fontRef>
-        </p:style>
+          <a:effectLst>
+            <a:outerShdw blurRad="40000" dist="20000" dir="5400000" rotWithShape="0">
+              <a:srgbClr val="000000">
+                <a:alpha val="38000"/>
+              </a:srgbClr>
+            </a:outerShdw>
+          </a:effectLst>
+        </p:spPr>
       </p:cxnSp>
       <p:cxnSp>
         <p:nvCxnSpPr>
-          <p:cNvPr id="59" name="直線矢印コネクタ 58"/>
+          <p:cNvPr id="8" name="直線矢印コネクタ 7"/>
           <p:cNvCxnSpPr>
-            <a:stCxn id="53" idx="3"/>
-            <a:endCxn id="88" idx="1"/>
+            <a:stCxn id="2" idx="3"/>
+            <a:endCxn id="37" idx="1"/>
           </p:cNvCxnSpPr>
           <p:nvPr/>
         </p:nvCxnSpPr>
         <p:spPr>
           <a:xfrm flipV="1">
-            <a:off x="2994025" y="1759369"/>
+            <a:off x="3287713" y="1453782"/>
             <a:ext cx="1133748" cy="662517"/>
           </a:xfrm>
           <a:prstGeom prst="straightConnector1">
             <a:avLst/>
           </a:prstGeom>
-          <a:ln>
+          <a:noFill/>
+          <a:ln w="25400" cap="flat" cmpd="sng" algn="ctr">
+            <a:solidFill>
+              <a:srgbClr val="4F81BD"/>
+            </a:solidFill>
+            <a:prstDash val="solid"/>
             <a:tailEnd type="arrow"/>
           </a:ln>
-        </p:spPr>
-        <p:style>
-          <a:lnRef idx="2">
-            <a:schemeClr val="accent1"/>
-          </a:lnRef>
-          <a:fillRef idx="0">
-            <a:schemeClr val="accent1"/>
-          </a:fillRef>
-          <a:effectRef idx="1">
-            <a:schemeClr val="accent1"/>
-          </a:effectRef>
-          <a:fontRef idx="minor">
-            <a:schemeClr val="tx1"/>
-          </a:fontRef>
-        </p:style>
+          <a:effectLst>
+            <a:outerShdw blurRad="40000" dist="20000" dir="5400000" rotWithShape="0">
+              <a:srgbClr val="000000">
+                <a:alpha val="38000"/>
+              </a:srgbClr>
+            </a:outerShdw>
+          </a:effectLst>
+        </p:spPr>
       </p:cxnSp>
       <p:sp>
         <p:nvSpPr>
-          <p:cNvPr id="60" name="角丸四角形 59"/>
+          <p:cNvPr id="9" name="角丸四角形 8"/>
           <p:cNvSpPr/>
           <p:nvPr/>
         </p:nvSpPr>
         <p:spPr>
           <a:xfrm>
-            <a:off x="5585454" y="2617405"/>
+            <a:off x="5879150" y="2311812"/>
             <a:ext cx="1218571" cy="477564"/>
           </a:xfrm>
           <a:prstGeom prst="roundRect">
             <a:avLst/>
           </a:prstGeom>
-        </p:spPr>
-        <p:style>
-          <a:lnRef idx="1">
-            <a:schemeClr val="accent4"/>
-          </a:lnRef>
-          <a:fillRef idx="3">
-            <a:schemeClr val="accent4"/>
-          </a:fillRef>
-          <a:effectRef idx="2">
-            <a:schemeClr val="accent4"/>
-          </a:effectRef>
-          <a:fontRef idx="minor">
-            <a:schemeClr val="lt1"/>
-          </a:fontRef>
-        </p:style>
+          <a:gradFill rotWithShape="1">
+            <a:gsLst>
+              <a:gs pos="0">
+                <a:srgbClr val="8064A2">
+                  <a:tint val="100000"/>
+                  <a:shade val="100000"/>
+                  <a:satMod val="130000"/>
+                </a:srgbClr>
+              </a:gs>
+              <a:gs pos="100000">
+                <a:srgbClr val="8064A2">
+                  <a:tint val="50000"/>
+                  <a:shade val="100000"/>
+                  <a:satMod val="350000"/>
+                </a:srgbClr>
+              </a:gs>
+            </a:gsLst>
+            <a:lin ang="16200000" scaled="0"/>
+          </a:gradFill>
+          <a:ln w="9525" cap="flat" cmpd="sng" algn="ctr">
+            <a:solidFill>
+              <a:srgbClr val="8064A2">
+                <a:shade val="95000"/>
+                <a:satMod val="105000"/>
+              </a:srgbClr>
+            </a:solidFill>
+            <a:prstDash val="solid"/>
+          </a:ln>
+          <a:effectLst>
+            <a:outerShdw blurRad="40000" dist="23000" dir="5400000" rotWithShape="0">
+              <a:srgbClr val="000000">
+                <a:alpha val="35000"/>
+              </a:srgbClr>
+            </a:outerShdw>
+          </a:effectLst>
+        </p:spPr>
         <p:txBody>
           <a:bodyPr rtlCol="0" anchor="ctr"/>
           <a:lstStyle/>
           <a:p>
-            <a:pPr algn="ctr"/>
-            <a:r>
-              <a:rPr lang="en-US" altLang="ja-JP" sz="1400" dirty="0" smtClean="0"/>
+            <a:pPr algn="ctr" defTabSz="457209"/>
+            <a:r>
+              <a:rPr kumimoji="0" lang="en-US" altLang="ja-JP" sz="1400" kern="0" dirty="0">
+                <a:solidFill>
+                  <a:prstClr val="white"/>
+                </a:solidFill>
+                <a:latin typeface="Calibri"/>
+                <a:ea typeface="ＭＳ Ｐゴシック" panose="020B0600070205080204" pitchFamily="50" charset="-128"/>
+              </a:rPr>
               <a:t>view name</a:t>
             </a:r>
-            <a:endParaRPr kumimoji="1" lang="en-US" altLang="ja-JP" sz="1400" dirty="0" smtClean="0"/>
           </a:p>
         </p:txBody>
       </p:sp>
       <p:cxnSp>
         <p:nvCxnSpPr>
-          <p:cNvPr id="61" name="直線矢印コネクタ 60"/>
+          <p:cNvPr id="10" name="直線矢印コネクタ 9"/>
           <p:cNvCxnSpPr>
-            <a:stCxn id="53" idx="3"/>
-            <a:endCxn id="57" idx="1"/>
+            <a:stCxn id="2" idx="3"/>
+            <a:endCxn id="6" idx="1"/>
           </p:cNvCxnSpPr>
           <p:nvPr/>
         </p:nvCxnSpPr>
         <p:spPr>
           <a:xfrm>
-            <a:off x="2994025" y="2421886"/>
+            <a:off x="3287713" y="2116292"/>
             <a:ext cx="1189660" cy="1247422"/>
           </a:xfrm>
           <a:prstGeom prst="straightConnector1">
             <a:avLst/>
           </a:prstGeom>
-          <a:ln>
+          <a:noFill/>
+          <a:ln w="25400" cap="flat" cmpd="sng" algn="ctr">
+            <a:solidFill>
+              <a:srgbClr val="4F81BD"/>
+            </a:solidFill>
+            <a:prstDash val="solid"/>
             <a:tailEnd type="arrow"/>
           </a:ln>
-        </p:spPr>
-        <p:style>
-          <a:lnRef idx="2">
-            <a:schemeClr val="accent1"/>
-          </a:lnRef>
-          <a:fillRef idx="0">
-            <a:schemeClr val="accent1"/>
-          </a:fillRef>
-          <a:effectRef idx="1">
-            <a:schemeClr val="accent1"/>
-          </a:effectRef>
-          <a:fontRef idx="minor">
-            <a:schemeClr val="tx1"/>
-          </a:fontRef>
-        </p:style>
+          <a:effectLst>
+            <a:outerShdw blurRad="40000" dist="20000" dir="5400000" rotWithShape="0">
+              <a:srgbClr val="000000">
+                <a:alpha val="38000"/>
+              </a:srgbClr>
+            </a:outerShdw>
+          </a:effectLst>
+        </p:spPr>
       </p:cxnSp>
       <p:cxnSp>
         <p:nvCxnSpPr>
-          <p:cNvPr id="62" name="直線矢印コネクタ 61"/>
+          <p:cNvPr id="11" name="直線矢印コネクタ 10"/>
           <p:cNvCxnSpPr>
-            <a:stCxn id="53" idx="2"/>
-            <a:endCxn id="55" idx="0"/>
+            <a:stCxn id="2" idx="2"/>
+            <a:endCxn id="4" idx="0"/>
           </p:cNvCxnSpPr>
           <p:nvPr/>
         </p:nvCxnSpPr>
         <p:spPr>
           <a:xfrm>
-            <a:off x="2128838" y="2983222"/>
+            <a:off x="2422526" y="2677628"/>
             <a:ext cx="17462" cy="1364654"/>
           </a:xfrm>
           <a:prstGeom prst="straightConnector1">
             <a:avLst/>
           </a:prstGeom>
-          <a:ln>
+          <a:noFill/>
+          <a:ln w="25400" cap="flat" cmpd="sng" algn="ctr">
+            <a:solidFill>
+              <a:srgbClr val="4F81BD"/>
+            </a:solidFill>
+            <a:prstDash val="solid"/>
             <a:tailEnd type="arrow"/>
           </a:ln>
-        </p:spPr>
-        <p:style>
-          <a:lnRef idx="2">
-            <a:schemeClr val="accent1"/>
-          </a:lnRef>
-          <a:fillRef idx="0">
-            <a:schemeClr val="accent1"/>
-          </a:fillRef>
-          <a:effectRef idx="1">
-            <a:schemeClr val="accent1"/>
-          </a:effectRef>
-          <a:fontRef idx="minor">
-            <a:schemeClr val="tx1"/>
-          </a:fontRef>
-        </p:style>
+          <a:effectLst>
+            <a:outerShdw blurRad="40000" dist="20000" dir="5400000" rotWithShape="0">
+              <a:srgbClr val="000000">
+                <a:alpha val="38000"/>
+              </a:srgbClr>
+            </a:outerShdw>
+          </a:effectLst>
+        </p:spPr>
       </p:cxnSp>
       <p:cxnSp>
         <p:nvCxnSpPr>
-          <p:cNvPr id="63" name="直線矢印コネクタ 62"/>
+          <p:cNvPr id="12" name="直線矢印コネクタ 11"/>
           <p:cNvCxnSpPr/>
           <p:nvPr/>
         </p:nvCxnSpPr>
         <p:spPr>
           <a:xfrm>
-            <a:off x="102785" y="2521647"/>
+            <a:off x="396477" y="2216053"/>
             <a:ext cx="1050925" cy="0"/>
           </a:xfrm>
           <a:prstGeom prst="straightConnector1">
             <a:avLst/>
           </a:prstGeom>
-          <a:ln>
+          <a:noFill/>
+          <a:ln w="25400" cap="flat" cmpd="sng" algn="ctr">
+            <a:solidFill>
+              <a:srgbClr val="4F81BD"/>
+            </a:solidFill>
+            <a:prstDash val="solid"/>
             <a:tailEnd type="arrow"/>
           </a:ln>
-        </p:spPr>
-        <p:style>
-          <a:lnRef idx="2">
-            <a:schemeClr val="accent1"/>
-          </a:lnRef>
-          <a:fillRef idx="0">
-            <a:schemeClr val="accent1"/>
-          </a:fillRef>
-          <a:effectRef idx="1">
-            <a:schemeClr val="accent1"/>
-          </a:effectRef>
-          <a:fontRef idx="minor">
-            <a:schemeClr val="tx1"/>
-          </a:fontRef>
-        </p:style>
+          <a:effectLst>
+            <a:outerShdw blurRad="40000" dist="20000" dir="5400000" rotWithShape="0">
+              <a:srgbClr val="000000">
+                <a:alpha val="38000"/>
+              </a:srgbClr>
+            </a:outerShdw>
+          </a:effectLst>
+        </p:spPr>
       </p:cxnSp>
       <p:sp>
         <p:nvSpPr>
-          <p:cNvPr id="64" name="テキスト ボックス 63"/>
+          <p:cNvPr id="13" name="テキスト ボックス 12"/>
           <p:cNvSpPr txBox="1"/>
           <p:nvPr/>
         </p:nvSpPr>
         <p:spPr>
           <a:xfrm>
-            <a:off x="-17865" y="2131122"/>
+            <a:off x="275823" y="1825528"/>
             <a:ext cx="1555750" cy="369332"/>
           </a:xfrm>
           <a:prstGeom prst="rect">
@@ -4349,23 +3925,32 @@
           </a:bodyPr>
           <a:lstStyle/>
           <a:p>
-            <a:r>
-              <a:rPr lang="en-US" altLang="ja-JP" dirty="0" smtClean="0"/>
+            <a:pPr defTabSz="457209"/>
+            <a:r>
+              <a:rPr kumimoji="0" lang="en-US" altLang="ja-JP" sz="1800" kern="0" dirty="0">
+                <a:solidFill>
+                  <a:prstClr val="black"/>
+                </a:solidFill>
+              </a:rPr>
               <a:t>① Request</a:t>
             </a:r>
-            <a:endParaRPr kumimoji="1" lang="ja-JP" altLang="en-US" dirty="0"/>
-          </a:p>
-        </p:txBody>
-      </p:sp>
-      <p:sp>
-        <p:nvSpPr>
-          <p:cNvPr id="65" name="テキスト ボックス 64"/>
+            <a:endParaRPr kumimoji="0" lang="ja-JP" altLang="en-US" sz="1800" kern="0" dirty="0">
+              <a:solidFill>
+                <a:prstClr val="black"/>
+              </a:solidFill>
+            </a:endParaRPr>
+          </a:p>
+        </p:txBody>
+      </p:sp>
+      <p:sp>
+        <p:nvSpPr>
+          <p:cNvPr id="14" name="テキスト ボックス 13"/>
           <p:cNvSpPr txBox="1"/>
           <p:nvPr/>
         </p:nvSpPr>
         <p:spPr>
           <a:xfrm>
-            <a:off x="3262586" y="1045968"/>
+            <a:off x="3556275" y="740375"/>
             <a:ext cx="476250" cy="369332"/>
           </a:xfrm>
           <a:prstGeom prst="rect">
@@ -4379,23 +3964,27 @@
           </a:bodyPr>
           <a:lstStyle/>
           <a:p>
-            <a:r>
-              <a:rPr lang="en-US" altLang="ja-JP" dirty="0" smtClean="0"/>
+            <a:pPr defTabSz="457209"/>
+            <a:r>
+              <a:rPr kumimoji="0" lang="en-US" altLang="ja-JP" sz="1800" kern="0" dirty="0">
+                <a:solidFill>
+                  <a:prstClr val="black"/>
+                </a:solidFill>
+              </a:rPr>
               <a:t>②</a:t>
             </a:r>
-            <a:endParaRPr kumimoji="1" lang="en-US" altLang="ja-JP" dirty="0" smtClean="0"/>
-          </a:p>
-        </p:txBody>
-      </p:sp>
-      <p:sp>
-        <p:nvSpPr>
-          <p:cNvPr id="66" name="テキスト ボックス 65"/>
+          </a:p>
+        </p:txBody>
+      </p:sp>
+      <p:sp>
+        <p:nvSpPr>
+          <p:cNvPr id="15" name="テキスト ボックス 14"/>
           <p:cNvSpPr txBox="1"/>
           <p:nvPr/>
         </p:nvSpPr>
         <p:spPr>
           <a:xfrm>
-            <a:off x="3560899" y="2052554"/>
+            <a:off x="3854588" y="1746960"/>
             <a:ext cx="476250" cy="369332"/>
           </a:xfrm>
           <a:prstGeom prst="rect">
@@ -4409,23 +3998,27 @@
           </a:bodyPr>
           <a:lstStyle/>
           <a:p>
-            <a:r>
-              <a:rPr lang="en-US" altLang="ja-JP" dirty="0" smtClean="0"/>
+            <a:pPr defTabSz="457209"/>
+            <a:r>
+              <a:rPr kumimoji="0" lang="en-US" altLang="ja-JP" sz="1800" kern="0" dirty="0">
+                <a:solidFill>
+                  <a:prstClr val="black"/>
+                </a:solidFill>
+              </a:rPr>
               <a:t>③</a:t>
             </a:r>
-            <a:endParaRPr kumimoji="1" lang="en-US" altLang="ja-JP" dirty="0" smtClean="0"/>
-          </a:p>
-        </p:txBody>
-      </p:sp>
-      <p:sp>
-        <p:nvSpPr>
-          <p:cNvPr id="67" name="テキスト ボックス 66"/>
+          </a:p>
+        </p:txBody>
+      </p:sp>
+      <p:sp>
+        <p:nvSpPr>
+          <p:cNvPr id="16" name="テキスト ボックス 15"/>
           <p:cNvSpPr txBox="1"/>
           <p:nvPr/>
         </p:nvSpPr>
         <p:spPr>
           <a:xfrm>
-            <a:off x="2206625" y="3124279"/>
+            <a:off x="2500313" y="2818685"/>
             <a:ext cx="476250" cy="369332"/>
           </a:xfrm>
           <a:prstGeom prst="rect">
@@ -4439,23 +4032,32 @@
           </a:bodyPr>
           <a:lstStyle/>
           <a:p>
-            <a:r>
-              <a:rPr kumimoji="1" lang="ja-JP" altLang="en-US" dirty="0" smtClean="0"/>
+            <a:pPr defTabSz="457209"/>
+            <a:r>
+              <a:rPr kumimoji="0" lang="ja-JP" altLang="en-US" sz="1800" kern="0" dirty="0">
+                <a:solidFill>
+                  <a:prstClr val="black"/>
+                </a:solidFill>
+              </a:rPr>
               <a:t>⑦</a:t>
             </a:r>
-            <a:endParaRPr kumimoji="1" lang="en-US" altLang="ja-JP" dirty="0" smtClean="0"/>
-          </a:p>
-        </p:txBody>
-      </p:sp>
-      <p:sp>
-        <p:nvSpPr>
-          <p:cNvPr id="68" name="テキスト ボックス 67"/>
+            <a:endParaRPr kumimoji="0" lang="en-US" altLang="ja-JP" sz="1800" kern="0" dirty="0">
+              <a:solidFill>
+                <a:prstClr val="black"/>
+              </a:solidFill>
+            </a:endParaRPr>
+          </a:p>
+        </p:txBody>
+      </p:sp>
+      <p:sp>
+        <p:nvSpPr>
+          <p:cNvPr id="17" name="テキスト ボックス 16"/>
           <p:cNvSpPr txBox="1"/>
           <p:nvPr/>
         </p:nvSpPr>
         <p:spPr>
           <a:xfrm>
-            <a:off x="3095454" y="2914924"/>
+            <a:off x="3389142" y="2609330"/>
             <a:ext cx="476250" cy="369332"/>
           </a:xfrm>
           <a:prstGeom prst="rect">
@@ -4469,272 +4071,381 @@
           </a:bodyPr>
           <a:lstStyle/>
           <a:p>
-            <a:r>
-              <a:rPr lang="en-US" altLang="ja-JP" dirty="0" smtClean="0"/>
+            <a:pPr defTabSz="457209"/>
+            <a:r>
+              <a:rPr kumimoji="0" lang="en-US" altLang="ja-JP" sz="1800" kern="0" dirty="0">
+                <a:solidFill>
+                  <a:prstClr val="black"/>
+                </a:solidFill>
+              </a:rPr>
               <a:t>⑥</a:t>
             </a:r>
-            <a:endParaRPr kumimoji="1" lang="en-US" altLang="ja-JP" dirty="0" smtClean="0"/>
-          </a:p>
-        </p:txBody>
-      </p:sp>
-      <p:sp>
-        <p:nvSpPr>
-          <p:cNvPr id="69" name="正方形/長方形 68"/>
+          </a:p>
+        </p:txBody>
+      </p:sp>
+      <p:sp>
+        <p:nvSpPr>
+          <p:cNvPr id="18" name="正方形/長方形 17"/>
           <p:cNvSpPr/>
           <p:nvPr/>
         </p:nvSpPr>
         <p:spPr>
           <a:xfrm>
-            <a:off x="9018560" y="1415300"/>
+            <a:off x="9312249" y="1109714"/>
             <a:ext cx="1593850" cy="684477"/>
           </a:xfrm>
           <a:prstGeom prst="rect">
             <a:avLst/>
           </a:prstGeom>
-        </p:spPr>
-        <p:style>
-          <a:lnRef idx="1">
-            <a:schemeClr val="accent4"/>
-          </a:lnRef>
-          <a:fillRef idx="3">
-            <a:schemeClr val="accent4"/>
-          </a:fillRef>
-          <a:effectRef idx="2">
-            <a:schemeClr val="accent4"/>
-          </a:effectRef>
-          <a:fontRef idx="minor">
-            <a:schemeClr val="lt1"/>
-          </a:fontRef>
-        </p:style>
+          <a:gradFill rotWithShape="1">
+            <a:gsLst>
+              <a:gs pos="0">
+                <a:srgbClr val="8064A2">
+                  <a:tint val="100000"/>
+                  <a:shade val="100000"/>
+                  <a:satMod val="130000"/>
+                </a:srgbClr>
+              </a:gs>
+              <a:gs pos="100000">
+                <a:srgbClr val="8064A2">
+                  <a:tint val="50000"/>
+                  <a:shade val="100000"/>
+                  <a:satMod val="350000"/>
+                </a:srgbClr>
+              </a:gs>
+            </a:gsLst>
+            <a:lin ang="16200000" scaled="0"/>
+          </a:gradFill>
+          <a:ln w="9525" cap="flat" cmpd="sng" algn="ctr">
+            <a:solidFill>
+              <a:srgbClr val="8064A2">
+                <a:shade val="95000"/>
+                <a:satMod val="105000"/>
+              </a:srgbClr>
+            </a:solidFill>
+            <a:prstDash val="solid"/>
+          </a:ln>
+          <a:effectLst>
+            <a:outerShdw blurRad="40000" dist="23000" dir="5400000" rotWithShape="0">
+              <a:srgbClr val="000000">
+                <a:alpha val="35000"/>
+              </a:srgbClr>
+            </a:outerShdw>
+          </a:effectLst>
+        </p:spPr>
         <p:txBody>
           <a:bodyPr rtlCol="0" anchor="ctr"/>
           <a:lstStyle/>
           <a:p>
-            <a:pPr algn="ctr"/>
-            <a:r>
-              <a:rPr lang="en-US" altLang="ja-JP" dirty="0" smtClean="0"/>
+            <a:pPr algn="ctr" defTabSz="457209"/>
+            <a:r>
+              <a:rPr kumimoji="0" lang="en-US" altLang="ja-JP" sz="1800" kern="0" dirty="0">
+                <a:solidFill>
+                  <a:prstClr val="white"/>
+                </a:solidFill>
+                <a:latin typeface="Calibri"/>
+                <a:ea typeface="ＭＳ Ｐゴシック" panose="020B0600070205080204" pitchFamily="50" charset="-128"/>
+              </a:rPr>
               <a:t>Service</a:t>
             </a:r>
           </a:p>
           <a:p>
-            <a:pPr algn="ctr"/>
-            <a:r>
-              <a:rPr lang="en-US" altLang="ja-JP" sz="1400" dirty="0" smtClean="0"/>
+            <a:pPr algn="ctr" defTabSz="457209"/>
+            <a:r>
+              <a:rPr kumimoji="0" lang="en-US" altLang="ja-JP" sz="1400" kern="0" dirty="0">
+                <a:solidFill>
+                  <a:prstClr val="white"/>
+                </a:solidFill>
+                <a:latin typeface="Calibri"/>
+                <a:ea typeface="ＭＳ Ｐゴシック" panose="020B0600070205080204" pitchFamily="50" charset="-128"/>
+              </a:rPr>
               <a:t>(Business Logic)</a:t>
             </a:r>
-            <a:endParaRPr kumimoji="1" lang="ja-JP" altLang="en-US" sz="1400" dirty="0"/>
-          </a:p>
-        </p:txBody>
-      </p:sp>
-      <p:sp>
-        <p:nvSpPr>
-          <p:cNvPr id="70" name="正方形/長方形 69"/>
+            <a:endParaRPr kumimoji="0" lang="ja-JP" altLang="en-US" sz="1400" kern="0" dirty="0">
+              <a:solidFill>
+                <a:prstClr val="white"/>
+              </a:solidFill>
+              <a:latin typeface="Calibri"/>
+              <a:ea typeface="ＭＳ Ｐゴシック" panose="020B0600070205080204" pitchFamily="50" charset="-128"/>
+            </a:endParaRPr>
+          </a:p>
+        </p:txBody>
+      </p:sp>
+      <p:sp>
+        <p:nvSpPr>
+          <p:cNvPr id="19" name="正方形/長方形 18"/>
           <p:cNvSpPr/>
           <p:nvPr/>
         </p:nvSpPr>
         <p:spPr>
           <a:xfrm>
-            <a:off x="9031360" y="2602156"/>
+            <a:off x="9325048" y="2296569"/>
             <a:ext cx="1593850" cy="659341"/>
           </a:xfrm>
           <a:prstGeom prst="rect">
             <a:avLst/>
           </a:prstGeom>
-        </p:spPr>
-        <p:style>
-          <a:lnRef idx="1">
-            <a:schemeClr val="accent4"/>
-          </a:lnRef>
-          <a:fillRef idx="3">
-            <a:schemeClr val="accent4"/>
-          </a:fillRef>
-          <a:effectRef idx="2">
-            <a:schemeClr val="accent4"/>
-          </a:effectRef>
-          <a:fontRef idx="minor">
-            <a:schemeClr val="lt1"/>
-          </a:fontRef>
-        </p:style>
+          <a:gradFill rotWithShape="1">
+            <a:gsLst>
+              <a:gs pos="0">
+                <a:srgbClr val="8064A2">
+                  <a:tint val="100000"/>
+                  <a:shade val="100000"/>
+                  <a:satMod val="130000"/>
+                </a:srgbClr>
+              </a:gs>
+              <a:gs pos="100000">
+                <a:srgbClr val="8064A2">
+                  <a:tint val="50000"/>
+                  <a:shade val="100000"/>
+                  <a:satMod val="350000"/>
+                </a:srgbClr>
+              </a:gs>
+            </a:gsLst>
+            <a:lin ang="16200000" scaled="0"/>
+          </a:gradFill>
+          <a:ln w="9525" cap="flat" cmpd="sng" algn="ctr">
+            <a:solidFill>
+              <a:srgbClr val="8064A2">
+                <a:shade val="95000"/>
+                <a:satMod val="105000"/>
+              </a:srgbClr>
+            </a:solidFill>
+            <a:prstDash val="solid"/>
+          </a:ln>
+          <a:effectLst>
+            <a:outerShdw blurRad="40000" dist="23000" dir="5400000" rotWithShape="0">
+              <a:srgbClr val="000000">
+                <a:alpha val="35000"/>
+              </a:srgbClr>
+            </a:outerShdw>
+          </a:effectLst>
+        </p:spPr>
         <p:txBody>
           <a:bodyPr rtlCol="0" anchor="ctr"/>
           <a:lstStyle/>
           <a:p>
-            <a:pPr algn="ctr"/>
-            <a:r>
-              <a:rPr lang="en-US" altLang="ja-JP" dirty="0"/>
+            <a:pPr algn="ctr" defTabSz="457209"/>
+            <a:r>
+              <a:rPr kumimoji="0" lang="en-US" altLang="ja-JP" sz="1800" kern="0" dirty="0">
+                <a:solidFill>
+                  <a:prstClr val="white"/>
+                </a:solidFill>
+                <a:latin typeface="Calibri"/>
+                <a:ea typeface="ＭＳ Ｐゴシック" panose="020B0600070205080204" pitchFamily="50" charset="-128"/>
+              </a:rPr>
               <a:t>Repository</a:t>
             </a:r>
           </a:p>
           <a:p>
-            <a:pPr algn="ctr"/>
-            <a:r>
-              <a:rPr lang="en-US" altLang="ja-JP" sz="1400" dirty="0" smtClean="0"/>
+            <a:pPr algn="ctr" defTabSz="457209"/>
+            <a:r>
+              <a:rPr kumimoji="0" lang="en-US" altLang="ja-JP" sz="1400" kern="0" dirty="0">
+                <a:solidFill>
+                  <a:prstClr val="white"/>
+                </a:solidFill>
+                <a:latin typeface="Calibri"/>
+                <a:ea typeface="ＭＳ Ｐゴシック" panose="020B0600070205080204" pitchFamily="50" charset="-128"/>
+              </a:rPr>
               <a:t>(Data Access)</a:t>
             </a:r>
-            <a:endParaRPr kumimoji="1" lang="ja-JP" altLang="en-US" sz="1400" dirty="0"/>
-          </a:p>
-        </p:txBody>
-      </p:sp>
-      <p:sp>
-        <p:nvSpPr>
-          <p:cNvPr id="71" name="円柱 70"/>
+            <a:endParaRPr kumimoji="0" lang="ja-JP" altLang="en-US" sz="1400" kern="0" dirty="0">
+              <a:solidFill>
+                <a:prstClr val="white"/>
+              </a:solidFill>
+              <a:latin typeface="Calibri"/>
+              <a:ea typeface="ＭＳ Ｐゴシック" panose="020B0600070205080204" pitchFamily="50" charset="-128"/>
+            </a:endParaRPr>
+          </a:p>
+        </p:txBody>
+      </p:sp>
+      <p:sp>
+        <p:nvSpPr>
+          <p:cNvPr id="20" name="円柱 19"/>
           <p:cNvSpPr/>
           <p:nvPr/>
         </p:nvSpPr>
         <p:spPr>
           <a:xfrm>
-            <a:off x="9029700" y="3775726"/>
+            <a:off x="9323388" y="3470140"/>
             <a:ext cx="1619250" cy="868415"/>
           </a:xfrm>
           <a:prstGeom prst="can">
             <a:avLst/>
           </a:prstGeom>
-        </p:spPr>
-        <p:style>
-          <a:lnRef idx="1">
-            <a:schemeClr val="accent1"/>
-          </a:lnRef>
-          <a:fillRef idx="3">
-            <a:schemeClr val="accent1"/>
-          </a:fillRef>
-          <a:effectRef idx="2">
-            <a:schemeClr val="accent1"/>
-          </a:effectRef>
-          <a:fontRef idx="minor">
-            <a:schemeClr val="lt1"/>
-          </a:fontRef>
-        </p:style>
+          <a:gradFill rotWithShape="1">
+            <a:gsLst>
+              <a:gs pos="0">
+                <a:srgbClr val="4F81BD">
+                  <a:tint val="100000"/>
+                  <a:shade val="100000"/>
+                  <a:satMod val="130000"/>
+                </a:srgbClr>
+              </a:gs>
+              <a:gs pos="100000">
+                <a:srgbClr val="4F81BD">
+                  <a:tint val="50000"/>
+                  <a:shade val="100000"/>
+                  <a:satMod val="350000"/>
+                </a:srgbClr>
+              </a:gs>
+            </a:gsLst>
+            <a:lin ang="16200000" scaled="0"/>
+          </a:gradFill>
+          <a:ln w="9525" cap="flat" cmpd="sng" algn="ctr">
+            <a:solidFill>
+              <a:srgbClr val="4F81BD">
+                <a:shade val="95000"/>
+                <a:satMod val="105000"/>
+              </a:srgbClr>
+            </a:solidFill>
+            <a:prstDash val="solid"/>
+          </a:ln>
+          <a:effectLst>
+            <a:outerShdw blurRad="40000" dist="23000" dir="5400000" rotWithShape="0">
+              <a:srgbClr val="000000">
+                <a:alpha val="35000"/>
+              </a:srgbClr>
+            </a:outerShdw>
+          </a:effectLst>
+        </p:spPr>
         <p:txBody>
           <a:bodyPr rtlCol="0" anchor="ctr"/>
           <a:lstStyle/>
           <a:p>
-            <a:pPr algn="ctr"/>
-            <a:r>
-              <a:rPr lang="en-US" altLang="ja-JP" smtClean="0"/>
+            <a:pPr algn="ctr" defTabSz="457209"/>
+            <a:r>
+              <a:rPr kumimoji="0" lang="en-US" altLang="ja-JP" sz="1800" kern="0">
+                <a:solidFill>
+                  <a:prstClr val="white"/>
+                </a:solidFill>
+                <a:latin typeface="Calibri"/>
+                <a:ea typeface="ＭＳ Ｐゴシック" panose="020B0600070205080204" pitchFamily="50" charset="-128"/>
+              </a:rPr>
               <a:t>Database</a:t>
             </a:r>
-            <a:endParaRPr kumimoji="1" lang="ja-JP" altLang="en-US" dirty="0"/>
+            <a:endParaRPr kumimoji="0" lang="ja-JP" altLang="en-US" sz="1800" kern="0" dirty="0">
+              <a:solidFill>
+                <a:prstClr val="white"/>
+              </a:solidFill>
+              <a:latin typeface="Calibri"/>
+              <a:ea typeface="ＭＳ Ｐゴシック" panose="020B0600070205080204" pitchFamily="50" charset="-128"/>
+            </a:endParaRPr>
           </a:p>
         </p:txBody>
       </p:sp>
       <p:cxnSp>
         <p:nvCxnSpPr>
-          <p:cNvPr id="72" name="直線矢印コネクタ 71"/>
+          <p:cNvPr id="21" name="直線矢印コネクタ 20"/>
           <p:cNvCxnSpPr>
-            <a:stCxn id="69" idx="2"/>
-            <a:endCxn id="70" idx="0"/>
+            <a:stCxn id="18" idx="2"/>
+            <a:endCxn id="19" idx="0"/>
           </p:cNvCxnSpPr>
           <p:nvPr/>
         </p:nvCxnSpPr>
         <p:spPr>
           <a:xfrm>
-            <a:off x="9815485" y="2099777"/>
+            <a:off x="10109174" y="1794190"/>
             <a:ext cx="12800" cy="502379"/>
           </a:xfrm>
           <a:prstGeom prst="straightConnector1">
             <a:avLst/>
           </a:prstGeom>
-          <a:ln>
+          <a:noFill/>
+          <a:ln w="25400" cap="flat" cmpd="sng" algn="ctr">
+            <a:solidFill>
+              <a:srgbClr val="4F81BD"/>
+            </a:solidFill>
+            <a:prstDash val="solid"/>
             <a:headEnd type="arrow"/>
             <a:tailEnd type="arrow"/>
           </a:ln>
-        </p:spPr>
-        <p:style>
-          <a:lnRef idx="2">
-            <a:schemeClr val="accent1"/>
-          </a:lnRef>
-          <a:fillRef idx="0">
-            <a:schemeClr val="accent1"/>
-          </a:fillRef>
-          <a:effectRef idx="1">
-            <a:schemeClr val="accent1"/>
-          </a:effectRef>
-          <a:fontRef idx="minor">
-            <a:schemeClr val="tx1"/>
-          </a:fontRef>
-        </p:style>
+          <a:effectLst>
+            <a:outerShdw blurRad="40000" dist="20000" dir="5400000" rotWithShape="0">
+              <a:srgbClr val="000000">
+                <a:alpha val="38000"/>
+              </a:srgbClr>
+            </a:outerShdw>
+          </a:effectLst>
+        </p:spPr>
       </p:cxnSp>
       <p:cxnSp>
         <p:nvCxnSpPr>
-          <p:cNvPr id="73" name="直線矢印コネクタ 72"/>
+          <p:cNvPr id="22" name="直線矢印コネクタ 21"/>
           <p:cNvCxnSpPr>
-            <a:stCxn id="70" idx="2"/>
-            <a:endCxn id="71" idx="1"/>
+            <a:stCxn id="19" idx="2"/>
+            <a:endCxn id="20" idx="1"/>
           </p:cNvCxnSpPr>
           <p:nvPr/>
         </p:nvCxnSpPr>
         <p:spPr>
           <a:xfrm>
-            <a:off x="9828285" y="3261497"/>
+            <a:off x="10121973" y="2955911"/>
             <a:ext cx="11040" cy="514229"/>
           </a:xfrm>
           <a:prstGeom prst="straightConnector1">
             <a:avLst/>
           </a:prstGeom>
-          <a:ln>
+          <a:noFill/>
+          <a:ln w="25400" cap="flat" cmpd="sng" algn="ctr">
+            <a:solidFill>
+              <a:srgbClr val="4F81BD"/>
+            </a:solidFill>
+            <a:prstDash val="solid"/>
             <a:headEnd type="arrow"/>
             <a:tailEnd type="arrow"/>
           </a:ln>
-        </p:spPr>
-        <p:style>
-          <a:lnRef idx="2">
-            <a:schemeClr val="accent1"/>
-          </a:lnRef>
-          <a:fillRef idx="0">
-            <a:schemeClr val="accent1"/>
-          </a:fillRef>
-          <a:effectRef idx="1">
-            <a:schemeClr val="accent1"/>
-          </a:effectRef>
-          <a:fontRef idx="minor">
-            <a:schemeClr val="tx1"/>
-          </a:fontRef>
-        </p:style>
+          <a:effectLst>
+            <a:outerShdw blurRad="40000" dist="20000" dir="5400000" rotWithShape="0">
+              <a:srgbClr val="000000">
+                <a:alpha val="38000"/>
+              </a:srgbClr>
+            </a:outerShdw>
+          </a:effectLst>
+        </p:spPr>
       </p:cxnSp>
       <p:cxnSp>
         <p:nvCxnSpPr>
-          <p:cNvPr id="74" name="直線矢印コネクタ 73"/>
+          <p:cNvPr id="23" name="直線矢印コネクタ 22"/>
           <p:cNvCxnSpPr>
-            <a:stCxn id="55" idx="1"/>
+            <a:stCxn id="4" idx="1"/>
           </p:cNvCxnSpPr>
           <p:nvPr/>
         </p:nvCxnSpPr>
         <p:spPr>
           <a:xfrm flipH="1">
-            <a:off x="119336" y="4625689"/>
+            <a:off x="413029" y="4320095"/>
             <a:ext cx="1230039" cy="0"/>
           </a:xfrm>
           <a:prstGeom prst="straightConnector1">
             <a:avLst/>
           </a:prstGeom>
-          <a:ln>
+          <a:noFill/>
+          <a:ln w="25400" cap="flat" cmpd="sng" algn="ctr">
+            <a:solidFill>
+              <a:srgbClr val="4F81BD"/>
+            </a:solidFill>
+            <a:prstDash val="solid"/>
             <a:tailEnd type="arrow"/>
           </a:ln>
-        </p:spPr>
-        <p:style>
-          <a:lnRef idx="2">
-            <a:schemeClr val="accent1"/>
-          </a:lnRef>
-          <a:fillRef idx="0">
-            <a:schemeClr val="accent1"/>
-          </a:fillRef>
-          <a:effectRef idx="1">
-            <a:schemeClr val="accent1"/>
-          </a:effectRef>
-          <a:fontRef idx="minor">
-            <a:schemeClr val="tx1"/>
-          </a:fontRef>
-        </p:style>
+          <a:effectLst>
+            <a:outerShdw blurRad="40000" dist="20000" dir="5400000" rotWithShape="0">
+              <a:srgbClr val="000000">
+                <a:alpha val="38000"/>
+              </a:srgbClr>
+            </a:outerShdw>
+          </a:effectLst>
+        </p:spPr>
       </p:cxnSp>
       <p:sp>
         <p:nvSpPr>
-          <p:cNvPr id="75" name="テキスト ボックス 74"/>
+          <p:cNvPr id="24" name="テキスト ボックス 23"/>
           <p:cNvSpPr txBox="1"/>
           <p:nvPr/>
         </p:nvSpPr>
         <p:spPr>
           <a:xfrm>
-            <a:off x="-17865" y="4163210"/>
+            <a:off x="275823" y="3857616"/>
             <a:ext cx="1555750" cy="369332"/>
           </a:xfrm>
           <a:prstGeom prst="rect">
@@ -4748,101 +4459,108 @@
           </a:bodyPr>
           <a:lstStyle/>
           <a:p>
-            <a:r>
-              <a:rPr lang="ja-JP" altLang="en-US" dirty="0" smtClean="0"/>
+            <a:pPr defTabSz="457209"/>
+            <a:r>
+              <a:rPr kumimoji="0" lang="ja-JP" altLang="en-US" sz="1800" kern="0" dirty="0">
+                <a:solidFill>
+                  <a:prstClr val="black"/>
+                </a:solidFill>
+              </a:rPr>
               <a:t>⑧</a:t>
             </a:r>
             <a:r>
-              <a:rPr lang="en-US" altLang="ja-JP" dirty="0" smtClean="0"/>
+              <a:rPr kumimoji="0" lang="en-US" altLang="ja-JP" sz="1800" kern="0" dirty="0">
+                <a:solidFill>
+                  <a:prstClr val="black"/>
+                </a:solidFill>
+              </a:rPr>
               <a:t> Response</a:t>
             </a:r>
-            <a:endParaRPr kumimoji="1" lang="ja-JP" altLang="en-US" dirty="0"/>
+            <a:endParaRPr kumimoji="0" lang="ja-JP" altLang="en-US" sz="1800" kern="0" dirty="0">
+              <a:solidFill>
+                <a:prstClr val="black"/>
+              </a:solidFill>
+            </a:endParaRPr>
           </a:p>
         </p:txBody>
       </p:sp>
       <p:cxnSp>
         <p:nvCxnSpPr>
-          <p:cNvPr id="76" name="カギ線コネクタ 75"/>
+          <p:cNvPr id="25" name="カギ線コネクタ 24"/>
           <p:cNvCxnSpPr>
-            <a:stCxn id="56" idx="3"/>
-            <a:endCxn id="54" idx="0"/>
+            <a:stCxn id="5" idx="3"/>
+            <a:endCxn id="3" idx="0"/>
           </p:cNvCxnSpPr>
           <p:nvPr/>
         </p:nvCxnSpPr>
         <p:spPr>
           <a:xfrm>
-            <a:off x="5895975" y="773906"/>
+            <a:off x="6189664" y="468312"/>
             <a:ext cx="1460500" cy="644944"/>
           </a:xfrm>
           <a:prstGeom prst="bentConnector2">
             <a:avLst/>
           </a:prstGeom>
-          <a:ln>
+          <a:noFill/>
+          <a:ln w="25400" cap="flat" cmpd="sng" algn="ctr">
+            <a:solidFill>
+              <a:srgbClr val="4F81BD"/>
+            </a:solidFill>
             <a:prstDash val="dash"/>
             <a:tailEnd type="arrow"/>
           </a:ln>
-        </p:spPr>
-        <p:style>
-          <a:lnRef idx="2">
-            <a:schemeClr val="accent1"/>
-          </a:lnRef>
-          <a:fillRef idx="0">
-            <a:schemeClr val="accent1"/>
-          </a:fillRef>
-          <a:effectRef idx="1">
-            <a:schemeClr val="accent1"/>
-          </a:effectRef>
-          <a:fontRef idx="minor">
-            <a:schemeClr val="tx1"/>
-          </a:fontRef>
-        </p:style>
+          <a:effectLst>
+            <a:outerShdw blurRad="40000" dist="20000" dir="5400000" rotWithShape="0">
+              <a:srgbClr val="000000">
+                <a:alpha val="38000"/>
+              </a:srgbClr>
+            </a:outerShdw>
+          </a:effectLst>
+        </p:spPr>
       </p:cxnSp>
       <p:cxnSp>
         <p:nvCxnSpPr>
-          <p:cNvPr id="77" name="カギ線コネクタ 76"/>
+          <p:cNvPr id="26" name="カギ線コネクタ 25"/>
           <p:cNvCxnSpPr>
-            <a:stCxn id="57" idx="2"/>
-            <a:endCxn id="55" idx="3"/>
+            <a:stCxn id="6" idx="2"/>
+            <a:endCxn id="4" idx="3"/>
           </p:cNvCxnSpPr>
           <p:nvPr/>
         </p:nvCxnSpPr>
         <p:spPr>
           <a:xfrm rot="5400000">
-            <a:off x="3698040" y="3274856"/>
+            <a:off x="3991728" y="2969262"/>
             <a:ext cx="596018" cy="2105648"/>
           </a:xfrm>
           <a:prstGeom prst="bentConnector2">
             <a:avLst/>
           </a:prstGeom>
-          <a:ln>
+          <a:noFill/>
+          <a:ln w="25400" cap="flat" cmpd="sng" algn="ctr">
+            <a:solidFill>
+              <a:srgbClr val="4F81BD"/>
+            </a:solidFill>
             <a:prstDash val="dash"/>
             <a:tailEnd type="arrow"/>
           </a:ln>
-        </p:spPr>
-        <p:style>
-          <a:lnRef idx="2">
-            <a:schemeClr val="accent1"/>
-          </a:lnRef>
-          <a:fillRef idx="0">
-            <a:schemeClr val="accent1"/>
-          </a:fillRef>
-          <a:effectRef idx="1">
-            <a:schemeClr val="accent1"/>
-          </a:effectRef>
-          <a:fontRef idx="minor">
-            <a:schemeClr val="tx1"/>
-          </a:fontRef>
-        </p:style>
+          <a:effectLst>
+            <a:outerShdw blurRad="40000" dist="20000" dir="5400000" rotWithShape="0">
+              <a:srgbClr val="000000">
+                <a:alpha val="38000"/>
+              </a:srgbClr>
+            </a:outerShdw>
+          </a:effectLst>
+        </p:spPr>
       </p:cxnSp>
       <p:sp>
         <p:nvSpPr>
-          <p:cNvPr id="78" name="テキスト ボックス 77"/>
+          <p:cNvPr id="27" name="テキスト ボックス 26"/>
           <p:cNvSpPr txBox="1"/>
           <p:nvPr/>
         </p:nvSpPr>
         <p:spPr>
           <a:xfrm>
-            <a:off x="6364910" y="402748"/>
+            <a:off x="6658598" y="97154"/>
             <a:ext cx="1730376" cy="369332"/>
           </a:xfrm>
           <a:prstGeom prst="rect">
@@ -4856,35 +4574,56 @@
           </a:bodyPr>
           <a:lstStyle/>
           <a:p>
-            <a:r>
-              <a:rPr lang="en-US" altLang="ja-JP" dirty="0"/>
+            <a:pPr defTabSz="457209"/>
+            <a:r>
+              <a:rPr kumimoji="0" lang="en-US" altLang="ja-JP" sz="1800" kern="0" dirty="0">
+                <a:solidFill>
+                  <a:prstClr val="black"/>
+                </a:solidFill>
+              </a:rPr>
               <a:t>c</a:t>
             </a:r>
             <a:r>
-              <a:rPr lang="en-US" altLang="ja-JP" dirty="0" smtClean="0"/>
+              <a:rPr kumimoji="0" lang="en-US" altLang="ja-JP" sz="1800" kern="0" dirty="0">
+                <a:solidFill>
+                  <a:prstClr val="black"/>
+                </a:solidFill>
+              </a:rPr>
               <a:t>hoose</a:t>
             </a:r>
             <a:r>
-              <a:rPr lang="ja-JP" altLang="en-US" dirty="0" smtClean="0"/>
+              <a:rPr kumimoji="0" lang="ja-JP" altLang="en-US" sz="1800" kern="0" dirty="0">
+                <a:solidFill>
+                  <a:prstClr val="black"/>
+                </a:solidFill>
+              </a:rPr>
               <a:t> </a:t>
             </a:r>
             <a:r>
-              <a:rPr lang="en-US" altLang="ja-JP" dirty="0" smtClean="0"/>
+              <a:rPr kumimoji="0" lang="en-US" altLang="ja-JP" sz="1800" kern="0" dirty="0">
+                <a:solidFill>
+                  <a:prstClr val="black"/>
+                </a:solidFill>
+              </a:rPr>
               <a:t>Handler</a:t>
             </a:r>
-            <a:endParaRPr kumimoji="1" lang="ja-JP" altLang="en-US" dirty="0"/>
-          </a:p>
-        </p:txBody>
-      </p:sp>
-      <p:sp>
-        <p:nvSpPr>
-          <p:cNvPr id="79" name="テキスト ボックス 78"/>
+            <a:endParaRPr kumimoji="0" lang="ja-JP" altLang="en-US" sz="1800" kern="0" dirty="0">
+              <a:solidFill>
+                <a:prstClr val="black"/>
+              </a:solidFill>
+            </a:endParaRPr>
+          </a:p>
+        </p:txBody>
+      </p:sp>
+      <p:sp>
+        <p:nvSpPr>
+          <p:cNvPr id="28" name="テキスト ボックス 27"/>
           <p:cNvSpPr txBox="1"/>
           <p:nvPr/>
         </p:nvSpPr>
         <p:spPr>
           <a:xfrm>
-            <a:off x="4283258" y="4621629"/>
+            <a:off x="4576954" y="4316035"/>
             <a:ext cx="1630801" cy="369332"/>
           </a:xfrm>
           <a:prstGeom prst="rect">
@@ -4898,145 +4637,191 @@
           </a:bodyPr>
           <a:lstStyle/>
           <a:p>
-            <a:r>
-              <a:rPr lang="en-US" altLang="ja-JP" dirty="0" smtClean="0"/>
+            <a:pPr defTabSz="457209"/>
+            <a:r>
+              <a:rPr kumimoji="0" lang="en-US" altLang="ja-JP" sz="1800" kern="0" dirty="0">
+                <a:solidFill>
+                  <a:prstClr val="black"/>
+                </a:solidFill>
+              </a:rPr>
               <a:t>resolve View</a:t>
             </a:r>
-            <a:endParaRPr kumimoji="1" lang="ja-JP" altLang="en-US" dirty="0"/>
-          </a:p>
-        </p:txBody>
-      </p:sp>
-      <p:sp>
-        <p:nvSpPr>
-          <p:cNvPr id="80" name="正方形/長方形 79"/>
+            <a:endParaRPr kumimoji="0" lang="ja-JP" altLang="en-US" sz="1800" kern="0" dirty="0">
+              <a:solidFill>
+                <a:prstClr val="black"/>
+              </a:solidFill>
+            </a:endParaRPr>
+          </a:p>
+        </p:txBody>
+      </p:sp>
+      <p:sp>
+        <p:nvSpPr>
+          <p:cNvPr id="29" name="正方形/長方形 28"/>
           <p:cNvSpPr/>
           <p:nvPr/>
         </p:nvSpPr>
         <p:spPr>
           <a:xfrm>
-            <a:off x="8564509" y="1209277"/>
+            <a:off x="8858197" y="903691"/>
             <a:ext cx="2373330" cy="3731809"/>
           </a:xfrm>
           <a:prstGeom prst="rect">
             <a:avLst/>
           </a:prstGeom>
           <a:noFill/>
-          <a:ln>
+          <a:ln w="9525" cap="flat" cmpd="sng" algn="ctr">
+            <a:solidFill>
+              <a:srgbClr val="4F81BD">
+                <a:shade val="95000"/>
+                <a:satMod val="105000"/>
+              </a:srgbClr>
+            </a:solidFill>
             <a:prstDash val="dash"/>
           </a:ln>
-        </p:spPr>
-        <p:style>
-          <a:lnRef idx="1">
-            <a:schemeClr val="accent1"/>
-          </a:lnRef>
-          <a:fillRef idx="3">
-            <a:schemeClr val="accent1"/>
-          </a:fillRef>
-          <a:effectRef idx="2">
-            <a:schemeClr val="accent1"/>
-          </a:effectRef>
-          <a:fontRef idx="minor">
-            <a:schemeClr val="lt1"/>
-          </a:fontRef>
-        </p:style>
+          <a:effectLst>
+            <a:outerShdw blurRad="40000" dist="23000" dir="5400000" rotWithShape="0">
+              <a:srgbClr val="000000">
+                <a:alpha val="35000"/>
+              </a:srgbClr>
+            </a:outerShdw>
+          </a:effectLst>
+        </p:spPr>
         <p:txBody>
           <a:bodyPr rtlCol="0" anchor="ctr"/>
           <a:lstStyle/>
           <a:p>
-            <a:pPr algn="ctr"/>
-            <a:endParaRPr kumimoji="1" lang="ja-JP" altLang="en-US"/>
-          </a:p>
-        </p:txBody>
-      </p:sp>
-      <p:sp>
-        <p:nvSpPr>
-          <p:cNvPr id="81" name="正方形/長方形 80"/>
+            <a:pPr algn="ctr" defTabSz="457209"/>
+            <a:endParaRPr kumimoji="0" lang="ja-JP" altLang="en-US" sz="1800" kern="0">
+              <a:solidFill>
+                <a:prstClr val="white"/>
+              </a:solidFill>
+              <a:latin typeface="Calibri"/>
+              <a:ea typeface="ＭＳ Ｐゴシック" panose="020B0600070205080204" pitchFamily="50" charset="-128"/>
+            </a:endParaRPr>
+          </a:p>
+        </p:txBody>
+      </p:sp>
+      <p:sp>
+        <p:nvSpPr>
+          <p:cNvPr id="30" name="正方形/長方形 29"/>
           <p:cNvSpPr/>
           <p:nvPr/>
         </p:nvSpPr>
         <p:spPr>
           <a:xfrm>
-            <a:off x="1215486" y="6359489"/>
+            <a:off x="1509174" y="6053895"/>
             <a:ext cx="1295072" cy="277812"/>
           </a:xfrm>
           <a:prstGeom prst="rect">
             <a:avLst/>
           </a:prstGeom>
-        </p:spPr>
-        <p:style>
-          <a:lnRef idx="1">
-            <a:schemeClr val="accent4"/>
-          </a:lnRef>
-          <a:fillRef idx="3">
-            <a:schemeClr val="accent4"/>
-          </a:fillRef>
-          <a:effectRef idx="2">
-            <a:schemeClr val="accent4"/>
-          </a:effectRef>
-          <a:fontRef idx="minor">
-            <a:schemeClr val="lt1"/>
-          </a:fontRef>
-        </p:style>
+          <a:gradFill rotWithShape="1">
+            <a:gsLst>
+              <a:gs pos="0">
+                <a:srgbClr val="8064A2">
+                  <a:tint val="100000"/>
+                  <a:shade val="100000"/>
+                  <a:satMod val="130000"/>
+                </a:srgbClr>
+              </a:gs>
+              <a:gs pos="100000">
+                <a:srgbClr val="8064A2">
+                  <a:tint val="50000"/>
+                  <a:shade val="100000"/>
+                  <a:satMod val="350000"/>
+                </a:srgbClr>
+              </a:gs>
+            </a:gsLst>
+            <a:lin ang="16200000" scaled="0"/>
+          </a:gradFill>
+          <a:ln w="9525" cap="flat" cmpd="sng" algn="ctr">
+            <a:solidFill>
+              <a:srgbClr val="8064A2">
+                <a:shade val="95000"/>
+                <a:satMod val="105000"/>
+              </a:srgbClr>
+            </a:solidFill>
+            <a:prstDash val="solid"/>
+          </a:ln>
+          <a:effectLst>
+            <a:outerShdw blurRad="40000" dist="23000" dir="5400000" rotWithShape="0">
+              <a:srgbClr val="000000">
+                <a:alpha val="35000"/>
+              </a:srgbClr>
+            </a:outerShdw>
+          </a:effectLst>
+        </p:spPr>
         <p:txBody>
           <a:bodyPr rtlCol="0" anchor="ctr"/>
           <a:lstStyle/>
           <a:p>
-            <a:pPr algn="ctr"/>
-            <a:endParaRPr kumimoji="1" lang="ja-JP" altLang="en-US" dirty="0"/>
-          </a:p>
-        </p:txBody>
-      </p:sp>
-      <p:sp>
-        <p:nvSpPr>
-          <p:cNvPr id="82" name="正方形/長方形 81"/>
+            <a:pPr algn="ctr" defTabSz="457209"/>
+            <a:endParaRPr kumimoji="0" lang="ja-JP" altLang="en-US" sz="1800" kern="0" dirty="0">
+              <a:solidFill>
+                <a:prstClr val="white"/>
+              </a:solidFill>
+              <a:latin typeface="Calibri"/>
+              <a:ea typeface="ＭＳ Ｐゴシック" panose="020B0600070205080204" pitchFamily="50" charset="-128"/>
+            </a:endParaRPr>
+          </a:p>
+        </p:txBody>
+      </p:sp>
+      <p:sp>
+        <p:nvSpPr>
+          <p:cNvPr id="31" name="正方形/長方形 30"/>
           <p:cNvSpPr/>
           <p:nvPr/>
         </p:nvSpPr>
         <p:spPr>
           <a:xfrm>
-            <a:off x="921963" y="6227397"/>
+            <a:off x="1215651" y="5921811"/>
             <a:ext cx="4867822" cy="1372275"/>
           </a:xfrm>
           <a:prstGeom prst="rect">
             <a:avLst/>
           </a:prstGeom>
           <a:noFill/>
-          <a:ln>
+          <a:ln w="9525" cap="flat" cmpd="sng" algn="ctr">
+            <a:solidFill>
+              <a:srgbClr val="4F81BD">
+                <a:shade val="95000"/>
+                <a:satMod val="105000"/>
+              </a:srgbClr>
+            </a:solidFill>
             <a:prstDash val="solid"/>
           </a:ln>
-        </p:spPr>
-        <p:style>
-          <a:lnRef idx="1">
-            <a:schemeClr val="accent1"/>
-          </a:lnRef>
-          <a:fillRef idx="3">
-            <a:schemeClr val="accent1"/>
-          </a:fillRef>
-          <a:effectRef idx="2">
-            <a:schemeClr val="accent1"/>
-          </a:effectRef>
-          <a:fontRef idx="minor">
-            <a:schemeClr val="lt1"/>
-          </a:fontRef>
-        </p:style>
+          <a:effectLst>
+            <a:outerShdw blurRad="40000" dist="23000" dir="5400000" rotWithShape="0">
+              <a:srgbClr val="000000">
+                <a:alpha val="35000"/>
+              </a:srgbClr>
+            </a:outerShdw>
+          </a:effectLst>
+        </p:spPr>
         <p:txBody>
           <a:bodyPr rtlCol="0" anchor="ctr"/>
           <a:lstStyle/>
           <a:p>
-            <a:pPr algn="ctr"/>
-            <a:endParaRPr kumimoji="1" lang="ja-JP" altLang="en-US"/>
-          </a:p>
-        </p:txBody>
-      </p:sp>
-      <p:sp>
-        <p:nvSpPr>
-          <p:cNvPr id="83" name="テキスト ボックス 82"/>
+            <a:pPr algn="ctr" defTabSz="457209"/>
+            <a:endParaRPr kumimoji="0" lang="ja-JP" altLang="en-US" sz="1800" kern="0">
+              <a:solidFill>
+                <a:prstClr val="white"/>
+              </a:solidFill>
+              <a:latin typeface="Calibri"/>
+              <a:ea typeface="ＭＳ Ｐゴシック" panose="020B0600070205080204" pitchFamily="50" charset="-128"/>
+            </a:endParaRPr>
+          </a:p>
+        </p:txBody>
+      </p:sp>
+      <p:sp>
+        <p:nvSpPr>
+          <p:cNvPr id="32" name="テキスト ボックス 31"/>
           <p:cNvSpPr txBox="1"/>
           <p:nvPr/>
         </p:nvSpPr>
         <p:spPr>
           <a:xfrm>
-            <a:off x="2510558" y="6344506"/>
+            <a:off x="2804246" y="6038919"/>
             <a:ext cx="2891150" cy="307777"/>
           </a:xfrm>
           <a:prstGeom prst="rect">
@@ -5050,61 +4835,97 @@
           </a:bodyPr>
           <a:lstStyle/>
           <a:p>
-            <a:r>
-              <a:rPr lang="en-US" altLang="ja-JP" sz="1400" dirty="0" smtClean="0"/>
+            <a:pPr defTabSz="457209"/>
+            <a:r>
+              <a:rPr kumimoji="0" lang="en-US" altLang="ja-JP" sz="1400" kern="0" dirty="0">
+                <a:solidFill>
+                  <a:prstClr val="black"/>
+                </a:solidFill>
+              </a:rPr>
               <a:t>… implemented by developers</a:t>
             </a:r>
-            <a:endParaRPr kumimoji="1" lang="ja-JP" altLang="en-US" sz="1400" dirty="0"/>
-          </a:p>
-        </p:txBody>
-      </p:sp>
-      <p:sp>
-        <p:nvSpPr>
-          <p:cNvPr id="84" name="正方形/長方形 83"/>
+            <a:endParaRPr kumimoji="0" lang="ja-JP" altLang="en-US" sz="1400" kern="0" dirty="0">
+              <a:solidFill>
+                <a:prstClr val="black"/>
+              </a:solidFill>
+            </a:endParaRPr>
+          </a:p>
+        </p:txBody>
+      </p:sp>
+      <p:sp>
+        <p:nvSpPr>
+          <p:cNvPr id="33" name="正方形/長方形 32"/>
           <p:cNvSpPr/>
           <p:nvPr/>
         </p:nvSpPr>
         <p:spPr>
           <a:xfrm>
-            <a:off x="1215486" y="7076452"/>
+            <a:off x="1509174" y="6770858"/>
             <a:ext cx="1295072" cy="277812"/>
           </a:xfrm>
           <a:prstGeom prst="rect">
             <a:avLst/>
           </a:prstGeom>
-        </p:spPr>
-        <p:style>
-          <a:lnRef idx="1">
-            <a:schemeClr val="accent3"/>
-          </a:lnRef>
-          <a:fillRef idx="3">
-            <a:schemeClr val="accent3"/>
-          </a:fillRef>
-          <a:effectRef idx="2">
-            <a:schemeClr val="accent3"/>
-          </a:effectRef>
-          <a:fontRef idx="minor">
-            <a:schemeClr val="lt1"/>
-          </a:fontRef>
-        </p:style>
+          <a:gradFill rotWithShape="1">
+            <a:gsLst>
+              <a:gs pos="0">
+                <a:srgbClr val="9BBB59">
+                  <a:tint val="100000"/>
+                  <a:shade val="100000"/>
+                  <a:satMod val="130000"/>
+                </a:srgbClr>
+              </a:gs>
+              <a:gs pos="100000">
+                <a:srgbClr val="9BBB59">
+                  <a:tint val="50000"/>
+                  <a:shade val="100000"/>
+                  <a:satMod val="350000"/>
+                </a:srgbClr>
+              </a:gs>
+            </a:gsLst>
+            <a:lin ang="16200000" scaled="0"/>
+          </a:gradFill>
+          <a:ln w="9525" cap="flat" cmpd="sng" algn="ctr">
+            <a:solidFill>
+              <a:srgbClr val="9BBB59">
+                <a:shade val="95000"/>
+                <a:satMod val="105000"/>
+              </a:srgbClr>
+            </a:solidFill>
+            <a:prstDash val="solid"/>
+          </a:ln>
+          <a:effectLst>
+            <a:outerShdw blurRad="40000" dist="23000" dir="5400000" rotWithShape="0">
+              <a:srgbClr val="000000">
+                <a:alpha val="35000"/>
+              </a:srgbClr>
+            </a:outerShdw>
+          </a:effectLst>
+        </p:spPr>
         <p:txBody>
           <a:bodyPr rtlCol="0" anchor="ctr"/>
           <a:lstStyle/>
           <a:p>
-            <a:pPr algn="ctr"/>
-            <a:endParaRPr kumimoji="1" lang="ja-JP" altLang="en-US" dirty="0"/>
-          </a:p>
-        </p:txBody>
-      </p:sp>
-      <p:sp>
-        <p:nvSpPr>
-          <p:cNvPr id="85" name="テキスト ボックス 84"/>
+            <a:pPr algn="ctr" defTabSz="457209"/>
+            <a:endParaRPr kumimoji="0" lang="ja-JP" altLang="en-US" sz="1800" kern="0" dirty="0">
+              <a:solidFill>
+                <a:prstClr val="white"/>
+              </a:solidFill>
+              <a:latin typeface="Calibri"/>
+              <a:ea typeface="ＭＳ Ｐゴシック" panose="020B0600070205080204" pitchFamily="50" charset="-128"/>
+            </a:endParaRPr>
+          </a:p>
+        </p:txBody>
+      </p:sp>
+      <p:sp>
+        <p:nvSpPr>
+          <p:cNvPr id="34" name="テキスト ボックス 33"/>
           <p:cNvSpPr txBox="1"/>
           <p:nvPr/>
         </p:nvSpPr>
         <p:spPr>
           <a:xfrm>
-            <a:off x="2510558" y="7076452"/>
+            <a:off x="2804246" y="6770859"/>
             <a:ext cx="3493622" cy="523220"/>
           </a:xfrm>
           <a:prstGeom prst="rect">
@@ -5118,76 +4939,124 @@
           </a:bodyPr>
           <a:lstStyle/>
           <a:p>
-            <a:r>
-              <a:rPr lang="en-US" altLang="ja-JP" sz="1400" dirty="0" smtClean="0"/>
+            <a:pPr defTabSz="457209"/>
+            <a:r>
+              <a:rPr kumimoji="0" lang="en-US" altLang="ja-JP" sz="1400" kern="0" dirty="0">
+                <a:solidFill>
+                  <a:prstClr val="black"/>
+                </a:solidFill>
+              </a:rPr>
               <a:t>… </a:t>
             </a:r>
             <a:r>
-              <a:rPr lang="en-US" altLang="ja-JP" sz="1400" dirty="0"/>
+              <a:rPr kumimoji="0" lang="en-US" altLang="ja-JP" sz="1400" kern="0" dirty="0">
+                <a:solidFill>
+                  <a:prstClr val="black"/>
+                </a:solidFill>
+              </a:rPr>
               <a:t>provided by </a:t>
             </a:r>
             <a:r>
-              <a:rPr lang="en-US" altLang="ja-JP" sz="1400" dirty="0" smtClean="0"/>
+              <a:rPr kumimoji="0" lang="en-US" altLang="ja-JP" sz="1400" kern="0" dirty="0">
+                <a:solidFill>
+                  <a:prstClr val="black"/>
+                </a:solidFill>
+              </a:rPr>
               <a:t>Spring</a:t>
             </a:r>
-            <a:endParaRPr lang="en-US" altLang="ja-JP" sz="1400" dirty="0" smtClean="0"/>
-          </a:p>
-          <a:p>
-            <a:r>
-              <a:rPr lang="en-US" altLang="ja-JP" sz="1400" dirty="0" smtClean="0"/>
+          </a:p>
+          <a:p>
+            <a:pPr defTabSz="457209"/>
+            <a:r>
+              <a:rPr kumimoji="0" lang="en-US" altLang="ja-JP" sz="1400" kern="0" dirty="0">
+                <a:solidFill>
+                  <a:prstClr val="black"/>
+                </a:solidFill>
+              </a:rPr>
               <a:t>    sometimes implemented by developers</a:t>
             </a:r>
-            <a:endParaRPr kumimoji="1" lang="ja-JP" altLang="en-US" sz="1400" dirty="0"/>
-          </a:p>
-        </p:txBody>
-      </p:sp>
-      <p:sp>
-        <p:nvSpPr>
-          <p:cNvPr id="86" name="正方形/長方形 85"/>
+            <a:endParaRPr kumimoji="0" lang="ja-JP" altLang="en-US" sz="1400" kern="0" dirty="0">
+              <a:solidFill>
+                <a:prstClr val="black"/>
+              </a:solidFill>
+            </a:endParaRPr>
+          </a:p>
+        </p:txBody>
+      </p:sp>
+      <p:sp>
+        <p:nvSpPr>
+          <p:cNvPr id="35" name="正方形/長方形 34"/>
           <p:cNvSpPr/>
           <p:nvPr/>
         </p:nvSpPr>
         <p:spPr>
           <a:xfrm>
-            <a:off x="1215486" y="6729622"/>
+            <a:off x="1509174" y="6424028"/>
             <a:ext cx="1295072" cy="277812"/>
           </a:xfrm>
           <a:prstGeom prst="rect">
             <a:avLst/>
           </a:prstGeom>
-        </p:spPr>
-        <p:style>
-          <a:lnRef idx="1">
-            <a:schemeClr val="accent1"/>
-          </a:lnRef>
-          <a:fillRef idx="3">
-            <a:schemeClr val="accent1"/>
-          </a:fillRef>
-          <a:effectRef idx="2">
-            <a:schemeClr val="accent1"/>
-          </a:effectRef>
-          <a:fontRef idx="minor">
-            <a:schemeClr val="lt1"/>
-          </a:fontRef>
-        </p:style>
+          <a:gradFill rotWithShape="1">
+            <a:gsLst>
+              <a:gs pos="0">
+                <a:srgbClr val="4F81BD">
+                  <a:tint val="100000"/>
+                  <a:shade val="100000"/>
+                  <a:satMod val="130000"/>
+                </a:srgbClr>
+              </a:gs>
+              <a:gs pos="100000">
+                <a:srgbClr val="4F81BD">
+                  <a:tint val="50000"/>
+                  <a:shade val="100000"/>
+                  <a:satMod val="350000"/>
+                </a:srgbClr>
+              </a:gs>
+            </a:gsLst>
+            <a:lin ang="16200000" scaled="0"/>
+          </a:gradFill>
+          <a:ln w="9525" cap="flat" cmpd="sng" algn="ctr">
+            <a:solidFill>
+              <a:srgbClr val="4F81BD">
+                <a:shade val="95000"/>
+                <a:satMod val="105000"/>
+              </a:srgbClr>
+            </a:solidFill>
+            <a:prstDash val="solid"/>
+          </a:ln>
+          <a:effectLst>
+            <a:outerShdw blurRad="40000" dist="23000" dir="5400000" rotWithShape="0">
+              <a:srgbClr val="000000">
+                <a:alpha val="35000"/>
+              </a:srgbClr>
+            </a:outerShdw>
+          </a:effectLst>
+        </p:spPr>
         <p:txBody>
           <a:bodyPr rtlCol="0" anchor="ctr"/>
           <a:lstStyle/>
           <a:p>
-            <a:pPr algn="ctr"/>
-            <a:endParaRPr kumimoji="1" lang="ja-JP" altLang="en-US" dirty="0"/>
-          </a:p>
-        </p:txBody>
-      </p:sp>
-      <p:sp>
-        <p:nvSpPr>
-          <p:cNvPr id="87" name="テキスト ボックス 86"/>
+            <a:pPr algn="ctr" defTabSz="457209"/>
+            <a:endParaRPr kumimoji="0" lang="ja-JP" altLang="en-US" sz="1800" kern="0" dirty="0">
+              <a:solidFill>
+                <a:prstClr val="white"/>
+              </a:solidFill>
+              <a:latin typeface="Calibri"/>
+              <a:ea typeface="ＭＳ Ｐゴシック" panose="020B0600070205080204" pitchFamily="50" charset="-128"/>
+            </a:endParaRPr>
+          </a:p>
+        </p:txBody>
+      </p:sp>
+      <p:sp>
+        <p:nvSpPr>
+          <p:cNvPr id="36" name="テキスト ボックス 35"/>
           <p:cNvSpPr txBox="1"/>
           <p:nvPr/>
         </p:nvSpPr>
         <p:spPr>
           <a:xfrm>
-            <a:off x="2510558" y="6729622"/>
+            <a:off x="2804246" y="6424036"/>
             <a:ext cx="2891150" cy="307777"/>
           </a:xfrm>
           <a:prstGeom prst="rect">
@@ -5201,121 +5070,198 @@
           </a:bodyPr>
           <a:lstStyle/>
           <a:p>
-            <a:r>
-              <a:rPr lang="en-US" altLang="ja-JP" sz="1400" dirty="0" smtClean="0"/>
-              <a:t>… provided by </a:t>
-            </a:r>
-            <a:r>
-              <a:rPr lang="en-US" altLang="ja-JP" sz="1400" dirty="0" smtClean="0"/>
-              <a:t>Spring</a:t>
-            </a:r>
-            <a:endParaRPr kumimoji="1" lang="ja-JP" altLang="en-US" sz="1400" dirty="0"/>
-          </a:p>
-        </p:txBody>
-      </p:sp>
-      <p:sp>
-        <p:nvSpPr>
-          <p:cNvPr id="88" name="正方形/長方形 87"/>
+            <a:pPr defTabSz="457209"/>
+            <a:r>
+              <a:rPr kumimoji="0" lang="en-US" altLang="ja-JP" sz="1400" kern="0" dirty="0">
+                <a:solidFill>
+                  <a:prstClr val="black"/>
+                </a:solidFill>
+              </a:rPr>
+              <a:t>… provided by Spring</a:t>
+            </a:r>
+            <a:endParaRPr kumimoji="0" lang="ja-JP" altLang="en-US" sz="1400" kern="0" dirty="0">
+              <a:solidFill>
+                <a:prstClr val="black"/>
+              </a:solidFill>
+            </a:endParaRPr>
+          </a:p>
+        </p:txBody>
+      </p:sp>
+      <p:sp>
+        <p:nvSpPr>
+          <p:cNvPr id="37" name="正方形/長方形 36"/>
           <p:cNvSpPr/>
           <p:nvPr/>
         </p:nvSpPr>
         <p:spPr>
           <a:xfrm>
-            <a:off x="4127773" y="1406150"/>
+            <a:off x="4421468" y="1100556"/>
             <a:ext cx="1730375" cy="706438"/>
           </a:xfrm>
           <a:prstGeom prst="rect">
             <a:avLst/>
           </a:prstGeom>
-        </p:spPr>
-        <p:style>
-          <a:lnRef idx="1">
-            <a:schemeClr val="accent1"/>
-          </a:lnRef>
-          <a:fillRef idx="3">
-            <a:schemeClr val="accent1"/>
-          </a:fillRef>
-          <a:effectRef idx="2">
-            <a:schemeClr val="accent1"/>
-          </a:effectRef>
-          <a:fontRef idx="minor">
-            <a:schemeClr val="lt1"/>
-          </a:fontRef>
-        </p:style>
+          <a:gradFill rotWithShape="1">
+            <a:gsLst>
+              <a:gs pos="0">
+                <a:srgbClr val="4F81BD">
+                  <a:tint val="100000"/>
+                  <a:shade val="100000"/>
+                  <a:satMod val="130000"/>
+                </a:srgbClr>
+              </a:gs>
+              <a:gs pos="100000">
+                <a:srgbClr val="4F81BD">
+                  <a:tint val="50000"/>
+                  <a:shade val="100000"/>
+                  <a:satMod val="350000"/>
+                </a:srgbClr>
+              </a:gs>
+            </a:gsLst>
+            <a:lin ang="16200000" scaled="0"/>
+          </a:gradFill>
+          <a:ln w="9525" cap="flat" cmpd="sng" algn="ctr">
+            <a:solidFill>
+              <a:srgbClr val="4F81BD">
+                <a:shade val="95000"/>
+                <a:satMod val="105000"/>
+              </a:srgbClr>
+            </a:solidFill>
+            <a:prstDash val="solid"/>
+          </a:ln>
+          <a:effectLst>
+            <a:outerShdw blurRad="40000" dist="23000" dir="5400000" rotWithShape="0">
+              <a:srgbClr val="000000">
+                <a:alpha val="35000"/>
+              </a:srgbClr>
+            </a:outerShdw>
+          </a:effectLst>
+        </p:spPr>
         <p:txBody>
           <a:bodyPr rtlCol="0" anchor="ctr"/>
           <a:lstStyle/>
           <a:p>
-            <a:pPr algn="ctr"/>
-            <a:r>
-              <a:rPr kumimoji="1" lang="en-US" altLang="ja-JP" dirty="0" smtClean="0"/>
+            <a:pPr algn="ctr" defTabSz="457209"/>
+            <a:r>
+              <a:rPr kumimoji="0" lang="en-US" altLang="ja-JP" sz="1800" kern="0" dirty="0">
+                <a:solidFill>
+                  <a:prstClr val="white"/>
+                </a:solidFill>
+                <a:latin typeface="Calibri"/>
+                <a:ea typeface="ＭＳ Ｐゴシック" panose="020B0600070205080204" pitchFamily="50" charset="-128"/>
+              </a:rPr>
               <a:t>Handler</a:t>
             </a:r>
           </a:p>
           <a:p>
-            <a:pPr algn="ctr"/>
-            <a:r>
-              <a:rPr lang="en-US" altLang="ja-JP" dirty="0" smtClean="0"/>
+            <a:pPr algn="ctr" defTabSz="457209"/>
+            <a:r>
+              <a:rPr kumimoji="0" lang="en-US" altLang="ja-JP" sz="1800" kern="0" dirty="0">
+                <a:solidFill>
+                  <a:prstClr val="white"/>
+                </a:solidFill>
+                <a:latin typeface="Calibri"/>
+                <a:ea typeface="ＭＳ Ｐゴシック" panose="020B0600070205080204" pitchFamily="50" charset="-128"/>
+              </a:rPr>
               <a:t>Adapter</a:t>
             </a:r>
-            <a:endParaRPr kumimoji="1" lang="ja-JP" altLang="en-US" dirty="0"/>
-          </a:p>
-        </p:txBody>
-      </p:sp>
-      <p:sp>
-        <p:nvSpPr>
-          <p:cNvPr id="89" name="正方形/長方形 88"/>
+            <a:endParaRPr kumimoji="0" lang="ja-JP" altLang="en-US" sz="1800" kern="0" dirty="0">
+              <a:solidFill>
+                <a:prstClr val="white"/>
+              </a:solidFill>
+              <a:latin typeface="Calibri"/>
+              <a:ea typeface="ＭＳ Ｐゴシック" panose="020B0600070205080204" pitchFamily="50" charset="-128"/>
+            </a:endParaRPr>
+          </a:p>
+        </p:txBody>
+      </p:sp>
+      <p:sp>
+        <p:nvSpPr>
+          <p:cNvPr id="38" name="正方形/長方形 37"/>
           <p:cNvSpPr/>
           <p:nvPr/>
         </p:nvSpPr>
         <p:spPr>
           <a:xfrm>
-            <a:off x="6499225" y="4220361"/>
+            <a:off x="6792920" y="3914767"/>
             <a:ext cx="1730375" cy="720726"/>
           </a:xfrm>
           <a:prstGeom prst="rect">
             <a:avLst/>
           </a:prstGeom>
-        </p:spPr>
-        <p:style>
-          <a:lnRef idx="1">
-            <a:schemeClr val="accent1"/>
-          </a:lnRef>
-          <a:fillRef idx="3">
-            <a:schemeClr val="accent1"/>
-          </a:fillRef>
-          <a:effectRef idx="2">
-            <a:schemeClr val="accent1"/>
-          </a:effectRef>
-          <a:fontRef idx="minor">
-            <a:schemeClr val="lt1"/>
-          </a:fontRef>
-        </p:style>
+          <a:gradFill rotWithShape="1">
+            <a:gsLst>
+              <a:gs pos="0">
+                <a:srgbClr val="4F81BD">
+                  <a:tint val="100000"/>
+                  <a:shade val="100000"/>
+                  <a:satMod val="130000"/>
+                </a:srgbClr>
+              </a:gs>
+              <a:gs pos="100000">
+                <a:srgbClr val="4F81BD">
+                  <a:tint val="50000"/>
+                  <a:shade val="100000"/>
+                  <a:satMod val="350000"/>
+                </a:srgbClr>
+              </a:gs>
+            </a:gsLst>
+            <a:lin ang="16200000" scaled="0"/>
+          </a:gradFill>
+          <a:ln w="9525" cap="flat" cmpd="sng" algn="ctr">
+            <a:solidFill>
+              <a:srgbClr val="4F81BD">
+                <a:shade val="95000"/>
+                <a:satMod val="105000"/>
+              </a:srgbClr>
+            </a:solidFill>
+            <a:prstDash val="solid"/>
+          </a:ln>
+          <a:effectLst>
+            <a:outerShdw blurRad="40000" dist="23000" dir="5400000" rotWithShape="0">
+              <a:srgbClr val="000000">
+                <a:alpha val="35000"/>
+              </a:srgbClr>
+            </a:outerShdw>
+          </a:effectLst>
+        </p:spPr>
         <p:txBody>
           <a:bodyPr rtlCol="0" anchor="ctr"/>
           <a:lstStyle/>
           <a:p>
-            <a:pPr algn="ctr"/>
-            <a:r>
-              <a:rPr kumimoji="1" lang="en-US" altLang="ja-JP" dirty="0" smtClean="0"/>
+            <a:pPr algn="ctr" defTabSz="457209"/>
+            <a:r>
+              <a:rPr kumimoji="0" lang="en-US" altLang="ja-JP" sz="1800" kern="0" dirty="0">
+                <a:solidFill>
+                  <a:prstClr val="white"/>
+                </a:solidFill>
+                <a:latin typeface="Calibri"/>
+                <a:ea typeface="ＭＳ Ｐゴシック" panose="020B0600070205080204" pitchFamily="50" charset="-128"/>
+              </a:rPr>
               <a:t>Model</a:t>
             </a:r>
-            <a:endParaRPr kumimoji="1" lang="ja-JP" altLang="en-US" dirty="0"/>
+            <a:endParaRPr kumimoji="0" lang="ja-JP" altLang="en-US" sz="1800" kern="0" dirty="0">
+              <a:solidFill>
+                <a:prstClr val="white"/>
+              </a:solidFill>
+              <a:latin typeface="Calibri"/>
+              <a:ea typeface="ＭＳ Ｐゴシック" panose="020B0600070205080204" pitchFamily="50" charset="-128"/>
+            </a:endParaRPr>
           </a:p>
         </p:txBody>
       </p:sp>
       <p:cxnSp>
         <p:nvCxnSpPr>
-          <p:cNvPr id="90" name="カギ線コネクタ 89"/>
+          <p:cNvPr id="39" name="カギ線コネクタ 38"/>
           <p:cNvCxnSpPr>
-            <a:stCxn id="55" idx="2"/>
-            <a:endCxn id="89" idx="2"/>
+            <a:stCxn id="4" idx="2"/>
+            <a:endCxn id="38" idx="2"/>
           </p:cNvCxnSpPr>
           <p:nvPr/>
         </p:nvCxnSpPr>
         <p:spPr>
           <a:xfrm rot="16200000" flipH="1">
-            <a:off x="4736563" y="2313237"/>
+            <a:off x="5030251" y="2007651"/>
             <a:ext cx="37586" cy="5218113"/>
           </a:xfrm>
           <a:prstGeom prst="bentConnector3">
@@ -5323,38 +5269,35 @@
               <a:gd name="adj1" fmla="val 1383989"/>
             </a:avLst>
           </a:prstGeom>
-          <a:ln>
+          <a:noFill/>
+          <a:ln w="25400" cap="flat" cmpd="sng" algn="ctr">
+            <a:solidFill>
+              <a:srgbClr val="4F81BD"/>
+            </a:solidFill>
             <a:prstDash val="dash"/>
             <a:tailEnd type="arrow"/>
           </a:ln>
-        </p:spPr>
-        <p:style>
-          <a:lnRef idx="2">
-            <a:schemeClr val="accent1"/>
-          </a:lnRef>
-          <a:fillRef idx="0">
-            <a:schemeClr val="accent1"/>
-          </a:fillRef>
-          <a:effectRef idx="1">
-            <a:schemeClr val="accent1"/>
-          </a:effectRef>
-          <a:fontRef idx="minor">
-            <a:schemeClr val="tx1"/>
-          </a:fontRef>
-        </p:style>
+          <a:effectLst>
+            <a:outerShdw blurRad="40000" dist="20000" dir="5400000" rotWithShape="0">
+              <a:srgbClr val="000000">
+                <a:alpha val="38000"/>
+              </a:srgbClr>
+            </a:outerShdw>
+          </a:effectLst>
+        </p:spPr>
       </p:cxnSp>
       <p:cxnSp>
         <p:nvCxnSpPr>
-          <p:cNvPr id="91" name="カギ線コネクタ 90"/>
+          <p:cNvPr id="40" name="カギ線コネクタ 39"/>
           <p:cNvCxnSpPr>
-            <a:stCxn id="54" idx="2"/>
-            <a:endCxn id="89" idx="0"/>
+            <a:stCxn id="3" idx="2"/>
+            <a:endCxn id="38" idx="0"/>
           </p:cNvCxnSpPr>
           <p:nvPr/>
         </p:nvCxnSpPr>
         <p:spPr>
           <a:xfrm rot="16200000" flipH="1">
-            <a:off x="6300207" y="3156155"/>
+            <a:off x="6593895" y="2850561"/>
             <a:ext cx="2120474" cy="7938"/>
           </a:xfrm>
           <a:prstGeom prst="bentConnector3">
@@ -5362,71 +5305,66 @@
               <a:gd name="adj1" fmla="val 50000"/>
             </a:avLst>
           </a:prstGeom>
-          <a:ln>
+          <a:noFill/>
+          <a:ln w="25400" cap="flat" cmpd="sng" algn="ctr">
+            <a:solidFill>
+              <a:srgbClr val="4F81BD"/>
+            </a:solidFill>
             <a:prstDash val="dash"/>
             <a:tailEnd type="arrow"/>
           </a:ln>
-        </p:spPr>
-        <p:style>
-          <a:lnRef idx="2">
-            <a:schemeClr val="accent1"/>
-          </a:lnRef>
-          <a:fillRef idx="0">
-            <a:schemeClr val="accent1"/>
-          </a:fillRef>
-          <a:effectRef idx="1">
-            <a:schemeClr val="accent1"/>
-          </a:effectRef>
-          <a:fontRef idx="minor">
-            <a:schemeClr val="tx1"/>
-          </a:fontRef>
-        </p:style>
+          <a:effectLst>
+            <a:outerShdw blurRad="40000" dist="20000" dir="5400000" rotWithShape="0">
+              <a:srgbClr val="000000">
+                <a:alpha val="38000"/>
+              </a:srgbClr>
+            </a:outerShdw>
+          </a:effectLst>
+        </p:spPr>
       </p:cxnSp>
       <p:cxnSp>
         <p:nvCxnSpPr>
-          <p:cNvPr id="92" name="直線矢印コネクタ 91"/>
+          <p:cNvPr id="41" name="直線矢印コネクタ 40"/>
           <p:cNvCxnSpPr>
-            <a:stCxn id="88" idx="3"/>
-            <a:endCxn id="54" idx="1"/>
+            <a:stCxn id="37" idx="3"/>
+            <a:endCxn id="3" idx="1"/>
           </p:cNvCxnSpPr>
           <p:nvPr/>
         </p:nvCxnSpPr>
         <p:spPr>
           <a:xfrm>
-            <a:off x="5858148" y="1759369"/>
+            <a:off x="6151836" y="1453775"/>
             <a:ext cx="701402" cy="0"/>
           </a:xfrm>
           <a:prstGeom prst="straightConnector1">
             <a:avLst/>
           </a:prstGeom>
-          <a:ln>
+          <a:noFill/>
+          <a:ln w="25400" cap="flat" cmpd="sng" algn="ctr">
+            <a:solidFill>
+              <a:srgbClr val="4F81BD"/>
+            </a:solidFill>
+            <a:prstDash val="solid"/>
             <a:tailEnd type="arrow"/>
           </a:ln>
-        </p:spPr>
-        <p:style>
-          <a:lnRef idx="2">
-            <a:schemeClr val="accent1"/>
-          </a:lnRef>
-          <a:fillRef idx="0">
-            <a:schemeClr val="accent1"/>
-          </a:fillRef>
-          <a:effectRef idx="1">
-            <a:schemeClr val="accent1"/>
-          </a:effectRef>
-          <a:fontRef idx="minor">
-            <a:schemeClr val="tx1"/>
-          </a:fontRef>
-        </p:style>
+          <a:effectLst>
+            <a:outerShdw blurRad="40000" dist="20000" dir="5400000" rotWithShape="0">
+              <a:srgbClr val="000000">
+                <a:alpha val="38000"/>
+              </a:srgbClr>
+            </a:outerShdw>
+          </a:effectLst>
+        </p:spPr>
       </p:cxnSp>
       <p:sp>
         <p:nvSpPr>
-          <p:cNvPr id="93" name="テキスト ボックス 92"/>
+          <p:cNvPr id="42" name="テキスト ボックス 41"/>
           <p:cNvSpPr txBox="1"/>
           <p:nvPr/>
         </p:nvSpPr>
         <p:spPr>
           <a:xfrm>
-            <a:off x="4047303" y="5447048"/>
+            <a:off x="4340999" y="5141461"/>
             <a:ext cx="2192339" cy="646331"/>
           </a:xfrm>
           <a:prstGeom prst="rect">
@@ -5440,27 +5378,32 @@
           </a:bodyPr>
           <a:lstStyle/>
           <a:p>
-            <a:r>
-              <a:rPr lang="en-US" altLang="ja-JP" dirty="0" smtClean="0"/>
-              <a:t>reference</a:t>
-            </a:r>
-            <a:r>
-              <a:rPr kumimoji="1" lang="en-US" altLang="ja-JP" dirty="0" smtClean="0"/>
-              <a:t> processing result models</a:t>
-            </a:r>
-            <a:endParaRPr kumimoji="1" lang="ja-JP" altLang="en-US" dirty="0"/>
-          </a:p>
-        </p:txBody>
-      </p:sp>
-      <p:sp>
-        <p:nvSpPr>
-          <p:cNvPr id="94" name="テキスト ボックス 93"/>
+            <a:pPr defTabSz="457209"/>
+            <a:r>
+              <a:rPr kumimoji="0" lang="en-US" altLang="ja-JP" sz="1800" kern="0" dirty="0">
+                <a:solidFill>
+                  <a:prstClr val="black"/>
+                </a:solidFill>
+              </a:rPr>
+              <a:t>reference processing result models</a:t>
+            </a:r>
+            <a:endParaRPr kumimoji="0" lang="ja-JP" altLang="en-US" sz="1800" kern="0" dirty="0">
+              <a:solidFill>
+                <a:prstClr val="black"/>
+              </a:solidFill>
+            </a:endParaRPr>
+          </a:p>
+        </p:txBody>
+      </p:sp>
+      <p:sp>
+        <p:nvSpPr>
+          <p:cNvPr id="43" name="テキスト ボックス 42"/>
           <p:cNvSpPr txBox="1"/>
           <p:nvPr/>
         </p:nvSpPr>
         <p:spPr>
           <a:xfrm>
-            <a:off x="7437384" y="2377320"/>
+            <a:off x="7731073" y="2071734"/>
             <a:ext cx="1552546" cy="646331"/>
           </a:xfrm>
           <a:prstGeom prst="rect">
@@ -5474,107 +5417,124 @@
           </a:bodyPr>
           <a:lstStyle/>
           <a:p>
-            <a:r>
-              <a:rPr lang="en-US" altLang="ja-JP" dirty="0"/>
+            <a:pPr defTabSz="457209"/>
+            <a:r>
+              <a:rPr kumimoji="0" lang="en-US" altLang="ja-JP" sz="1800" kern="0" dirty="0">
+                <a:solidFill>
+                  <a:prstClr val="black"/>
+                </a:solidFill>
+              </a:rPr>
               <a:t>s</a:t>
             </a:r>
             <a:r>
-              <a:rPr kumimoji="1" lang="en-US" altLang="ja-JP" dirty="0" smtClean="0"/>
+              <a:rPr kumimoji="0" lang="en-US" altLang="ja-JP" sz="1800" kern="0" dirty="0">
+                <a:solidFill>
+                  <a:prstClr val="black"/>
+                </a:solidFill>
+              </a:rPr>
               <a:t>et</a:t>
             </a:r>
             <a:r>
-              <a:rPr lang="ja-JP" altLang="en-US" dirty="0" smtClean="0"/>
+              <a:rPr kumimoji="0" lang="ja-JP" altLang="en-US" sz="1800" kern="0" dirty="0">
+                <a:solidFill>
+                  <a:prstClr val="black"/>
+                </a:solidFill>
+              </a:rPr>
               <a:t> </a:t>
             </a:r>
             <a:r>
-              <a:rPr lang="en-US" altLang="ja-JP" dirty="0" smtClean="0"/>
+              <a:rPr kumimoji="0" lang="en-US" altLang="ja-JP" sz="1800" kern="0" dirty="0">
+                <a:solidFill>
+                  <a:prstClr val="black"/>
+                </a:solidFill>
+              </a:rPr>
               <a:t>processing result models</a:t>
             </a:r>
-            <a:endParaRPr kumimoji="1" lang="ja-JP" altLang="en-US" dirty="0"/>
+            <a:endParaRPr kumimoji="0" lang="ja-JP" altLang="en-US" sz="1800" kern="0" dirty="0">
+              <a:solidFill>
+                <a:prstClr val="black"/>
+              </a:solidFill>
+            </a:endParaRPr>
           </a:p>
         </p:txBody>
       </p:sp>
       <p:cxnSp>
         <p:nvCxnSpPr>
-          <p:cNvPr id="95" name="直線矢印コネクタ 94"/>
+          <p:cNvPr id="44" name="直線矢印コネクタ 43"/>
           <p:cNvCxnSpPr>
-            <a:stCxn id="54" idx="2"/>
-            <a:endCxn id="60" idx="3"/>
+            <a:stCxn id="3" idx="2"/>
+            <a:endCxn id="9" idx="3"/>
           </p:cNvCxnSpPr>
           <p:nvPr/>
         </p:nvCxnSpPr>
         <p:spPr>
           <a:xfrm flipH="1">
-            <a:off x="6804025" y="2099887"/>
+            <a:off x="7097713" y="1794293"/>
             <a:ext cx="552450" cy="756300"/>
           </a:xfrm>
           <a:prstGeom prst="straightConnector1">
             <a:avLst/>
           </a:prstGeom>
-          <a:ln>
+          <a:noFill/>
+          <a:ln w="25400" cap="flat" cmpd="sng" algn="ctr">
+            <a:solidFill>
+              <a:srgbClr val="4F81BD"/>
+            </a:solidFill>
+            <a:prstDash val="solid"/>
             <a:tailEnd type="arrow"/>
           </a:ln>
-        </p:spPr>
-        <p:style>
-          <a:lnRef idx="2">
-            <a:schemeClr val="accent1"/>
-          </a:lnRef>
-          <a:fillRef idx="0">
-            <a:schemeClr val="accent1"/>
-          </a:fillRef>
-          <a:effectRef idx="1">
-            <a:schemeClr val="accent1"/>
-          </a:effectRef>
-          <a:fontRef idx="minor">
-            <a:schemeClr val="tx1"/>
-          </a:fontRef>
-        </p:style>
+          <a:effectLst>
+            <a:outerShdw blurRad="40000" dist="20000" dir="5400000" rotWithShape="0">
+              <a:srgbClr val="000000">
+                <a:alpha val="38000"/>
+              </a:srgbClr>
+            </a:outerShdw>
+          </a:effectLst>
+        </p:spPr>
       </p:cxnSp>
       <p:cxnSp>
         <p:nvCxnSpPr>
-          <p:cNvPr id="96" name="直線矢印コネクタ 95"/>
+          <p:cNvPr id="45" name="直線矢印コネクタ 44"/>
           <p:cNvCxnSpPr>
-            <a:stCxn id="60" idx="1"/>
-            <a:endCxn id="88" idx="2"/>
+            <a:stCxn id="9" idx="1"/>
+            <a:endCxn id="37" idx="2"/>
           </p:cNvCxnSpPr>
           <p:nvPr/>
         </p:nvCxnSpPr>
         <p:spPr>
           <a:xfrm flipH="1" flipV="1">
-            <a:off x="4992961" y="2112588"/>
+            <a:off x="5286657" y="1807002"/>
             <a:ext cx="592493" cy="743599"/>
           </a:xfrm>
           <a:prstGeom prst="straightConnector1">
             <a:avLst/>
           </a:prstGeom>
-          <a:ln>
+          <a:noFill/>
+          <a:ln w="25400" cap="flat" cmpd="sng" algn="ctr">
+            <a:solidFill>
+              <a:srgbClr val="4F81BD"/>
+            </a:solidFill>
+            <a:prstDash val="solid"/>
             <a:tailEnd type="arrow"/>
           </a:ln>
-        </p:spPr>
-        <p:style>
-          <a:lnRef idx="2">
-            <a:schemeClr val="accent1"/>
-          </a:lnRef>
-          <a:fillRef idx="0">
-            <a:schemeClr val="accent1"/>
-          </a:fillRef>
-          <a:effectRef idx="1">
-            <a:schemeClr val="accent1"/>
-          </a:effectRef>
-          <a:fontRef idx="minor">
-            <a:schemeClr val="tx1"/>
-          </a:fontRef>
-        </p:style>
+          <a:effectLst>
+            <a:outerShdw blurRad="40000" dist="20000" dir="5400000" rotWithShape="0">
+              <a:srgbClr val="000000">
+                <a:alpha val="38000"/>
+              </a:srgbClr>
+            </a:outerShdw>
+          </a:effectLst>
+        </p:spPr>
       </p:cxnSp>
       <p:sp>
         <p:nvSpPr>
-          <p:cNvPr id="97" name="テキスト ボックス 96"/>
+          <p:cNvPr id="46" name="テキスト ボックス 45"/>
           <p:cNvSpPr txBox="1"/>
           <p:nvPr/>
         </p:nvSpPr>
         <p:spPr>
           <a:xfrm>
-            <a:off x="5888660" y="1384656"/>
+            <a:off x="6182349" y="1079063"/>
             <a:ext cx="476250" cy="369332"/>
           </a:xfrm>
           <a:prstGeom prst="rect">
@@ -5588,23 +5548,32 @@
           </a:bodyPr>
           <a:lstStyle/>
           <a:p>
-            <a:r>
-              <a:rPr lang="ja-JP" altLang="en-US" dirty="0" smtClean="0"/>
+            <a:pPr defTabSz="457209"/>
+            <a:r>
+              <a:rPr kumimoji="0" lang="ja-JP" altLang="en-US" sz="1800" kern="0" dirty="0">
+                <a:solidFill>
+                  <a:prstClr val="black"/>
+                </a:solidFill>
+              </a:rPr>
               <a:t>④</a:t>
             </a:r>
-            <a:endParaRPr lang="en-US" altLang="ja-JP" dirty="0" smtClean="0"/>
-          </a:p>
-        </p:txBody>
-      </p:sp>
-      <p:sp>
-        <p:nvSpPr>
-          <p:cNvPr id="98" name="テキスト ボックス 97"/>
+            <a:endParaRPr kumimoji="0" lang="en-US" altLang="ja-JP" sz="1800" kern="0" dirty="0">
+              <a:solidFill>
+                <a:prstClr val="black"/>
+              </a:solidFill>
+            </a:endParaRPr>
+          </a:p>
+        </p:txBody>
+      </p:sp>
+      <p:sp>
+        <p:nvSpPr>
+          <p:cNvPr id="47" name="テキスト ボックス 46"/>
           <p:cNvSpPr txBox="1"/>
           <p:nvPr/>
         </p:nvSpPr>
         <p:spPr>
           <a:xfrm>
-            <a:off x="6022975" y="2299721"/>
+            <a:off x="6316664" y="1994128"/>
             <a:ext cx="476250" cy="369332"/>
           </a:xfrm>
           <a:prstGeom prst="rect">
@@ -5618,26 +5587,35 @@
           </a:bodyPr>
           <a:lstStyle/>
           <a:p>
-            <a:r>
-              <a:rPr lang="ja-JP" altLang="en-US" dirty="0" smtClean="0"/>
+            <a:pPr defTabSz="457209"/>
+            <a:r>
+              <a:rPr kumimoji="0" lang="ja-JP" altLang="en-US" sz="1800" kern="0" dirty="0">
+                <a:solidFill>
+                  <a:prstClr val="black"/>
+                </a:solidFill>
+              </a:rPr>
               <a:t>⑤</a:t>
             </a:r>
-            <a:endParaRPr lang="en-US" altLang="ja-JP" dirty="0" smtClean="0"/>
+            <a:endParaRPr kumimoji="0" lang="en-US" altLang="ja-JP" sz="1800" kern="0" dirty="0">
+              <a:solidFill>
+                <a:prstClr val="black"/>
+              </a:solidFill>
+            </a:endParaRPr>
           </a:p>
         </p:txBody>
       </p:sp>
       <p:cxnSp>
         <p:nvCxnSpPr>
-          <p:cNvPr id="99" name="カギ線コネクタ 98"/>
+          <p:cNvPr id="48" name="カギ線コネクタ 47"/>
           <p:cNvCxnSpPr>
-            <a:stCxn id="54" idx="3"/>
-            <a:endCxn id="69" idx="1"/>
+            <a:stCxn id="3" idx="3"/>
+            <a:endCxn id="18" idx="1"/>
           </p:cNvCxnSpPr>
           <p:nvPr/>
         </p:nvCxnSpPr>
         <p:spPr>
           <a:xfrm flipV="1">
-            <a:off x="8153400" y="1757539"/>
+            <a:off x="8447088" y="1451946"/>
             <a:ext cx="865160" cy="1830"/>
           </a:xfrm>
           <a:prstGeom prst="bentConnector3">
@@ -5645,35 +5623,32 @@
               <a:gd name="adj1" fmla="val 50000"/>
             </a:avLst>
           </a:prstGeom>
-          <a:ln>
+          <a:noFill/>
+          <a:ln w="25400" cap="flat" cmpd="sng" algn="ctr">
+            <a:solidFill>
+              <a:srgbClr val="4F81BD"/>
+            </a:solidFill>
             <a:prstDash val="dash"/>
             <a:tailEnd type="arrow"/>
           </a:ln>
-        </p:spPr>
-        <p:style>
-          <a:lnRef idx="2">
-            <a:schemeClr val="accent1"/>
-          </a:lnRef>
-          <a:fillRef idx="0">
-            <a:schemeClr val="accent1"/>
-          </a:fillRef>
-          <a:effectRef idx="1">
-            <a:schemeClr val="accent1"/>
-          </a:effectRef>
-          <a:fontRef idx="minor">
-            <a:schemeClr val="tx1"/>
-          </a:fontRef>
-        </p:style>
+          <a:effectLst>
+            <a:outerShdw blurRad="40000" dist="20000" dir="5400000" rotWithShape="0">
+              <a:srgbClr val="000000">
+                <a:alpha val="38000"/>
+              </a:srgbClr>
+            </a:outerShdw>
+          </a:effectLst>
+        </p:spPr>
       </p:cxnSp>
       <p:sp>
         <p:nvSpPr>
-          <p:cNvPr id="100" name="テキスト ボックス 99"/>
+          <p:cNvPr id="49" name="テキスト ボックス 48"/>
           <p:cNvSpPr txBox="1"/>
           <p:nvPr/>
         </p:nvSpPr>
         <p:spPr>
           <a:xfrm>
-            <a:off x="8095286" y="920888"/>
+            <a:off x="8388974" y="615294"/>
             <a:ext cx="2553664" cy="369332"/>
           </a:xfrm>
           <a:prstGeom prst="rect">
@@ -5687,38 +5662,40 @@
           </a:bodyPr>
           <a:lstStyle/>
           <a:p>
-            <a:r>
-              <a:rPr lang="en-US" altLang="ja-JP" dirty="0" smtClean="0"/>
+            <a:pPr defTabSz="457209"/>
+            <a:r>
+              <a:rPr kumimoji="0" lang="en-US" altLang="ja-JP" sz="1800" kern="0" dirty="0">
+                <a:solidFill>
+                  <a:prstClr val="black"/>
+                </a:solidFill>
+              </a:rPr>
               <a:t>Execute Business Logic</a:t>
             </a:r>
-            <a:endParaRPr kumimoji="1" lang="ja-JP" altLang="en-US" dirty="0"/>
+            <a:endParaRPr kumimoji="0" lang="ja-JP" altLang="en-US" sz="1800" kern="0" dirty="0">
+              <a:solidFill>
+                <a:prstClr val="black"/>
+              </a:solidFill>
+            </a:endParaRPr>
           </a:p>
         </p:txBody>
       </p:sp>
     </p:spTree>
     <p:extLst>
       <p:ext uri="{BB962C8B-B14F-4D97-AF65-F5344CB8AC3E}">
-        <p14:creationId xmlns:p14="http://schemas.microsoft.com/office/powerpoint/2010/main" val="3334938472"/>
+        <p14:creationId xmlns:p14="http://schemas.microsoft.com/office/powerpoint/2010/main" val="2559761310"/>
       </p:ext>
     </p:extLst>
   </p:cSld>
   <p:clrMapOvr>
     <a:masterClrMapping/>
   </p:clrMapOvr>
-  <p:timing>
-    <p:tnLst>
-      <p:par>
-        <p:cTn id="1" dur="indefinite" restart="never" nodeType="tmRoot"/>
-      </p:par>
-    </p:tnLst>
-  </p:timing>
 </p:sld>
 </file>
 
 <file path=ppt/theme/theme1.xml><?xml version="1.0" encoding="utf-8"?>
-<a:theme xmlns:a="http://schemas.openxmlformats.org/drawingml/2006/main" name="ホワイト">
+<a:theme xmlns:a="http://schemas.openxmlformats.org/drawingml/2006/main" name="Office テーマ">
   <a:themeElements>
-    <a:clrScheme name="Office">
+    <a:clrScheme name="Office テーマ">
       <a:dk1>
         <a:sysClr val="windowText" lastClr="000000"/>
       </a:dk1>
@@ -5726,39 +5703,39 @@
         <a:sysClr val="window" lastClr="FFFFFF"/>
       </a:lt1>
       <a:dk2>
-        <a:srgbClr val="1F497D"/>
+        <a:srgbClr val="44546A"/>
       </a:dk2>
       <a:lt2>
-        <a:srgbClr val="EEECE1"/>
+        <a:srgbClr val="E7E6E6"/>
       </a:lt2>
       <a:accent1>
-        <a:srgbClr val="4F81BD"/>
+        <a:srgbClr val="5B9BD5"/>
       </a:accent1>
       <a:accent2>
-        <a:srgbClr val="C0504D"/>
+        <a:srgbClr val="ED7D31"/>
       </a:accent2>
       <a:accent3>
-        <a:srgbClr val="9BBB59"/>
+        <a:srgbClr val="A5A5A5"/>
       </a:accent3>
       <a:accent4>
-        <a:srgbClr val="8064A2"/>
+        <a:srgbClr val="FFC000"/>
       </a:accent4>
       <a:accent5>
-        <a:srgbClr val="4BACC6"/>
+        <a:srgbClr val="4472C4"/>
       </a:accent5>
       <a:accent6>
-        <a:srgbClr val="F79646"/>
+        <a:srgbClr val="70AD47"/>
       </a:accent6>
       <a:hlink>
-        <a:srgbClr val="0000FF"/>
+        <a:srgbClr val="0563C1"/>
       </a:hlink>
       <a:folHlink>
-        <a:srgbClr val="800080"/>
+        <a:srgbClr val="954F72"/>
       </a:folHlink>
     </a:clrScheme>
-    <a:fontScheme name="Office">
+    <a:fontScheme name="Office テーマ">
       <a:majorFont>
-        <a:latin typeface="Calibri"/>
+        <a:latin typeface="Calibri Light" panose="020F0302020204030204"/>
         <a:ea typeface=""/>
         <a:cs typeface=""/>
         <a:font script="Jpan" typeface="ＭＳ Ｐゴシック"/>
@@ -5793,7 +5770,7 @@
         <a:font script="Geor" typeface="Sylfaen"/>
       </a:majorFont>
       <a:minorFont>
-        <a:latin typeface="Calibri"/>
+        <a:latin typeface="Calibri" panose="020F0502020204030204"/>
         <a:ea typeface=""/>
         <a:cs typeface=""/>
         <a:font script="Jpan" typeface="ＭＳ Ｐゴシック"/>
@@ -5828,7 +5805,7 @@
         <a:font script="Geor" typeface="Sylfaen"/>
       </a:minorFont>
     </a:fontScheme>
-    <a:fmtScheme name="Office">
+    <a:fmtScheme name="Office テーマ">
       <a:fillStyleLst>
         <a:solidFill>
           <a:schemeClr val="phClr"/>
@@ -5837,485 +5814,141 @@
           <a:gsLst>
             <a:gs pos="0">
               <a:schemeClr val="phClr">
-                <a:tint val="50000"/>
-                <a:satMod val="300000"/>
+                <a:lumMod val="110000"/>
+                <a:satMod val="105000"/>
+                <a:tint val="67000"/>
               </a:schemeClr>
             </a:gs>
-            <a:gs pos="35000">
+            <a:gs pos="50000">
               <a:schemeClr val="phClr">
-                <a:tint val="37000"/>
-                <a:satMod val="300000"/>
+                <a:lumMod val="105000"/>
+                <a:satMod val="103000"/>
+                <a:tint val="73000"/>
               </a:schemeClr>
             </a:gs>
             <a:gs pos="100000">
               <a:schemeClr val="phClr">
-                <a:tint val="15000"/>
-                <a:satMod val="350000"/>
+                <a:lumMod val="105000"/>
+                <a:satMod val="109000"/>
+                <a:tint val="81000"/>
               </a:schemeClr>
             </a:gs>
           </a:gsLst>
-          <a:lin ang="16200000" scaled="1"/>
+          <a:lin ang="5400000" scaled="0"/>
         </a:gradFill>
         <a:gradFill rotWithShape="1">
           <a:gsLst>
             <a:gs pos="0">
               <a:schemeClr val="phClr">
-                <a:tint val="100000"/>
+                <a:satMod val="103000"/>
+                <a:lumMod val="102000"/>
+                <a:tint val="94000"/>
+              </a:schemeClr>
+            </a:gs>
+            <a:gs pos="50000">
+              <a:schemeClr val="phClr">
+                <a:satMod val="110000"/>
+                <a:lumMod val="100000"/>
                 <a:shade val="100000"/>
-                <a:satMod val="130000"/>
               </a:schemeClr>
             </a:gs>
             <a:gs pos="100000">
               <a:schemeClr val="phClr">
-                <a:tint val="50000"/>
-                <a:shade val="100000"/>
-                <a:satMod val="350000"/>
+                <a:lumMod val="99000"/>
+                <a:satMod val="120000"/>
+                <a:shade val="78000"/>
               </a:schemeClr>
             </a:gs>
           </a:gsLst>
-          <a:lin ang="16200000" scaled="0"/>
+          <a:lin ang="5400000" scaled="0"/>
         </a:gradFill>
       </a:fillStyleLst>
       <a:lnStyleLst>
-        <a:ln w="9525" cap="flat" cmpd="sng" algn="ctr">
-          <a:solidFill>
-            <a:schemeClr val="phClr">
-              <a:shade val="95000"/>
-              <a:satMod val="105000"/>
-            </a:schemeClr>
-          </a:solidFill>
-          <a:prstDash val="solid"/>
-        </a:ln>
-        <a:ln w="25400" cap="flat" cmpd="sng" algn="ctr">
+        <a:ln w="6350" cap="flat" cmpd="sng" algn="ctr">
           <a:solidFill>
             <a:schemeClr val="phClr"/>
           </a:solidFill>
           <a:prstDash val="solid"/>
+          <a:miter lim="800000"/>
         </a:ln>
-        <a:ln w="38100" cap="flat" cmpd="sng" algn="ctr">
+        <a:ln w="12700" cap="flat" cmpd="sng" algn="ctr">
           <a:solidFill>
             <a:schemeClr val="phClr"/>
           </a:solidFill>
           <a:prstDash val="solid"/>
+          <a:miter lim="800000"/>
+        </a:ln>
+        <a:ln w="19050" cap="flat" cmpd="sng" algn="ctr">
+          <a:solidFill>
+            <a:schemeClr val="phClr"/>
+          </a:solidFill>
+          <a:prstDash val="solid"/>
+          <a:miter lim="800000"/>
         </a:ln>
       </a:lnStyleLst>
       <a:effectStyleLst>
         <a:effectStyle>
+          <a:effectLst/>
+        </a:effectStyle>
+        <a:effectStyle>
+          <a:effectLst/>
+        </a:effectStyle>
+        <a:effectStyle>
           <a:effectLst>
-            <a:outerShdw blurRad="40000" dist="20000" dir="5400000" rotWithShape="0">
+            <a:outerShdw blurRad="57150" dist="19050" dir="5400000" algn="ctr" rotWithShape="0">
               <a:srgbClr val="000000">
-                <a:alpha val="38000"/>
+                <a:alpha val="63000"/>
               </a:srgbClr>
             </a:outerShdw>
           </a:effectLst>
-        </a:effectStyle>
-        <a:effectStyle>
-          <a:effectLst>
-            <a:outerShdw blurRad="40000" dist="23000" dir="5400000" rotWithShape="0">
-              <a:srgbClr val="000000">
-                <a:alpha val="35000"/>
-              </a:srgbClr>
-            </a:outerShdw>
-          </a:effectLst>
-        </a:effectStyle>
-        <a:effectStyle>
-          <a:effectLst>
-            <a:outerShdw blurRad="40000" dist="23000" dir="5400000" rotWithShape="0">
-              <a:srgbClr val="000000">
-                <a:alpha val="35000"/>
-              </a:srgbClr>
-            </a:outerShdw>
-          </a:effectLst>
-          <a:scene3d>
-            <a:camera prst="orthographicFront">
-              <a:rot lat="0" lon="0" rev="0"/>
-            </a:camera>
-            <a:lightRig rig="threePt" dir="t">
-              <a:rot lat="0" lon="0" rev="1200000"/>
-            </a:lightRig>
-          </a:scene3d>
-          <a:sp3d>
-            <a:bevelT w="63500" h="25400"/>
-          </a:sp3d>
         </a:effectStyle>
       </a:effectStyleLst>
       <a:bgFillStyleLst>
         <a:solidFill>
           <a:schemeClr val="phClr"/>
         </a:solidFill>
-        <a:gradFill rotWithShape="1">
-          <a:gsLst>
-            <a:gs pos="0">
-              <a:schemeClr val="phClr">
-                <a:tint val="40000"/>
-                <a:satMod val="350000"/>
-              </a:schemeClr>
-            </a:gs>
-            <a:gs pos="40000">
-              <a:schemeClr val="phClr">
-                <a:tint val="45000"/>
-                <a:shade val="99000"/>
-                <a:satMod val="350000"/>
-              </a:schemeClr>
-            </a:gs>
-            <a:gs pos="100000">
-              <a:schemeClr val="phClr">
-                <a:shade val="20000"/>
-                <a:satMod val="255000"/>
-              </a:schemeClr>
-            </a:gs>
-          </a:gsLst>
-          <a:path path="circle">
-            <a:fillToRect l="50000" t="-80000" r="50000" b="180000"/>
-          </a:path>
-        </a:gradFill>
-        <a:gradFill rotWithShape="1">
-          <a:gsLst>
-            <a:gs pos="0">
-              <a:schemeClr val="phClr">
-                <a:tint val="80000"/>
-                <a:satMod val="300000"/>
-              </a:schemeClr>
-            </a:gs>
-            <a:gs pos="100000">
-              <a:schemeClr val="phClr">
-                <a:shade val="30000"/>
-                <a:satMod val="200000"/>
-              </a:schemeClr>
-            </a:gs>
-          </a:gsLst>
-          <a:path path="circle">
-            <a:fillToRect l="50000" t="50000" r="50000" b="50000"/>
-          </a:path>
-        </a:gradFill>
-      </a:bgFillStyleLst>
-    </a:fmtScheme>
-  </a:themeElements>
-  <a:objectDefaults>
-    <a:spDef>
-      <a:spPr/>
-      <a:bodyPr/>
-      <a:lstStyle/>
-      <a:style>
-        <a:lnRef idx="1">
-          <a:schemeClr val="accent1"/>
-        </a:lnRef>
-        <a:fillRef idx="3">
-          <a:schemeClr val="accent1"/>
-        </a:fillRef>
-        <a:effectRef idx="2">
-          <a:schemeClr val="accent1"/>
-        </a:effectRef>
-        <a:fontRef idx="minor">
-          <a:schemeClr val="lt1"/>
-        </a:fontRef>
-      </a:style>
-    </a:spDef>
-    <a:lnDef>
-      <a:spPr/>
-      <a:bodyPr/>
-      <a:lstStyle/>
-      <a:style>
-        <a:lnRef idx="2">
-          <a:schemeClr val="accent1"/>
-        </a:lnRef>
-        <a:fillRef idx="0">
-          <a:schemeClr val="accent1"/>
-        </a:fillRef>
-        <a:effectRef idx="1">
-          <a:schemeClr val="accent1"/>
-        </a:effectRef>
-        <a:fontRef idx="minor">
-          <a:schemeClr val="tx1"/>
-        </a:fontRef>
-      </a:style>
-    </a:lnDef>
-  </a:objectDefaults>
-  <a:extraClrSchemeLst/>
-</a:theme>
-</file>
-
-<file path=ppt/theme/theme2.xml><?xml version="1.0" encoding="utf-8"?>
-<a:theme xmlns:a="http://schemas.openxmlformats.org/drawingml/2006/main" name="Office ​​テーマ">
-  <a:themeElements>
-    <a:clrScheme name="Office">
-      <a:dk1>
-        <a:sysClr val="windowText" lastClr="000000"/>
-      </a:dk1>
-      <a:lt1>
-        <a:sysClr val="window" lastClr="FFFFFF"/>
-      </a:lt1>
-      <a:dk2>
-        <a:srgbClr val="1F497D"/>
-      </a:dk2>
-      <a:lt2>
-        <a:srgbClr val="EEECE1"/>
-      </a:lt2>
-      <a:accent1>
-        <a:srgbClr val="4F81BD"/>
-      </a:accent1>
-      <a:accent2>
-        <a:srgbClr val="C0504D"/>
-      </a:accent2>
-      <a:accent3>
-        <a:srgbClr val="9BBB59"/>
-      </a:accent3>
-      <a:accent4>
-        <a:srgbClr val="8064A2"/>
-      </a:accent4>
-      <a:accent5>
-        <a:srgbClr val="4BACC6"/>
-      </a:accent5>
-      <a:accent6>
-        <a:srgbClr val="F79646"/>
-      </a:accent6>
-      <a:hlink>
-        <a:srgbClr val="0000FF"/>
-      </a:hlink>
-      <a:folHlink>
-        <a:srgbClr val="800080"/>
-      </a:folHlink>
-    </a:clrScheme>
-    <a:fontScheme name="Office">
-      <a:majorFont>
-        <a:latin typeface="Calibri"/>
-        <a:ea typeface=""/>
-        <a:cs typeface=""/>
-        <a:font script="Jpan" typeface="ＭＳ Ｐゴシック"/>
-        <a:font script="Hang" typeface="맑은 고딕"/>
-        <a:font script="Hans" typeface="宋体"/>
-        <a:font script="Hant" typeface="新細明體"/>
-        <a:font script="Arab" typeface="Times New Roman"/>
-        <a:font script="Hebr" typeface="Times New Roman"/>
-        <a:font script="Thai" typeface="Angsana New"/>
-        <a:font script="Ethi" typeface="Nyala"/>
-        <a:font script="Beng" typeface="Vrinda"/>
-        <a:font script="Gujr" typeface="Shruti"/>
-        <a:font script="Khmr" typeface="MoolBoran"/>
-        <a:font script="Knda" typeface="Tunga"/>
-        <a:font script="Guru" typeface="Raavi"/>
-        <a:font script="Cans" typeface="Euphemia"/>
-        <a:font script="Cher" typeface="Plantagenet Cherokee"/>
-        <a:font script="Yiii" typeface="Microsoft Yi Baiti"/>
-        <a:font script="Tibt" typeface="Microsoft Himalaya"/>
-        <a:font script="Thaa" typeface="MV Boli"/>
-        <a:font script="Deva" typeface="Mangal"/>
-        <a:font script="Telu" typeface="Gautami"/>
-        <a:font script="Taml" typeface="Latha"/>
-        <a:font script="Syrc" typeface="Estrangelo Edessa"/>
-        <a:font script="Orya" typeface="Kalinga"/>
-        <a:font script="Mlym" typeface="Kartika"/>
-        <a:font script="Laoo" typeface="DokChampa"/>
-        <a:font script="Sinh" typeface="Iskoola Pota"/>
-        <a:font script="Mong" typeface="Mongolian Baiti"/>
-        <a:font script="Viet" typeface="Times New Roman"/>
-        <a:font script="Uigh" typeface="Microsoft Uighur"/>
-        <a:font script="Geor" typeface="Sylfaen"/>
-      </a:majorFont>
-      <a:minorFont>
-        <a:latin typeface="Calibri"/>
-        <a:ea typeface=""/>
-        <a:cs typeface=""/>
-        <a:font script="Jpan" typeface="ＭＳ Ｐゴシック"/>
-        <a:font script="Hang" typeface="맑은 고딕"/>
-        <a:font script="Hans" typeface="宋体"/>
-        <a:font script="Hant" typeface="新細明體"/>
-        <a:font script="Arab" typeface="Arial"/>
-        <a:font script="Hebr" typeface="Arial"/>
-        <a:font script="Thai" typeface="Cordia New"/>
-        <a:font script="Ethi" typeface="Nyala"/>
-        <a:font script="Beng" typeface="Vrinda"/>
-        <a:font script="Gujr" typeface="Shruti"/>
-        <a:font script="Khmr" typeface="DaunPenh"/>
-        <a:font script="Knda" typeface="Tunga"/>
-        <a:font script="Guru" typeface="Raavi"/>
-        <a:font script="Cans" typeface="Euphemia"/>
-        <a:font script="Cher" typeface="Plantagenet Cherokee"/>
-        <a:font script="Yiii" typeface="Microsoft Yi Baiti"/>
-        <a:font script="Tibt" typeface="Microsoft Himalaya"/>
-        <a:font script="Thaa" typeface="MV Boli"/>
-        <a:font script="Deva" typeface="Mangal"/>
-        <a:font script="Telu" typeface="Gautami"/>
-        <a:font script="Taml" typeface="Latha"/>
-        <a:font script="Syrc" typeface="Estrangelo Edessa"/>
-        <a:font script="Orya" typeface="Kalinga"/>
-        <a:font script="Mlym" typeface="Kartika"/>
-        <a:font script="Laoo" typeface="DokChampa"/>
-        <a:font script="Sinh" typeface="Iskoola Pota"/>
-        <a:font script="Mong" typeface="Mongolian Baiti"/>
-        <a:font script="Viet" typeface="Arial"/>
-        <a:font script="Uigh" typeface="Microsoft Uighur"/>
-        <a:font script="Geor" typeface="Sylfaen"/>
-      </a:minorFont>
-    </a:fontScheme>
-    <a:fmtScheme name="Office">
-      <a:fillStyleLst>
         <a:solidFill>
-          <a:schemeClr val="phClr"/>
+          <a:schemeClr val="phClr">
+            <a:tint val="95000"/>
+            <a:satMod val="170000"/>
+          </a:schemeClr>
         </a:solidFill>
         <a:gradFill rotWithShape="1">
           <a:gsLst>
             <a:gs pos="0">
               <a:schemeClr val="phClr">
-                <a:tint val="50000"/>
-                <a:satMod val="300000"/>
+                <a:tint val="93000"/>
+                <a:satMod val="150000"/>
+                <a:shade val="98000"/>
+                <a:lumMod val="102000"/>
               </a:schemeClr>
             </a:gs>
-            <a:gs pos="35000">
+            <a:gs pos="50000">
               <a:schemeClr val="phClr">
-                <a:tint val="37000"/>
-                <a:satMod val="300000"/>
+                <a:tint val="98000"/>
+                <a:satMod val="130000"/>
+                <a:shade val="90000"/>
+                <a:lumMod val="103000"/>
               </a:schemeClr>
             </a:gs>
             <a:gs pos="100000">
               <a:schemeClr val="phClr">
-                <a:tint val="15000"/>
-                <a:satMod val="350000"/>
+                <a:shade val="63000"/>
+                <a:satMod val="120000"/>
               </a:schemeClr>
             </a:gs>
           </a:gsLst>
-          <a:lin ang="16200000" scaled="1"/>
-        </a:gradFill>
-        <a:gradFill rotWithShape="1">
-          <a:gsLst>
-            <a:gs pos="0">
-              <a:schemeClr val="phClr">
-                <a:shade val="51000"/>
-                <a:satMod val="130000"/>
-              </a:schemeClr>
-            </a:gs>
-            <a:gs pos="80000">
-              <a:schemeClr val="phClr">
-                <a:shade val="93000"/>
-                <a:satMod val="130000"/>
-              </a:schemeClr>
-            </a:gs>
-            <a:gs pos="100000">
-              <a:schemeClr val="phClr">
-                <a:shade val="94000"/>
-                <a:satMod val="135000"/>
-              </a:schemeClr>
-            </a:gs>
-          </a:gsLst>
-          <a:lin ang="16200000" scaled="0"/>
-        </a:gradFill>
-      </a:fillStyleLst>
-      <a:lnStyleLst>
-        <a:ln w="9525" cap="flat" cmpd="sng" algn="ctr">
-          <a:solidFill>
-            <a:schemeClr val="phClr">
-              <a:shade val="95000"/>
-              <a:satMod val="105000"/>
-            </a:schemeClr>
-          </a:solidFill>
-          <a:prstDash val="solid"/>
-        </a:ln>
-        <a:ln w="25400" cap="flat" cmpd="sng" algn="ctr">
-          <a:solidFill>
-            <a:schemeClr val="phClr"/>
-          </a:solidFill>
-          <a:prstDash val="solid"/>
-        </a:ln>
-        <a:ln w="38100" cap="flat" cmpd="sng" algn="ctr">
-          <a:solidFill>
-            <a:schemeClr val="phClr"/>
-          </a:solidFill>
-          <a:prstDash val="solid"/>
-        </a:ln>
-      </a:lnStyleLst>
-      <a:effectStyleLst>
-        <a:effectStyle>
-          <a:effectLst>
-            <a:outerShdw blurRad="40000" dist="20000" dir="5400000" rotWithShape="0">
-              <a:srgbClr val="000000">
-                <a:alpha val="38000"/>
-              </a:srgbClr>
-            </a:outerShdw>
-          </a:effectLst>
-        </a:effectStyle>
-        <a:effectStyle>
-          <a:effectLst>
-            <a:outerShdw blurRad="40000" dist="23000" dir="5400000" rotWithShape="0">
-              <a:srgbClr val="000000">
-                <a:alpha val="35000"/>
-              </a:srgbClr>
-            </a:outerShdw>
-          </a:effectLst>
-        </a:effectStyle>
-        <a:effectStyle>
-          <a:effectLst>
-            <a:outerShdw blurRad="40000" dist="23000" dir="5400000" rotWithShape="0">
-              <a:srgbClr val="000000">
-                <a:alpha val="35000"/>
-              </a:srgbClr>
-            </a:outerShdw>
-          </a:effectLst>
-          <a:scene3d>
-            <a:camera prst="orthographicFront">
-              <a:rot lat="0" lon="0" rev="0"/>
-            </a:camera>
-            <a:lightRig rig="threePt" dir="t">
-              <a:rot lat="0" lon="0" rev="1200000"/>
-            </a:lightRig>
-          </a:scene3d>
-          <a:sp3d>
-            <a:bevelT w="63500" h="25400"/>
-          </a:sp3d>
-        </a:effectStyle>
-      </a:effectStyleLst>
-      <a:bgFillStyleLst>
-        <a:solidFill>
-          <a:schemeClr val="phClr"/>
-        </a:solidFill>
-        <a:gradFill rotWithShape="1">
-          <a:gsLst>
-            <a:gs pos="0">
-              <a:schemeClr val="phClr">
-                <a:tint val="40000"/>
-                <a:satMod val="350000"/>
-              </a:schemeClr>
-            </a:gs>
-            <a:gs pos="40000">
-              <a:schemeClr val="phClr">
-                <a:tint val="45000"/>
-                <a:shade val="99000"/>
-                <a:satMod val="350000"/>
-              </a:schemeClr>
-            </a:gs>
-            <a:gs pos="100000">
-              <a:schemeClr val="phClr">
-                <a:shade val="20000"/>
-                <a:satMod val="255000"/>
-              </a:schemeClr>
-            </a:gs>
-          </a:gsLst>
-          <a:path path="circle">
-            <a:fillToRect l="50000" t="-80000" r="50000" b="180000"/>
-          </a:path>
-        </a:gradFill>
-        <a:gradFill rotWithShape="1">
-          <a:gsLst>
-            <a:gs pos="0">
-              <a:schemeClr val="phClr">
-                <a:tint val="80000"/>
-                <a:satMod val="300000"/>
-              </a:schemeClr>
-            </a:gs>
-            <a:gs pos="100000">
-              <a:schemeClr val="phClr">
-                <a:shade val="30000"/>
-                <a:satMod val="200000"/>
-              </a:schemeClr>
-            </a:gs>
-          </a:gsLst>
-          <a:path path="circle">
-            <a:fillToRect l="50000" t="50000" r="50000" b="50000"/>
-          </a:path>
+          <a:lin ang="5400000" scaled="0"/>
         </a:gradFill>
       </a:bgFillStyleLst>
     </a:fmtScheme>
   </a:themeElements>
   <a:objectDefaults/>
   <a:extraClrSchemeLst/>
+  <a:extLst>
+    <a:ext uri="{05A4C25C-085E-4340-85A3-A5531E510DB2}">
+      <thm15:themeFamily xmlns:thm15="http://schemas.microsoft.com/office/thememl/2012/main" name="Office Theme" id="{62F939B6-93AF-4DB8-9C6B-D6C7DFDC589F}" vid="{4A3C46E8-61CC-4603-A589-7422A47A8E4A}"/>
+    </a:ext>
+  </a:extLst>
 </a:theme>
 </file>